--- a/Documentação/Protopersona/ProtopersonaV1.pptx
+++ b/Documentação/Protopersona/ProtopersonaV1.pptx
@@ -37,7 +37,7 @@
             <a:spLocks noGrp="1"/>
           </p:cNvSpPr>
           <p:nvPr>
-            <p:ph type="ftr" idx="2"/>
+            <p:ph type="ftr" idx="1"/>
           </p:nvPr>
         </p:nvSpPr>
         <p:spPr/>
@@ -57,14 +57,14 @@
             <a:spLocks noGrp="1"/>
           </p:cNvSpPr>
           <p:nvPr>
-            <p:ph type="sldNum" idx="3"/>
+            <p:ph type="sldNum" idx="2"/>
           </p:nvPr>
         </p:nvSpPr>
         <p:spPr/>
         <p:txBody>
           <a:bodyPr/>
           <a:p>
-            <a:fld id="{CF757C2C-9CFE-4921-A225-C08813C66793}" type="slidenum">
+            <a:fld id="{011B94EC-139B-44E9-9ABB-E67A5CB80F2C}" type="slidenum">
               <a:t>&lt;#&gt;</a:t>
             </a:fld>
           </a:p>
@@ -77,7 +77,7 @@
             <a:spLocks noGrp="1"/>
           </p:cNvSpPr>
           <p:nvPr>
-            <p:ph type="dt" idx="1"/>
+            <p:ph type="dt" idx="3"/>
           </p:nvPr>
         </p:nvSpPr>
         <p:spPr/>
@@ -126,7 +126,7 @@
         <p:spPr>
           <a:xfrm>
             <a:off x="1523880" y="1122480"/>
-            <a:ext cx="9143640" cy="2387160"/>
+            <a:ext cx="9143280" cy="2386800"/>
           </a:xfrm>
           <a:prstGeom prst="rect">
             <a:avLst/>
@@ -141,11 +141,11 @@
             <a:noAutofit/>
           </a:bodyPr>
           <a:p>
-            <a:endParaRPr b="0" lang="pt-BR" sz="1800" spc="-1" strike="noStrike">
-              <a:solidFill>
-                <a:srgbClr val="000000"/>
-              </a:solidFill>
-              <a:latin typeface="Calibri"/>
+            <a:pPr algn="ctr">
+              <a:buNone/>
+            </a:pPr>
+            <a:endParaRPr b="0" lang="pt-BR" sz="4400" spc="-1" strike="noStrike">
+              <a:latin typeface="Arial"/>
             </a:endParaRPr>
           </a:p>
         </p:txBody>
@@ -178,20 +178,8 @@
             <a:normAutofit/>
           </a:bodyPr>
           <a:p>
-            <a:pPr>
-              <a:lnSpc>
-                <a:spcPct val="90000"/>
-              </a:lnSpc>
-              <a:spcBef>
-                <a:spcPts val="1417"/>
-              </a:spcBef>
-              <a:buNone/>
-            </a:pPr>
-            <a:endParaRPr b="0" lang="pt-BR" sz="2800" spc="-1" strike="noStrike">
-              <a:solidFill>
-                <a:srgbClr val="000000"/>
-              </a:solidFill>
-              <a:latin typeface="Calibri"/>
+            <a:endParaRPr b="0" lang="pt-BR" sz="3200" spc="-1" strike="noStrike">
+              <a:latin typeface="Arial"/>
             </a:endParaRPr>
           </a:p>
         </p:txBody>
@@ -224,20 +212,8 @@
             <a:normAutofit/>
           </a:bodyPr>
           <a:p>
-            <a:pPr>
-              <a:lnSpc>
-                <a:spcPct val="90000"/>
-              </a:lnSpc>
-              <a:spcBef>
-                <a:spcPts val="1417"/>
-              </a:spcBef>
-              <a:buNone/>
-            </a:pPr>
-            <a:endParaRPr b="0" lang="pt-BR" sz="2800" spc="-1" strike="noStrike">
-              <a:solidFill>
-                <a:srgbClr val="000000"/>
-              </a:solidFill>
-              <a:latin typeface="Calibri"/>
+            <a:endParaRPr b="0" lang="pt-BR" sz="3200" spc="-1" strike="noStrike">
+              <a:latin typeface="Arial"/>
             </a:endParaRPr>
           </a:p>
         </p:txBody>
@@ -249,7 +225,7 @@
             <a:spLocks noGrp="1"/>
           </p:cNvSpPr>
           <p:nvPr>
-            <p:ph type="ftr" idx="2"/>
+            <p:ph type="ftr" idx="1"/>
           </p:nvPr>
         </p:nvSpPr>
         <p:spPr/>
@@ -269,14 +245,14 @@
             <a:spLocks noGrp="1"/>
           </p:cNvSpPr>
           <p:nvPr>
-            <p:ph type="sldNum" idx="3"/>
+            <p:ph type="sldNum" idx="2"/>
           </p:nvPr>
         </p:nvSpPr>
         <p:spPr/>
         <p:txBody>
           <a:bodyPr/>
           <a:p>
-            <a:fld id="{CE334316-4309-420C-859F-FE7D43F348A2}" type="slidenum">
+            <a:fld id="{54ED8AE8-ADF7-46AD-85B2-4BCFD74E30AD}" type="slidenum">
               <a:t>&lt;#&gt;</a:t>
             </a:fld>
           </a:p>
@@ -289,7 +265,7 @@
             <a:spLocks noGrp="1"/>
           </p:cNvSpPr>
           <p:nvPr>
-            <p:ph type="dt" idx="1"/>
+            <p:ph type="dt" idx="3"/>
           </p:nvPr>
         </p:nvSpPr>
         <p:spPr/>
@@ -338,7 +314,7 @@
         <p:spPr>
           <a:xfrm>
             <a:off x="1523880" y="1122480"/>
-            <a:ext cx="9143640" cy="2387160"/>
+            <a:ext cx="9143280" cy="2386800"/>
           </a:xfrm>
           <a:prstGeom prst="rect">
             <a:avLst/>
@@ -353,11 +329,11 @@
             <a:noAutofit/>
           </a:bodyPr>
           <a:p>
-            <a:endParaRPr b="0" lang="pt-BR" sz="1800" spc="-1" strike="noStrike">
-              <a:solidFill>
-                <a:srgbClr val="000000"/>
-              </a:solidFill>
-              <a:latin typeface="Calibri"/>
+            <a:pPr algn="ctr">
+              <a:buNone/>
+            </a:pPr>
+            <a:endParaRPr b="0" lang="pt-BR" sz="4400" spc="-1" strike="noStrike">
+              <a:latin typeface="Arial"/>
             </a:endParaRPr>
           </a:p>
         </p:txBody>
@@ -390,20 +366,8 @@
             <a:normAutofit/>
           </a:bodyPr>
           <a:p>
-            <a:pPr>
-              <a:lnSpc>
-                <a:spcPct val="90000"/>
-              </a:lnSpc>
-              <a:spcBef>
-                <a:spcPts val="1417"/>
-              </a:spcBef>
-              <a:buNone/>
-            </a:pPr>
-            <a:endParaRPr b="0" lang="pt-BR" sz="2800" spc="-1" strike="noStrike">
-              <a:solidFill>
-                <a:srgbClr val="000000"/>
-              </a:solidFill>
-              <a:latin typeface="Calibri"/>
+            <a:endParaRPr b="0" lang="pt-BR" sz="3200" spc="-1" strike="noStrike">
+              <a:latin typeface="Arial"/>
             </a:endParaRPr>
           </a:p>
         </p:txBody>
@@ -436,20 +400,8 @@
             <a:normAutofit/>
           </a:bodyPr>
           <a:p>
-            <a:pPr>
-              <a:lnSpc>
-                <a:spcPct val="90000"/>
-              </a:lnSpc>
-              <a:spcBef>
-                <a:spcPts val="1417"/>
-              </a:spcBef>
-              <a:buNone/>
-            </a:pPr>
-            <a:endParaRPr b="0" lang="pt-BR" sz="2800" spc="-1" strike="noStrike">
-              <a:solidFill>
-                <a:srgbClr val="000000"/>
-              </a:solidFill>
-              <a:latin typeface="Calibri"/>
+            <a:endParaRPr b="0" lang="pt-BR" sz="3200" spc="-1" strike="noStrike">
+              <a:latin typeface="Arial"/>
             </a:endParaRPr>
           </a:p>
         </p:txBody>
@@ -482,20 +434,8 @@
             <a:normAutofit/>
           </a:bodyPr>
           <a:p>
-            <a:pPr>
-              <a:lnSpc>
-                <a:spcPct val="90000"/>
-              </a:lnSpc>
-              <a:spcBef>
-                <a:spcPts val="1417"/>
-              </a:spcBef>
-              <a:buNone/>
-            </a:pPr>
-            <a:endParaRPr b="0" lang="pt-BR" sz="2800" spc="-1" strike="noStrike">
-              <a:solidFill>
-                <a:srgbClr val="000000"/>
-              </a:solidFill>
-              <a:latin typeface="Calibri"/>
+            <a:endParaRPr b="0" lang="pt-BR" sz="3200" spc="-1" strike="noStrike">
+              <a:latin typeface="Arial"/>
             </a:endParaRPr>
           </a:p>
         </p:txBody>
@@ -528,20 +468,8 @@
             <a:normAutofit/>
           </a:bodyPr>
           <a:p>
-            <a:pPr>
-              <a:lnSpc>
-                <a:spcPct val="90000"/>
-              </a:lnSpc>
-              <a:spcBef>
-                <a:spcPts val="1417"/>
-              </a:spcBef>
-              <a:buNone/>
-            </a:pPr>
-            <a:endParaRPr b="0" lang="pt-BR" sz="2800" spc="-1" strike="noStrike">
-              <a:solidFill>
-                <a:srgbClr val="000000"/>
-              </a:solidFill>
-              <a:latin typeface="Calibri"/>
+            <a:endParaRPr b="0" lang="pt-BR" sz="3200" spc="-1" strike="noStrike">
+              <a:latin typeface="Arial"/>
             </a:endParaRPr>
           </a:p>
         </p:txBody>
@@ -553,7 +481,7 @@
             <a:spLocks noGrp="1"/>
           </p:cNvSpPr>
           <p:nvPr>
-            <p:ph type="ftr" idx="2"/>
+            <p:ph type="ftr" idx="1"/>
           </p:nvPr>
         </p:nvSpPr>
         <p:spPr/>
@@ -573,14 +501,14 @@
             <a:spLocks noGrp="1"/>
           </p:cNvSpPr>
           <p:nvPr>
-            <p:ph type="sldNum" idx="3"/>
+            <p:ph type="sldNum" idx="2"/>
           </p:nvPr>
         </p:nvSpPr>
         <p:spPr/>
         <p:txBody>
           <a:bodyPr/>
           <a:p>
-            <a:fld id="{FC8AAFCA-7218-45C8-A090-49EDBCC8CD1F}" type="slidenum">
+            <a:fld id="{F73F66A4-DDC8-4F09-BDCE-C889E72300A4}" type="slidenum">
               <a:t>&lt;#&gt;</a:t>
             </a:fld>
           </a:p>
@@ -593,7 +521,7 @@
             <a:spLocks noGrp="1"/>
           </p:cNvSpPr>
           <p:nvPr>
-            <p:ph type="dt" idx="1"/>
+            <p:ph type="dt" idx="3"/>
           </p:nvPr>
         </p:nvSpPr>
         <p:spPr/>
@@ -642,7 +570,7 @@
         <p:spPr>
           <a:xfrm>
             <a:off x="1523880" y="1122480"/>
-            <a:ext cx="9143640" cy="2387160"/>
+            <a:ext cx="9143280" cy="2386800"/>
           </a:xfrm>
           <a:prstGeom prst="rect">
             <a:avLst/>
@@ -657,11 +585,11 @@
             <a:noAutofit/>
           </a:bodyPr>
           <a:p>
-            <a:endParaRPr b="0" lang="pt-BR" sz="1800" spc="-1" strike="noStrike">
-              <a:solidFill>
-                <a:srgbClr val="000000"/>
-              </a:solidFill>
-              <a:latin typeface="Calibri"/>
+            <a:pPr algn="ctr">
+              <a:buNone/>
+            </a:pPr>
+            <a:endParaRPr b="0" lang="pt-BR" sz="4400" spc="-1" strike="noStrike">
+              <a:latin typeface="Arial"/>
             </a:endParaRPr>
           </a:p>
         </p:txBody>
@@ -694,20 +622,8 @@
             <a:normAutofit/>
           </a:bodyPr>
           <a:p>
-            <a:pPr>
-              <a:lnSpc>
-                <a:spcPct val="90000"/>
-              </a:lnSpc>
-              <a:spcBef>
-                <a:spcPts val="1417"/>
-              </a:spcBef>
-              <a:buNone/>
-            </a:pPr>
-            <a:endParaRPr b="0" lang="pt-BR" sz="2800" spc="-1" strike="noStrike">
-              <a:solidFill>
-                <a:srgbClr val="000000"/>
-              </a:solidFill>
-              <a:latin typeface="Calibri"/>
+            <a:endParaRPr b="0" lang="pt-BR" sz="3200" spc="-1" strike="noStrike">
+              <a:latin typeface="Arial"/>
             </a:endParaRPr>
           </a:p>
         </p:txBody>
@@ -740,20 +656,8 @@
             <a:normAutofit/>
           </a:bodyPr>
           <a:p>
-            <a:pPr>
-              <a:lnSpc>
-                <a:spcPct val="90000"/>
-              </a:lnSpc>
-              <a:spcBef>
-                <a:spcPts val="1417"/>
-              </a:spcBef>
-              <a:buNone/>
-            </a:pPr>
-            <a:endParaRPr b="0" lang="pt-BR" sz="2800" spc="-1" strike="noStrike">
-              <a:solidFill>
-                <a:srgbClr val="000000"/>
-              </a:solidFill>
-              <a:latin typeface="Calibri"/>
+            <a:endParaRPr b="0" lang="pt-BR" sz="3200" spc="-1" strike="noStrike">
+              <a:latin typeface="Arial"/>
             </a:endParaRPr>
           </a:p>
         </p:txBody>
@@ -786,20 +690,8 @@
             <a:normAutofit/>
           </a:bodyPr>
           <a:p>
-            <a:pPr>
-              <a:lnSpc>
-                <a:spcPct val="90000"/>
-              </a:lnSpc>
-              <a:spcBef>
-                <a:spcPts val="1417"/>
-              </a:spcBef>
-              <a:buNone/>
-            </a:pPr>
-            <a:endParaRPr b="0" lang="pt-BR" sz="2800" spc="-1" strike="noStrike">
-              <a:solidFill>
-                <a:srgbClr val="000000"/>
-              </a:solidFill>
-              <a:latin typeface="Calibri"/>
+            <a:endParaRPr b="0" lang="pt-BR" sz="3200" spc="-1" strike="noStrike">
+              <a:latin typeface="Arial"/>
             </a:endParaRPr>
           </a:p>
         </p:txBody>
@@ -832,20 +724,8 @@
             <a:normAutofit/>
           </a:bodyPr>
           <a:p>
-            <a:pPr>
-              <a:lnSpc>
-                <a:spcPct val="90000"/>
-              </a:lnSpc>
-              <a:spcBef>
-                <a:spcPts val="1417"/>
-              </a:spcBef>
-              <a:buNone/>
-            </a:pPr>
-            <a:endParaRPr b="0" lang="pt-BR" sz="2800" spc="-1" strike="noStrike">
-              <a:solidFill>
-                <a:srgbClr val="000000"/>
-              </a:solidFill>
-              <a:latin typeface="Calibri"/>
+            <a:endParaRPr b="0" lang="pt-BR" sz="3200" spc="-1" strike="noStrike">
+              <a:latin typeface="Arial"/>
             </a:endParaRPr>
           </a:p>
         </p:txBody>
@@ -878,20 +758,8 @@
             <a:normAutofit/>
           </a:bodyPr>
           <a:p>
-            <a:pPr>
-              <a:lnSpc>
-                <a:spcPct val="90000"/>
-              </a:lnSpc>
-              <a:spcBef>
-                <a:spcPts val="1417"/>
-              </a:spcBef>
-              <a:buNone/>
-            </a:pPr>
-            <a:endParaRPr b="0" lang="pt-BR" sz="2800" spc="-1" strike="noStrike">
-              <a:solidFill>
-                <a:srgbClr val="000000"/>
-              </a:solidFill>
-              <a:latin typeface="Calibri"/>
+            <a:endParaRPr b="0" lang="pt-BR" sz="3200" spc="-1" strike="noStrike">
+              <a:latin typeface="Arial"/>
             </a:endParaRPr>
           </a:p>
         </p:txBody>
@@ -924,20 +792,8 @@
             <a:normAutofit/>
           </a:bodyPr>
           <a:p>
-            <a:pPr>
-              <a:lnSpc>
-                <a:spcPct val="90000"/>
-              </a:lnSpc>
-              <a:spcBef>
-                <a:spcPts val="1417"/>
-              </a:spcBef>
-              <a:buNone/>
-            </a:pPr>
-            <a:endParaRPr b="0" lang="pt-BR" sz="2800" spc="-1" strike="noStrike">
-              <a:solidFill>
-                <a:srgbClr val="000000"/>
-              </a:solidFill>
-              <a:latin typeface="Calibri"/>
+            <a:endParaRPr b="0" lang="pt-BR" sz="3200" spc="-1" strike="noStrike">
+              <a:latin typeface="Arial"/>
             </a:endParaRPr>
           </a:p>
         </p:txBody>
@@ -949,7 +805,7 @@
             <a:spLocks noGrp="1"/>
           </p:cNvSpPr>
           <p:nvPr>
-            <p:ph type="ftr" idx="2"/>
+            <p:ph type="ftr" idx="1"/>
           </p:nvPr>
         </p:nvSpPr>
         <p:spPr/>
@@ -969,14 +825,14 @@
             <a:spLocks noGrp="1"/>
           </p:cNvSpPr>
           <p:nvPr>
-            <p:ph type="sldNum" idx="3"/>
+            <p:ph type="sldNum" idx="2"/>
           </p:nvPr>
         </p:nvSpPr>
         <p:spPr/>
         <p:txBody>
           <a:bodyPr/>
           <a:p>
-            <a:fld id="{131C00DA-B642-4A3A-812F-06C8E2552F68}" type="slidenum">
+            <a:fld id="{09C75525-6210-4A65-8B87-28B94D48D55B}" type="slidenum">
               <a:t>&lt;#&gt;</a:t>
             </a:fld>
           </a:p>
@@ -989,7 +845,7 @@
             <a:spLocks noGrp="1"/>
           </p:cNvSpPr>
           <p:nvPr>
-            <p:ph type="dt" idx="1"/>
+            <p:ph type="dt" idx="3"/>
           </p:nvPr>
         </p:nvSpPr>
         <p:spPr/>
@@ -1038,7 +894,7 @@
         <p:spPr>
           <a:xfrm>
             <a:off x="1523880" y="1122480"/>
-            <a:ext cx="9143640" cy="2387160"/>
+            <a:ext cx="9143280" cy="2386800"/>
           </a:xfrm>
           <a:prstGeom prst="rect">
             <a:avLst/>
@@ -1053,11 +909,11 @@
             <a:noAutofit/>
           </a:bodyPr>
           <a:p>
-            <a:endParaRPr b="0" lang="pt-BR" sz="1800" spc="-1" strike="noStrike">
-              <a:solidFill>
-                <a:srgbClr val="000000"/>
-              </a:solidFill>
-              <a:latin typeface="Calibri"/>
+            <a:pPr algn="ctr">
+              <a:buNone/>
+            </a:pPr>
+            <a:endParaRPr b="0" lang="pt-BR" sz="4400" spc="-1" strike="noStrike">
+              <a:latin typeface="Arial"/>
             </a:endParaRPr>
           </a:p>
         </p:txBody>
@@ -1106,7 +962,7 @@
             <a:spLocks noGrp="1"/>
           </p:cNvSpPr>
           <p:nvPr>
-            <p:ph type="ftr" idx="2"/>
+            <p:ph type="ftr" idx="1"/>
           </p:nvPr>
         </p:nvSpPr>
         <p:spPr/>
@@ -1126,14 +982,14 @@
             <a:spLocks noGrp="1"/>
           </p:cNvSpPr>
           <p:nvPr>
-            <p:ph type="sldNum" idx="3"/>
+            <p:ph type="sldNum" idx="2"/>
           </p:nvPr>
         </p:nvSpPr>
         <p:spPr/>
         <p:txBody>
           <a:bodyPr/>
           <a:p>
-            <a:fld id="{C7BDC9F9-289E-43AA-B491-E904A4021660}" type="slidenum">
+            <a:fld id="{F8CDC320-BD9A-41AD-ADD4-E26166ED71CE}" type="slidenum">
               <a:t>&lt;#&gt;</a:t>
             </a:fld>
           </a:p>
@@ -1146,7 +1002,7 @@
             <a:spLocks noGrp="1"/>
           </p:cNvSpPr>
           <p:nvPr>
-            <p:ph type="dt" idx="1"/>
+            <p:ph type="dt" idx="3"/>
           </p:nvPr>
         </p:nvSpPr>
         <p:spPr/>
@@ -1195,7 +1051,7 @@
         <p:spPr>
           <a:xfrm>
             <a:off x="1523880" y="1122480"/>
-            <a:ext cx="9143640" cy="2387160"/>
+            <a:ext cx="9143280" cy="2386800"/>
           </a:xfrm>
           <a:prstGeom prst="rect">
             <a:avLst/>
@@ -1210,11 +1066,11 @@
             <a:noAutofit/>
           </a:bodyPr>
           <a:p>
-            <a:endParaRPr b="0" lang="pt-BR" sz="1800" spc="-1" strike="noStrike">
-              <a:solidFill>
-                <a:srgbClr val="000000"/>
-              </a:solidFill>
-              <a:latin typeface="Calibri"/>
+            <a:pPr algn="ctr">
+              <a:buNone/>
+            </a:pPr>
+            <a:endParaRPr b="0" lang="pt-BR" sz="4400" spc="-1" strike="noStrike">
+              <a:latin typeface="Arial"/>
             </a:endParaRPr>
           </a:p>
         </p:txBody>
@@ -1247,20 +1103,8 @@
             <a:normAutofit/>
           </a:bodyPr>
           <a:p>
-            <a:pPr>
-              <a:lnSpc>
-                <a:spcPct val="90000"/>
-              </a:lnSpc>
-              <a:spcBef>
-                <a:spcPts val="1417"/>
-              </a:spcBef>
-              <a:buNone/>
-            </a:pPr>
-            <a:endParaRPr b="0" lang="pt-BR" sz="2800" spc="-1" strike="noStrike">
-              <a:solidFill>
-                <a:srgbClr val="000000"/>
-              </a:solidFill>
-              <a:latin typeface="Calibri"/>
+            <a:endParaRPr b="0" lang="pt-BR" sz="3200" spc="-1" strike="noStrike">
+              <a:latin typeface="Arial"/>
             </a:endParaRPr>
           </a:p>
         </p:txBody>
@@ -1272,7 +1116,7 @@
             <a:spLocks noGrp="1"/>
           </p:cNvSpPr>
           <p:nvPr>
-            <p:ph type="ftr" idx="2"/>
+            <p:ph type="ftr" idx="1"/>
           </p:nvPr>
         </p:nvSpPr>
         <p:spPr/>
@@ -1292,14 +1136,14 @@
             <a:spLocks noGrp="1"/>
           </p:cNvSpPr>
           <p:nvPr>
-            <p:ph type="sldNum" idx="3"/>
+            <p:ph type="sldNum" idx="2"/>
           </p:nvPr>
         </p:nvSpPr>
         <p:spPr/>
         <p:txBody>
           <a:bodyPr/>
           <a:p>
-            <a:fld id="{4FEC1287-9629-49C8-B927-73249A3B1623}" type="slidenum">
+            <a:fld id="{6196F6E4-FEBA-4973-8FF5-E478C5F63F62}" type="slidenum">
               <a:t>&lt;#&gt;</a:t>
             </a:fld>
           </a:p>
@@ -1312,7 +1156,7 @@
             <a:spLocks noGrp="1"/>
           </p:cNvSpPr>
           <p:nvPr>
-            <p:ph type="dt" idx="1"/>
+            <p:ph type="dt" idx="3"/>
           </p:nvPr>
         </p:nvSpPr>
         <p:spPr/>
@@ -1361,7 +1205,7 @@
         <p:spPr>
           <a:xfrm>
             <a:off x="1523880" y="1122480"/>
-            <a:ext cx="9143640" cy="2387160"/>
+            <a:ext cx="9143280" cy="2386800"/>
           </a:xfrm>
           <a:prstGeom prst="rect">
             <a:avLst/>
@@ -1376,11 +1220,11 @@
             <a:noAutofit/>
           </a:bodyPr>
           <a:p>
-            <a:endParaRPr b="0" lang="pt-BR" sz="1800" spc="-1" strike="noStrike">
-              <a:solidFill>
-                <a:srgbClr val="000000"/>
-              </a:solidFill>
-              <a:latin typeface="Calibri"/>
+            <a:pPr algn="ctr">
+              <a:buNone/>
+            </a:pPr>
+            <a:endParaRPr b="0" lang="pt-BR" sz="4400" spc="-1" strike="noStrike">
+              <a:latin typeface="Arial"/>
             </a:endParaRPr>
           </a:p>
         </p:txBody>
@@ -1413,20 +1257,8 @@
             <a:normAutofit/>
           </a:bodyPr>
           <a:p>
-            <a:pPr>
-              <a:lnSpc>
-                <a:spcPct val="90000"/>
-              </a:lnSpc>
-              <a:spcBef>
-                <a:spcPts val="1417"/>
-              </a:spcBef>
-              <a:buNone/>
-            </a:pPr>
-            <a:endParaRPr b="0" lang="pt-BR" sz="2800" spc="-1" strike="noStrike">
-              <a:solidFill>
-                <a:srgbClr val="000000"/>
-              </a:solidFill>
-              <a:latin typeface="Calibri"/>
+            <a:endParaRPr b="0" lang="pt-BR" sz="3200" spc="-1" strike="noStrike">
+              <a:latin typeface="Arial"/>
             </a:endParaRPr>
           </a:p>
         </p:txBody>
@@ -1459,20 +1291,8 @@
             <a:normAutofit/>
           </a:bodyPr>
           <a:p>
-            <a:pPr>
-              <a:lnSpc>
-                <a:spcPct val="90000"/>
-              </a:lnSpc>
-              <a:spcBef>
-                <a:spcPts val="1417"/>
-              </a:spcBef>
-              <a:buNone/>
-            </a:pPr>
-            <a:endParaRPr b="0" lang="pt-BR" sz="2800" spc="-1" strike="noStrike">
-              <a:solidFill>
-                <a:srgbClr val="000000"/>
-              </a:solidFill>
-              <a:latin typeface="Calibri"/>
+            <a:endParaRPr b="0" lang="pt-BR" sz="3200" spc="-1" strike="noStrike">
+              <a:latin typeface="Arial"/>
             </a:endParaRPr>
           </a:p>
         </p:txBody>
@@ -1484,7 +1304,7 @@
             <a:spLocks noGrp="1"/>
           </p:cNvSpPr>
           <p:nvPr>
-            <p:ph type="ftr" idx="2"/>
+            <p:ph type="ftr" idx="1"/>
           </p:nvPr>
         </p:nvSpPr>
         <p:spPr/>
@@ -1504,14 +1324,14 @@
             <a:spLocks noGrp="1"/>
           </p:cNvSpPr>
           <p:nvPr>
-            <p:ph type="sldNum" idx="3"/>
+            <p:ph type="sldNum" idx="2"/>
           </p:nvPr>
         </p:nvSpPr>
         <p:spPr/>
         <p:txBody>
           <a:bodyPr/>
           <a:p>
-            <a:fld id="{CBAAE723-5E9D-4D5F-9EE5-43EC8592EBB2}" type="slidenum">
+            <a:fld id="{047EE30B-A980-40E5-9887-D06194D7ECC4}" type="slidenum">
               <a:t>&lt;#&gt;</a:t>
             </a:fld>
           </a:p>
@@ -1524,7 +1344,7 @@
             <a:spLocks noGrp="1"/>
           </p:cNvSpPr>
           <p:nvPr>
-            <p:ph type="dt" idx="1"/>
+            <p:ph type="dt" idx="3"/>
           </p:nvPr>
         </p:nvSpPr>
         <p:spPr/>
@@ -1573,7 +1393,7 @@
         <p:spPr>
           <a:xfrm>
             <a:off x="1523880" y="1122480"/>
-            <a:ext cx="9143640" cy="2387160"/>
+            <a:ext cx="9143280" cy="2386800"/>
           </a:xfrm>
           <a:prstGeom prst="rect">
             <a:avLst/>
@@ -1588,11 +1408,11 @@
             <a:noAutofit/>
           </a:bodyPr>
           <a:p>
-            <a:endParaRPr b="0" lang="pt-BR" sz="1800" spc="-1" strike="noStrike">
-              <a:solidFill>
-                <a:srgbClr val="000000"/>
-              </a:solidFill>
-              <a:latin typeface="Calibri"/>
+            <a:pPr algn="ctr">
+              <a:buNone/>
+            </a:pPr>
+            <a:endParaRPr b="0" lang="pt-BR" sz="4400" spc="-1" strike="noStrike">
+              <a:latin typeface="Arial"/>
             </a:endParaRPr>
           </a:p>
         </p:txBody>
@@ -1604,7 +1424,7 @@
             <a:spLocks noGrp="1"/>
           </p:cNvSpPr>
           <p:nvPr>
-            <p:ph type="ftr" idx="2"/>
+            <p:ph type="ftr" idx="1"/>
           </p:nvPr>
         </p:nvSpPr>
         <p:spPr/>
@@ -1624,14 +1444,14 @@
             <a:spLocks noGrp="1"/>
           </p:cNvSpPr>
           <p:nvPr>
-            <p:ph type="sldNum" idx="3"/>
+            <p:ph type="sldNum" idx="2"/>
           </p:nvPr>
         </p:nvSpPr>
         <p:spPr/>
         <p:txBody>
           <a:bodyPr/>
           <a:p>
-            <a:fld id="{58A33EEF-5B7C-45CF-90A3-7D6D0C27F39B}" type="slidenum">
+            <a:fld id="{ABCCFCE0-719B-4468-A9DD-9E91EC9675EC}" type="slidenum">
               <a:t>&lt;#&gt;</a:t>
             </a:fld>
           </a:p>
@@ -1644,7 +1464,7 @@
             <a:spLocks noGrp="1"/>
           </p:cNvSpPr>
           <p:nvPr>
-            <p:ph type="dt" idx="1"/>
+            <p:ph type="dt" idx="3"/>
           </p:nvPr>
         </p:nvSpPr>
         <p:spPr/>
@@ -1693,7 +1513,7 @@
         <p:spPr>
           <a:xfrm>
             <a:off x="1523880" y="1122480"/>
-            <a:ext cx="9143640" cy="11066760"/>
+            <a:ext cx="9143280" cy="11064960"/>
           </a:xfrm>
           <a:prstGeom prst="rect">
             <a:avLst/>
@@ -1724,7 +1544,7 @@
             <a:spLocks noGrp="1"/>
           </p:cNvSpPr>
           <p:nvPr>
-            <p:ph type="ftr" idx="2"/>
+            <p:ph type="ftr" idx="1"/>
           </p:nvPr>
         </p:nvSpPr>
         <p:spPr/>
@@ -1744,14 +1564,14 @@
             <a:spLocks noGrp="1"/>
           </p:cNvSpPr>
           <p:nvPr>
-            <p:ph type="sldNum" idx="3"/>
+            <p:ph type="sldNum" idx="2"/>
           </p:nvPr>
         </p:nvSpPr>
         <p:spPr/>
         <p:txBody>
           <a:bodyPr/>
           <a:p>
-            <a:fld id="{B3D80686-233D-49B0-82FF-86C26210CC94}" type="slidenum">
+            <a:fld id="{DD69CEE8-59FF-48CF-872E-8EC15ED2750B}" type="slidenum">
               <a:t>&lt;#&gt;</a:t>
             </a:fld>
           </a:p>
@@ -1764,7 +1584,7 @@
             <a:spLocks noGrp="1"/>
           </p:cNvSpPr>
           <p:nvPr>
-            <p:ph type="dt" idx="1"/>
+            <p:ph type="dt" idx="3"/>
           </p:nvPr>
         </p:nvSpPr>
         <p:spPr/>
@@ -1813,7 +1633,7 @@
         <p:spPr>
           <a:xfrm>
             <a:off x="1523880" y="1122480"/>
-            <a:ext cx="9143640" cy="2387160"/>
+            <a:ext cx="9143280" cy="2386800"/>
           </a:xfrm>
           <a:prstGeom prst="rect">
             <a:avLst/>
@@ -1828,11 +1648,11 @@
             <a:noAutofit/>
           </a:bodyPr>
           <a:p>
-            <a:endParaRPr b="0" lang="pt-BR" sz="1800" spc="-1" strike="noStrike">
-              <a:solidFill>
-                <a:srgbClr val="000000"/>
-              </a:solidFill>
-              <a:latin typeface="Calibri"/>
+            <a:pPr algn="ctr">
+              <a:buNone/>
+            </a:pPr>
+            <a:endParaRPr b="0" lang="pt-BR" sz="4400" spc="-1" strike="noStrike">
+              <a:latin typeface="Arial"/>
             </a:endParaRPr>
           </a:p>
         </p:txBody>
@@ -1865,20 +1685,8 @@
             <a:normAutofit/>
           </a:bodyPr>
           <a:p>
-            <a:pPr>
-              <a:lnSpc>
-                <a:spcPct val="90000"/>
-              </a:lnSpc>
-              <a:spcBef>
-                <a:spcPts val="1417"/>
-              </a:spcBef>
-              <a:buNone/>
-            </a:pPr>
-            <a:endParaRPr b="0" lang="pt-BR" sz="2800" spc="-1" strike="noStrike">
-              <a:solidFill>
-                <a:srgbClr val="000000"/>
-              </a:solidFill>
-              <a:latin typeface="Calibri"/>
+            <a:endParaRPr b="0" lang="pt-BR" sz="3200" spc="-1" strike="noStrike">
+              <a:latin typeface="Arial"/>
             </a:endParaRPr>
           </a:p>
         </p:txBody>
@@ -1911,20 +1719,8 @@
             <a:normAutofit/>
           </a:bodyPr>
           <a:p>
-            <a:pPr>
-              <a:lnSpc>
-                <a:spcPct val="90000"/>
-              </a:lnSpc>
-              <a:spcBef>
-                <a:spcPts val="1417"/>
-              </a:spcBef>
-              <a:buNone/>
-            </a:pPr>
-            <a:endParaRPr b="0" lang="pt-BR" sz="2800" spc="-1" strike="noStrike">
-              <a:solidFill>
-                <a:srgbClr val="000000"/>
-              </a:solidFill>
-              <a:latin typeface="Calibri"/>
+            <a:endParaRPr b="0" lang="pt-BR" sz="3200" spc="-1" strike="noStrike">
+              <a:latin typeface="Arial"/>
             </a:endParaRPr>
           </a:p>
         </p:txBody>
@@ -1957,20 +1753,8 @@
             <a:normAutofit/>
           </a:bodyPr>
           <a:p>
-            <a:pPr>
-              <a:lnSpc>
-                <a:spcPct val="90000"/>
-              </a:lnSpc>
-              <a:spcBef>
-                <a:spcPts val="1417"/>
-              </a:spcBef>
-              <a:buNone/>
-            </a:pPr>
-            <a:endParaRPr b="0" lang="pt-BR" sz="2800" spc="-1" strike="noStrike">
-              <a:solidFill>
-                <a:srgbClr val="000000"/>
-              </a:solidFill>
-              <a:latin typeface="Calibri"/>
+            <a:endParaRPr b="0" lang="pt-BR" sz="3200" spc="-1" strike="noStrike">
+              <a:latin typeface="Arial"/>
             </a:endParaRPr>
           </a:p>
         </p:txBody>
@@ -1982,7 +1766,7 @@
             <a:spLocks noGrp="1"/>
           </p:cNvSpPr>
           <p:nvPr>
-            <p:ph type="ftr" idx="2"/>
+            <p:ph type="ftr" idx="1"/>
           </p:nvPr>
         </p:nvSpPr>
         <p:spPr/>
@@ -2002,14 +1786,14 @@
             <a:spLocks noGrp="1"/>
           </p:cNvSpPr>
           <p:nvPr>
-            <p:ph type="sldNum" idx="3"/>
+            <p:ph type="sldNum" idx="2"/>
           </p:nvPr>
         </p:nvSpPr>
         <p:spPr/>
         <p:txBody>
           <a:bodyPr/>
           <a:p>
-            <a:fld id="{F6C2B144-A149-4745-ACA0-40E13E3E3993}" type="slidenum">
+            <a:fld id="{33AA51BE-6FBD-4D11-BDBB-5D7E1F5F7E4A}" type="slidenum">
               <a:t>&lt;#&gt;</a:t>
             </a:fld>
           </a:p>
@@ -2022,7 +1806,7 @@
             <a:spLocks noGrp="1"/>
           </p:cNvSpPr>
           <p:nvPr>
-            <p:ph type="dt" idx="1"/>
+            <p:ph type="dt" idx="3"/>
           </p:nvPr>
         </p:nvSpPr>
         <p:spPr/>
@@ -2071,7 +1855,7 @@
         <p:spPr>
           <a:xfrm>
             <a:off x="1523880" y="1122480"/>
-            <a:ext cx="9143640" cy="2387160"/>
+            <a:ext cx="9143280" cy="2386800"/>
           </a:xfrm>
           <a:prstGeom prst="rect">
             <a:avLst/>
@@ -2086,11 +1870,11 @@
             <a:noAutofit/>
           </a:bodyPr>
           <a:p>
-            <a:endParaRPr b="0" lang="pt-BR" sz="1800" spc="-1" strike="noStrike">
-              <a:solidFill>
-                <a:srgbClr val="000000"/>
-              </a:solidFill>
-              <a:latin typeface="Calibri"/>
+            <a:pPr algn="ctr">
+              <a:buNone/>
+            </a:pPr>
+            <a:endParaRPr b="0" lang="pt-BR" sz="4400" spc="-1" strike="noStrike">
+              <a:latin typeface="Arial"/>
             </a:endParaRPr>
           </a:p>
         </p:txBody>
@@ -2123,20 +1907,8 @@
             <a:normAutofit/>
           </a:bodyPr>
           <a:p>
-            <a:pPr>
-              <a:lnSpc>
-                <a:spcPct val="90000"/>
-              </a:lnSpc>
-              <a:spcBef>
-                <a:spcPts val="1417"/>
-              </a:spcBef>
-              <a:buNone/>
-            </a:pPr>
-            <a:endParaRPr b="0" lang="pt-BR" sz="2800" spc="-1" strike="noStrike">
-              <a:solidFill>
-                <a:srgbClr val="000000"/>
-              </a:solidFill>
-              <a:latin typeface="Calibri"/>
+            <a:endParaRPr b="0" lang="pt-BR" sz="3200" spc="-1" strike="noStrike">
+              <a:latin typeface="Arial"/>
             </a:endParaRPr>
           </a:p>
         </p:txBody>
@@ -2169,20 +1941,8 @@
             <a:normAutofit/>
           </a:bodyPr>
           <a:p>
-            <a:pPr>
-              <a:lnSpc>
-                <a:spcPct val="90000"/>
-              </a:lnSpc>
-              <a:spcBef>
-                <a:spcPts val="1417"/>
-              </a:spcBef>
-              <a:buNone/>
-            </a:pPr>
-            <a:endParaRPr b="0" lang="pt-BR" sz="2800" spc="-1" strike="noStrike">
-              <a:solidFill>
-                <a:srgbClr val="000000"/>
-              </a:solidFill>
-              <a:latin typeface="Calibri"/>
+            <a:endParaRPr b="0" lang="pt-BR" sz="3200" spc="-1" strike="noStrike">
+              <a:latin typeface="Arial"/>
             </a:endParaRPr>
           </a:p>
         </p:txBody>
@@ -2215,20 +1975,8 @@
             <a:normAutofit/>
           </a:bodyPr>
           <a:p>
-            <a:pPr>
-              <a:lnSpc>
-                <a:spcPct val="90000"/>
-              </a:lnSpc>
-              <a:spcBef>
-                <a:spcPts val="1417"/>
-              </a:spcBef>
-              <a:buNone/>
-            </a:pPr>
-            <a:endParaRPr b="0" lang="pt-BR" sz="2800" spc="-1" strike="noStrike">
-              <a:solidFill>
-                <a:srgbClr val="000000"/>
-              </a:solidFill>
-              <a:latin typeface="Calibri"/>
+            <a:endParaRPr b="0" lang="pt-BR" sz="3200" spc="-1" strike="noStrike">
+              <a:latin typeface="Arial"/>
             </a:endParaRPr>
           </a:p>
         </p:txBody>
@@ -2240,7 +1988,7 @@
             <a:spLocks noGrp="1"/>
           </p:cNvSpPr>
           <p:nvPr>
-            <p:ph type="ftr" idx="2"/>
+            <p:ph type="ftr" idx="1"/>
           </p:nvPr>
         </p:nvSpPr>
         <p:spPr/>
@@ -2260,14 +2008,14 @@
             <a:spLocks noGrp="1"/>
           </p:cNvSpPr>
           <p:nvPr>
-            <p:ph type="sldNum" idx="3"/>
+            <p:ph type="sldNum" idx="2"/>
           </p:nvPr>
         </p:nvSpPr>
         <p:spPr/>
         <p:txBody>
           <a:bodyPr/>
           <a:p>
-            <a:fld id="{1D887A17-D715-494C-961C-8D6C9D5F8F97}" type="slidenum">
+            <a:fld id="{9BCC9D96-9C85-48C2-8411-3A764F904C04}" type="slidenum">
               <a:t>&lt;#&gt;</a:t>
             </a:fld>
           </a:p>
@@ -2280,7 +2028,7 @@
             <a:spLocks noGrp="1"/>
           </p:cNvSpPr>
           <p:nvPr>
-            <p:ph type="dt" idx="1"/>
+            <p:ph type="dt" idx="3"/>
           </p:nvPr>
         </p:nvSpPr>
         <p:spPr/>
@@ -2329,7 +2077,7 @@
         <p:spPr>
           <a:xfrm>
             <a:off x="1523880" y="1122480"/>
-            <a:ext cx="9143640" cy="2387160"/>
+            <a:ext cx="9143280" cy="2386800"/>
           </a:xfrm>
           <a:prstGeom prst="rect">
             <a:avLst/>
@@ -2344,11 +2092,11 @@
             <a:noAutofit/>
           </a:bodyPr>
           <a:p>
-            <a:endParaRPr b="0" lang="pt-BR" sz="1800" spc="-1" strike="noStrike">
-              <a:solidFill>
-                <a:srgbClr val="000000"/>
-              </a:solidFill>
-              <a:latin typeface="Calibri"/>
+            <a:pPr algn="ctr">
+              <a:buNone/>
+            </a:pPr>
+            <a:endParaRPr b="0" lang="pt-BR" sz="4400" spc="-1" strike="noStrike">
+              <a:latin typeface="Arial"/>
             </a:endParaRPr>
           </a:p>
         </p:txBody>
@@ -2381,20 +2129,8 @@
             <a:normAutofit/>
           </a:bodyPr>
           <a:p>
-            <a:pPr>
-              <a:lnSpc>
-                <a:spcPct val="90000"/>
-              </a:lnSpc>
-              <a:spcBef>
-                <a:spcPts val="1417"/>
-              </a:spcBef>
-              <a:buNone/>
-            </a:pPr>
-            <a:endParaRPr b="0" lang="pt-BR" sz="2800" spc="-1" strike="noStrike">
-              <a:solidFill>
-                <a:srgbClr val="000000"/>
-              </a:solidFill>
-              <a:latin typeface="Calibri"/>
+            <a:endParaRPr b="0" lang="pt-BR" sz="3200" spc="-1" strike="noStrike">
+              <a:latin typeface="Arial"/>
             </a:endParaRPr>
           </a:p>
         </p:txBody>
@@ -2427,20 +2163,8 @@
             <a:normAutofit/>
           </a:bodyPr>
           <a:p>
-            <a:pPr>
-              <a:lnSpc>
-                <a:spcPct val="90000"/>
-              </a:lnSpc>
-              <a:spcBef>
-                <a:spcPts val="1417"/>
-              </a:spcBef>
-              <a:buNone/>
-            </a:pPr>
-            <a:endParaRPr b="0" lang="pt-BR" sz="2800" spc="-1" strike="noStrike">
-              <a:solidFill>
-                <a:srgbClr val="000000"/>
-              </a:solidFill>
-              <a:latin typeface="Calibri"/>
+            <a:endParaRPr b="0" lang="pt-BR" sz="3200" spc="-1" strike="noStrike">
+              <a:latin typeface="Arial"/>
             </a:endParaRPr>
           </a:p>
         </p:txBody>
@@ -2473,20 +2197,8 @@
             <a:normAutofit/>
           </a:bodyPr>
           <a:p>
-            <a:pPr>
-              <a:lnSpc>
-                <a:spcPct val="90000"/>
-              </a:lnSpc>
-              <a:spcBef>
-                <a:spcPts val="1417"/>
-              </a:spcBef>
-              <a:buNone/>
-            </a:pPr>
-            <a:endParaRPr b="0" lang="pt-BR" sz="2800" spc="-1" strike="noStrike">
-              <a:solidFill>
-                <a:srgbClr val="000000"/>
-              </a:solidFill>
-              <a:latin typeface="Calibri"/>
+            <a:endParaRPr b="0" lang="pt-BR" sz="3200" spc="-1" strike="noStrike">
+              <a:latin typeface="Arial"/>
             </a:endParaRPr>
           </a:p>
         </p:txBody>
@@ -2498,7 +2210,7 @@
             <a:spLocks noGrp="1"/>
           </p:cNvSpPr>
           <p:nvPr>
-            <p:ph type="ftr" idx="2"/>
+            <p:ph type="ftr" idx="1"/>
           </p:nvPr>
         </p:nvSpPr>
         <p:spPr/>
@@ -2518,14 +2230,14 @@
             <a:spLocks noGrp="1"/>
           </p:cNvSpPr>
           <p:nvPr>
-            <p:ph type="sldNum" idx="3"/>
+            <p:ph type="sldNum" idx="2"/>
           </p:nvPr>
         </p:nvSpPr>
         <p:spPr/>
         <p:txBody>
           <a:bodyPr/>
           <a:p>
-            <a:fld id="{97078A17-F92D-4DC6-99A0-9B9AA1A11CAC}" type="slidenum">
+            <a:fld id="{3DEB2AE7-7FDF-4F7D-8A5B-FB72312B8D93}" type="slidenum">
               <a:t>&lt;#&gt;</a:t>
             </a:fld>
           </a:p>
@@ -2538,7 +2250,7 @@
             <a:spLocks noGrp="1"/>
           </p:cNvSpPr>
           <p:nvPr>
-            <p:ph type="dt" idx="1"/>
+            <p:ph type="dt" idx="3"/>
           </p:nvPr>
         </p:nvSpPr>
         <p:spPr/>
@@ -2594,41 +2306,29 @@
         <p:spPr>
           <a:xfrm>
             <a:off x="1523880" y="1122480"/>
-            <a:ext cx="9143640" cy="2387160"/>
-          </a:xfrm>
-          <a:prstGeom prst="rect">
-            <a:avLst/>
-          </a:prstGeom>
-          <a:noFill/>
-          <a:ln w="0">
-            <a:noFill/>
-          </a:ln>
-        </p:spPr>
-        <p:txBody>
-          <a:bodyPr anchor="b">
+            <a:ext cx="9143280" cy="2386800"/>
+          </a:xfrm>
+          <a:prstGeom prst="rect">
+            <a:avLst/>
+          </a:prstGeom>
+          <a:noFill/>
+          <a:ln w="0">
+            <a:noFill/>
+          </a:ln>
+        </p:spPr>
+        <p:txBody>
+          <a:bodyPr lIns="0" rIns="0" tIns="0" bIns="0" anchor="ctr">
             <a:noAutofit/>
           </a:bodyPr>
           <a:p>
-            <a:pPr algn="ctr">
-              <a:lnSpc>
-                <a:spcPct val="90000"/>
-              </a:lnSpc>
-              <a:buNone/>
-            </a:pPr>
-            <a:r>
-              <a:rPr b="0" lang="pt-BR" sz="6000" spc="-1" strike="noStrike">
-                <a:solidFill>
-                  <a:srgbClr val="000000"/>
-                </a:solidFill>
-                <a:latin typeface="Calibri Light"/>
-              </a:rPr>
-              <a:t>Clique para editar o título Mestre</a:t>
-            </a:r>
-            <a:endParaRPr b="0" lang="pt-BR" sz="6000" spc="-1" strike="noStrike">
-              <a:solidFill>
-                <a:srgbClr val="000000"/>
-              </a:solidFill>
-              <a:latin typeface="Calibri"/>
+            <a:r>
+              <a:rPr b="0" lang="pt-BR" sz="1800" spc="-1" strike="noStrike">
+                <a:latin typeface="Arial"/>
+              </a:rPr>
+              <a:t>Click to edit the title text format</a:t>
+            </a:r>
+            <a:endParaRPr b="0" lang="pt-BR" sz="1800" spc="-1" strike="noStrike">
+              <a:latin typeface="Arial"/>
             </a:endParaRPr>
           </a:p>
         </p:txBody>
@@ -2640,91 +2340,31 @@
             <a:spLocks noGrp="1"/>
           </p:cNvSpPr>
           <p:nvPr>
-            <p:ph type="dt" idx="1"/>
-          </p:nvPr>
-        </p:nvSpPr>
-        <p:spPr>
-          <a:xfrm>
-            <a:off x="838080" y="6356520"/>
-            <a:ext cx="2742840" cy="364680"/>
-          </a:xfrm>
-          <a:prstGeom prst="rect">
-            <a:avLst/>
-          </a:prstGeom>
-          <a:noFill/>
-          <a:ln w="0">
-            <a:noFill/>
-          </a:ln>
-        </p:spPr>
-        <p:txBody>
-          <a:bodyPr anchor="ctr">
+            <p:ph type="ftr" idx="1"/>
+          </p:nvPr>
+        </p:nvSpPr>
+        <p:spPr>
+          <a:xfrm>
+            <a:off x="4038480" y="6356520"/>
+            <a:ext cx="4114080" cy="364320"/>
+          </a:xfrm>
+          <a:prstGeom prst="rect">
+            <a:avLst/>
+          </a:prstGeom>
+          <a:noFill/>
+          <a:ln w="0">
+            <a:noFill/>
+          </a:ln>
+        </p:spPr>
+        <p:txBody>
+          <a:bodyPr lIns="90000" rIns="90000" tIns="45000" bIns="45000" anchor="ctr">
             <a:noAutofit/>
           </a:bodyPr>
           <a:lstStyle>
-            <a:lvl1pPr>
+            <a:lvl1pPr algn="ctr">
               <a:lnSpc>
                 <a:spcPct val="100000"/>
               </a:lnSpc>
-              <a:buNone/>
-              <a:defRPr b="0" lang="pt-BR" sz="1200" spc="-1" strike="noStrike">
-                <a:solidFill>
-                  <a:srgbClr val="8b8b8b"/>
-                </a:solidFill>
-                <a:latin typeface="Calibri"/>
-              </a:defRPr>
-            </a:lvl1pPr>
-          </a:lstStyle>
-          <a:p>
-            <a:pPr>
-              <a:lnSpc>
-                <a:spcPct val="100000"/>
-              </a:lnSpc>
-              <a:buNone/>
-            </a:pPr>
-            <a:r>
-              <a:rPr b="0" lang="pt-BR" sz="1200" spc="-1" strike="noStrike">
-                <a:solidFill>
-                  <a:srgbClr val="8b8b8b"/>
-                </a:solidFill>
-                <a:latin typeface="Calibri"/>
-              </a:rPr>
-              <a:t>&lt;date/time&gt;</a:t>
-            </a:r>
-            <a:endParaRPr b="0" lang="pt-BR" sz="1200" spc="-1" strike="noStrike">
-              <a:latin typeface="Times New Roman"/>
-            </a:endParaRPr>
-          </a:p>
-        </p:txBody>
-      </p:sp>
-      <p:sp>
-        <p:nvSpPr>
-          <p:cNvPr id="2" name="PlaceHolder 3"/>
-          <p:cNvSpPr>
-            <a:spLocks noGrp="1"/>
-          </p:cNvSpPr>
-          <p:nvPr>
-            <p:ph type="ftr" idx="2"/>
-          </p:nvPr>
-        </p:nvSpPr>
-        <p:spPr>
-          <a:xfrm>
-            <a:off x="4038480" y="6356520"/>
-            <a:ext cx="4114440" cy="364680"/>
-          </a:xfrm>
-          <a:prstGeom prst="rect">
-            <a:avLst/>
-          </a:prstGeom>
-          <a:noFill/>
-          <a:ln w="0">
-            <a:noFill/>
-          </a:ln>
-        </p:spPr>
-        <p:txBody>
-          <a:bodyPr anchor="ctr">
-            <a:noAutofit/>
-          </a:bodyPr>
-          <a:lstStyle>
-            <a:lvl1pPr algn="ctr">
               <a:buNone/>
               <a:defRPr b="0" lang="pt-BR" sz="1400" spc="-1" strike="noStrike">
                 <a:latin typeface="Times New Roman"/>
@@ -2733,6 +2373,9 @@
           </a:lstStyle>
           <a:p>
             <a:pPr algn="ctr">
+              <a:lnSpc>
+                <a:spcPct val="100000"/>
+              </a:lnSpc>
               <a:buNone/>
             </a:pPr>
             <a:r>
@@ -2749,29 +2392,29 @@
       </p:sp>
       <p:sp>
         <p:nvSpPr>
-          <p:cNvPr id="3" name="PlaceHolder 4"/>
-          <p:cNvSpPr>
-            <a:spLocks noGrp="1"/>
-          </p:cNvSpPr>
-          <p:nvPr>
-            <p:ph type="sldNum" idx="3"/>
+          <p:cNvPr id="2" name="PlaceHolder 3"/>
+          <p:cNvSpPr>
+            <a:spLocks noGrp="1"/>
+          </p:cNvSpPr>
+          <p:nvPr>
+            <p:ph type="sldNum" idx="2"/>
           </p:nvPr>
         </p:nvSpPr>
         <p:spPr>
           <a:xfrm>
             <a:off x="8610480" y="6356520"/>
-            <a:ext cx="2742840" cy="364680"/>
-          </a:xfrm>
-          <a:prstGeom prst="rect">
-            <a:avLst/>
-          </a:prstGeom>
-          <a:noFill/>
-          <a:ln w="0">
-            <a:noFill/>
-          </a:ln>
-        </p:spPr>
-        <p:txBody>
-          <a:bodyPr anchor="ctr">
+            <a:ext cx="2742480" cy="364320"/>
+          </a:xfrm>
+          <a:prstGeom prst="rect">
+            <a:avLst/>
+          </a:prstGeom>
+          <a:noFill/>
+          <a:ln w="0">
+            <a:noFill/>
+          </a:ln>
+        </p:spPr>
+        <p:txBody>
+          <a:bodyPr lIns="90000" rIns="90000" tIns="45000" bIns="45000" anchor="ctr">
             <a:noAutofit/>
           </a:bodyPr>
           <a:lstStyle>
@@ -2795,7 +2438,7 @@
               </a:lnSpc>
               <a:buNone/>
             </a:pPr>
-            <a:fld id="{BD24D7E1-D162-4A57-ADBD-0F18ECA19548}" type="slidenum">
+            <a:fld id="{A3B26867-E7D2-424A-9CD3-32C6BCD46E87}" type="slidenum">
               <a:rPr b="0" lang="pt-BR" sz="1200" spc="-1" strike="noStrike">
                 <a:solidFill>
                   <a:srgbClr val="8b8b8b"/>
@@ -2812,6 +2455,53 @@
       </p:sp>
       <p:sp>
         <p:nvSpPr>
+          <p:cNvPr id="3" name="PlaceHolder 4"/>
+          <p:cNvSpPr>
+            <a:spLocks noGrp="1"/>
+          </p:cNvSpPr>
+          <p:nvPr>
+            <p:ph type="dt" idx="3"/>
+          </p:nvPr>
+        </p:nvSpPr>
+        <p:spPr>
+          <a:xfrm>
+            <a:off x="838080" y="6356520"/>
+            <a:ext cx="2742480" cy="364320"/>
+          </a:xfrm>
+          <a:prstGeom prst="rect">
+            <a:avLst/>
+          </a:prstGeom>
+          <a:noFill/>
+          <a:ln w="0">
+            <a:noFill/>
+          </a:ln>
+        </p:spPr>
+        <p:txBody>
+          <a:bodyPr lIns="90000" rIns="90000" tIns="45000" bIns="45000" anchor="ctr">
+            <a:noAutofit/>
+          </a:bodyPr>
+          <a:lstStyle>
+            <a:lvl1pPr>
+              <a:defRPr b="0" lang="pt-BR" sz="1400" spc="-1" strike="noStrike">
+                <a:latin typeface="Times New Roman"/>
+              </a:defRPr>
+            </a:lvl1pPr>
+          </a:lstStyle>
+          <a:p>
+            <a:r>
+              <a:rPr b="0" lang="pt-BR" sz="1400" spc="-1" strike="noStrike">
+                <a:latin typeface="Times New Roman"/>
+              </a:rPr>
+              <a:t>&lt;date/time&gt;</a:t>
+            </a:r>
+            <a:endParaRPr b="0" lang="pt-BR" sz="1400" spc="-1" strike="noStrike">
+              <a:latin typeface="Times New Roman"/>
+            </a:endParaRPr>
+          </a:p>
+        </p:txBody>
+      </p:sp>
+      <p:sp>
+        <p:nvSpPr>
           <p:cNvPr id="4" name="PlaceHolder 5"/>
           <p:cNvSpPr>
             <a:spLocks noGrp="1"/>
@@ -2839,9 +2529,6 @@
           </a:bodyPr>
           <a:p>
             <a:pPr marL="432000" indent="-324000">
-              <a:lnSpc>
-                <a:spcPct val="90000"/>
-              </a:lnSpc>
               <a:spcBef>
                 <a:spcPts val="1417"/>
               </a:spcBef>
@@ -2853,26 +2540,17 @@
               <a:buChar char=""/>
             </a:pPr>
             <a:r>
-              <a:rPr b="0" lang="pt-BR" sz="2800" spc="-1" strike="noStrike">
-                <a:solidFill>
-                  <a:srgbClr val="000000"/>
-                </a:solidFill>
-                <a:latin typeface="Calibri"/>
+              <a:rPr b="0" lang="pt-BR" sz="3200" spc="-1" strike="noStrike">
+                <a:latin typeface="Arial"/>
               </a:rPr>
               <a:t>Click to edit the outline text format</a:t>
             </a:r>
-            <a:endParaRPr b="0" lang="pt-BR" sz="2800" spc="-1" strike="noStrike">
-              <a:solidFill>
-                <a:srgbClr val="000000"/>
-              </a:solidFill>
-              <a:latin typeface="Calibri"/>
+            <a:endParaRPr b="0" lang="pt-BR" sz="3200" spc="-1" strike="noStrike">
+              <a:latin typeface="Arial"/>
             </a:endParaRPr>
           </a:p>
           <a:p>
             <a:pPr lvl="1" marL="864000" indent="-324000">
-              <a:lnSpc>
-                <a:spcPct val="90000"/>
-              </a:lnSpc>
               <a:spcBef>
                 <a:spcPts val="1134"/>
               </a:spcBef>
@@ -2884,26 +2562,17 @@
               <a:buChar char=""/>
             </a:pPr>
             <a:r>
-              <a:rPr b="0" lang="pt-BR" sz="2000" spc="-1" strike="noStrike">
-                <a:solidFill>
-                  <a:srgbClr val="000000"/>
-                </a:solidFill>
-                <a:latin typeface="Calibri"/>
+              <a:rPr b="0" lang="pt-BR" sz="2800" spc="-1" strike="noStrike">
+                <a:latin typeface="Arial"/>
               </a:rPr>
               <a:t>Second Outline Level</a:t>
             </a:r>
-            <a:endParaRPr b="0" lang="pt-BR" sz="2000" spc="-1" strike="noStrike">
-              <a:solidFill>
-                <a:srgbClr val="000000"/>
-              </a:solidFill>
-              <a:latin typeface="Calibri"/>
+            <a:endParaRPr b="0" lang="pt-BR" sz="2800" spc="-1" strike="noStrike">
+              <a:latin typeface="Arial"/>
             </a:endParaRPr>
           </a:p>
           <a:p>
             <a:pPr lvl="2" marL="1296000" indent="-288000">
-              <a:lnSpc>
-                <a:spcPct val="90000"/>
-              </a:lnSpc>
               <a:spcBef>
                 <a:spcPts val="850"/>
               </a:spcBef>
@@ -2915,26 +2584,17 @@
               <a:buChar char=""/>
             </a:pPr>
             <a:r>
-              <a:rPr b="0" lang="pt-BR" sz="1800" spc="-1" strike="noStrike">
-                <a:solidFill>
-                  <a:srgbClr val="000000"/>
-                </a:solidFill>
-                <a:latin typeface="Calibri"/>
+              <a:rPr b="0" lang="pt-BR" sz="2400" spc="-1" strike="noStrike">
+                <a:latin typeface="Arial"/>
               </a:rPr>
               <a:t>Third Outline Level</a:t>
             </a:r>
-            <a:endParaRPr b="0" lang="pt-BR" sz="1800" spc="-1" strike="noStrike">
-              <a:solidFill>
-                <a:srgbClr val="000000"/>
-              </a:solidFill>
-              <a:latin typeface="Calibri"/>
+            <a:endParaRPr b="0" lang="pt-BR" sz="2400" spc="-1" strike="noStrike">
+              <a:latin typeface="Arial"/>
             </a:endParaRPr>
           </a:p>
           <a:p>
             <a:pPr lvl="3" marL="1728000" indent="-216000">
-              <a:lnSpc>
-                <a:spcPct val="90000"/>
-              </a:lnSpc>
               <a:spcBef>
                 <a:spcPts val="567"/>
               </a:spcBef>
@@ -2946,26 +2606,17 @@
               <a:buChar char=""/>
             </a:pPr>
             <a:r>
-              <a:rPr b="0" lang="pt-BR" sz="1800" spc="-1" strike="noStrike">
-                <a:solidFill>
-                  <a:srgbClr val="000000"/>
-                </a:solidFill>
-                <a:latin typeface="Calibri"/>
+              <a:rPr b="0" lang="pt-BR" sz="2000" spc="-1" strike="noStrike">
+                <a:latin typeface="Arial"/>
               </a:rPr>
               <a:t>Fourth Outline Level</a:t>
             </a:r>
-            <a:endParaRPr b="0" lang="pt-BR" sz="1800" spc="-1" strike="noStrike">
-              <a:solidFill>
-                <a:srgbClr val="000000"/>
-              </a:solidFill>
-              <a:latin typeface="Calibri"/>
+            <a:endParaRPr b="0" lang="pt-BR" sz="2000" spc="-1" strike="noStrike">
+              <a:latin typeface="Arial"/>
             </a:endParaRPr>
           </a:p>
           <a:p>
             <a:pPr lvl="4" marL="2160000" indent="-216000">
-              <a:lnSpc>
-                <a:spcPct val="90000"/>
-              </a:lnSpc>
               <a:spcBef>
                 <a:spcPts val="283"/>
               </a:spcBef>
@@ -2978,25 +2629,16 @@
             </a:pPr>
             <a:r>
               <a:rPr b="0" lang="pt-BR" sz="2000" spc="-1" strike="noStrike">
-                <a:solidFill>
-                  <a:srgbClr val="000000"/>
-                </a:solidFill>
-                <a:latin typeface="Calibri"/>
+                <a:latin typeface="Arial"/>
               </a:rPr>
               <a:t>Fifth Outline Level</a:t>
             </a:r>
             <a:endParaRPr b="0" lang="pt-BR" sz="2000" spc="-1" strike="noStrike">
-              <a:solidFill>
-                <a:srgbClr val="000000"/>
-              </a:solidFill>
-              <a:latin typeface="Calibri"/>
+              <a:latin typeface="Arial"/>
             </a:endParaRPr>
           </a:p>
           <a:p>
             <a:pPr lvl="5" marL="2592000" indent="-216000">
-              <a:lnSpc>
-                <a:spcPct val="90000"/>
-              </a:lnSpc>
               <a:spcBef>
                 <a:spcPts val="283"/>
               </a:spcBef>
@@ -3009,25 +2651,16 @@
             </a:pPr>
             <a:r>
               <a:rPr b="0" lang="pt-BR" sz="2000" spc="-1" strike="noStrike">
-                <a:solidFill>
-                  <a:srgbClr val="000000"/>
-                </a:solidFill>
-                <a:latin typeface="Calibri"/>
+                <a:latin typeface="Arial"/>
               </a:rPr>
               <a:t>Sixth Outline Level</a:t>
             </a:r>
             <a:endParaRPr b="0" lang="pt-BR" sz="2000" spc="-1" strike="noStrike">
-              <a:solidFill>
-                <a:srgbClr val="000000"/>
-              </a:solidFill>
-              <a:latin typeface="Calibri"/>
+              <a:latin typeface="Arial"/>
             </a:endParaRPr>
           </a:p>
           <a:p>
             <a:pPr lvl="6" marL="3024000" indent="-216000">
-              <a:lnSpc>
-                <a:spcPct val="90000"/>
-              </a:lnSpc>
               <a:spcBef>
                 <a:spcPts val="283"/>
               </a:spcBef>
@@ -3040,18 +2673,12 @@
             </a:pPr>
             <a:r>
               <a:rPr b="0" lang="pt-BR" sz="2000" spc="-1" strike="noStrike">
-                <a:solidFill>
-                  <a:srgbClr val="000000"/>
-                </a:solidFill>
-                <a:latin typeface="Calibri"/>
+                <a:latin typeface="Arial"/>
               </a:rPr>
               <a:t>Seventh Outline Level</a:t>
             </a:r>
             <a:endParaRPr b="0" lang="pt-BR" sz="2000" spc="-1" strike="noStrike">
-              <a:solidFill>
-                <a:srgbClr val="000000"/>
-              </a:solidFill>
-              <a:latin typeface="Calibri"/>
+              <a:latin typeface="Arial"/>
             </a:endParaRPr>
           </a:p>
         </p:txBody>
@@ -3102,7 +2729,7 @@
         <p:spPr>
           <a:xfrm>
             <a:off x="296640" y="320760"/>
-            <a:ext cx="6047640" cy="3107880"/>
+            <a:ext cx="6047280" cy="3107520"/>
           </a:xfrm>
           <a:prstGeom prst="rect">
             <a:avLst/>
@@ -3112,9 +2739,7 @@
           </a:solidFill>
           <a:ln>
             <a:solidFill>
-              <a:srgbClr val="e7e6e6">
-                <a:lumMod val="75000"/>
-              </a:srgbClr>
+              <a:srgbClr val="afabab"/>
             </a:solidFill>
           </a:ln>
         </p:spPr>
@@ -3142,7 +2767,7 @@
         <p:spPr>
           <a:xfrm>
             <a:off x="6541200" y="320760"/>
-            <a:ext cx="5357880" cy="3107880"/>
+            <a:ext cx="5357520" cy="3107520"/>
           </a:xfrm>
           <a:prstGeom prst="rect">
             <a:avLst/>
@@ -3152,9 +2777,7 @@
           </a:solidFill>
           <a:ln>
             <a:solidFill>
-              <a:srgbClr val="e7e6e6">
-                <a:lumMod val="75000"/>
-              </a:srgbClr>
+              <a:srgbClr val="afabab"/>
             </a:solidFill>
           </a:ln>
         </p:spPr>
@@ -3182,7 +2805,7 @@
         <p:spPr>
           <a:xfrm>
             <a:off x="292680" y="3643920"/>
-            <a:ext cx="11598120" cy="2919240"/>
+            <a:ext cx="11597760" cy="2918880"/>
           </a:xfrm>
           <a:prstGeom prst="rect">
             <a:avLst/>
@@ -3192,9 +2815,7 @@
           </a:solidFill>
           <a:ln>
             <a:solidFill>
-              <a:srgbClr val="e7e6e6">
-                <a:lumMod val="75000"/>
-              </a:srgbClr>
+              <a:srgbClr val="afabab"/>
             </a:solidFill>
           </a:ln>
         </p:spPr>
@@ -3226,7 +2847,7 @@
         <p:spPr>
           <a:xfrm>
             <a:off x="618840" y="1224000"/>
-            <a:ext cx="1297440" cy="1969560"/>
+            <a:ext cx="1297080" cy="1969200"/>
           </a:xfrm>
           <a:prstGeom prst="rect">
             <a:avLst/>
@@ -3245,7 +2866,7 @@
         <p:spPr>
           <a:xfrm>
             <a:off x="506880" y="449280"/>
-            <a:ext cx="5588640" cy="700200"/>
+            <a:ext cx="5588280" cy="699840"/>
           </a:xfrm>
           <a:prstGeom prst="rect">
             <a:avLst/>
@@ -3317,7 +2938,7 @@
         <p:spPr>
           <a:xfrm>
             <a:off x="2113200" y="1616040"/>
-            <a:ext cx="3689280" cy="943200"/>
+            <a:ext cx="3688920" cy="943200"/>
           </a:xfrm>
           <a:prstGeom prst="rect">
             <a:avLst/>
@@ -3400,7 +3021,7 @@
         <p:spPr>
           <a:xfrm>
             <a:off x="6737760" y="449280"/>
-            <a:ext cx="4947120" cy="700200"/>
+            <a:ext cx="4946760" cy="699840"/>
           </a:xfrm>
           <a:prstGeom prst="rect">
             <a:avLst/>
@@ -3452,7 +3073,7 @@
         <p:spPr>
           <a:xfrm>
             <a:off x="6737760" y="1470240"/>
-            <a:ext cx="4691880" cy="1461960"/>
+            <a:ext cx="4691520" cy="1461600"/>
           </a:xfrm>
           <a:prstGeom prst="rect">
             <a:avLst/>
@@ -3608,7 +3229,7 @@
         <p:spPr>
           <a:xfrm>
             <a:off x="506880" y="3889440"/>
-            <a:ext cx="6438960" cy="395280"/>
+            <a:ext cx="6438600" cy="394920"/>
           </a:xfrm>
           <a:prstGeom prst="rect">
             <a:avLst/>
@@ -3660,7 +3281,7 @@
         <p:spPr>
           <a:xfrm>
             <a:off x="506880" y="4535280"/>
-            <a:ext cx="7555320" cy="1736280"/>
+            <a:ext cx="7554960" cy="1735920"/>
           </a:xfrm>
           <a:prstGeom prst="rect">
             <a:avLst/>
@@ -3846,7 +3467,7 @@
         <p:spPr>
           <a:xfrm>
             <a:off x="296640" y="320760"/>
-            <a:ext cx="6047640" cy="3107880"/>
+            <a:ext cx="6047280" cy="3107520"/>
           </a:xfrm>
           <a:prstGeom prst="rect">
             <a:avLst/>
@@ -3856,9 +3477,7 @@
           </a:solidFill>
           <a:ln>
             <a:solidFill>
-              <a:srgbClr val="e7e6e6">
-                <a:lumMod val="75000"/>
-              </a:srgbClr>
+              <a:srgbClr val="afabab"/>
             </a:solidFill>
           </a:ln>
         </p:spPr>
@@ -3886,7 +3505,7 @@
         <p:spPr>
           <a:xfrm>
             <a:off x="6541200" y="320760"/>
-            <a:ext cx="5357880" cy="3107880"/>
+            <a:ext cx="5357520" cy="3107520"/>
           </a:xfrm>
           <a:prstGeom prst="rect">
             <a:avLst/>
@@ -3896,9 +3515,7 @@
           </a:solidFill>
           <a:ln>
             <a:solidFill>
-              <a:srgbClr val="e7e6e6">
-                <a:lumMod val="75000"/>
-              </a:srgbClr>
+              <a:srgbClr val="afabab"/>
             </a:solidFill>
           </a:ln>
         </p:spPr>
@@ -3926,7 +3543,7 @@
         <p:spPr>
           <a:xfrm>
             <a:off x="292680" y="3643920"/>
-            <a:ext cx="11598120" cy="2919240"/>
+            <a:ext cx="11597760" cy="2918880"/>
           </a:xfrm>
           <a:prstGeom prst="rect">
             <a:avLst/>
@@ -3936,9 +3553,7 @@
           </a:solidFill>
           <a:ln>
             <a:solidFill>
-              <a:srgbClr val="e7e6e6">
-                <a:lumMod val="75000"/>
-              </a:srgbClr>
+              <a:srgbClr val="afabab"/>
             </a:solidFill>
           </a:ln>
         </p:spPr>
@@ -3956,6 +3571,22 @@
           </a:effectRef>
           <a:fontRef idx="minor"/>
         </p:style>
+        <p:txBody>
+          <a:bodyPr lIns="90000" rIns="90000" tIns="45000" bIns="45000" anchor="t">
+            <a:noAutofit/>
+          </a:bodyPr>
+          <a:p>
+            <a:r>
+              <a:rPr b="0" lang="pt-BR" sz="1800" spc="-1" strike="noStrike">
+                <a:latin typeface="Arial"/>
+              </a:rPr>
+              <a:t>U+0078</a:t>
+            </a:r>
+            <a:endParaRPr b="0" lang="pt-BR" sz="1800" spc="-1" strike="noStrike">
+              <a:latin typeface="Arial"/>
+            </a:endParaRPr>
+          </a:p>
+        </p:txBody>
       </p:sp>
       <p:sp>
         <p:nvSpPr>
@@ -3966,7 +3597,7 @@
         <p:spPr>
           <a:xfrm>
             <a:off x="506880" y="449280"/>
-            <a:ext cx="5588640" cy="700200"/>
+            <a:ext cx="5588280" cy="699840"/>
           </a:xfrm>
           <a:prstGeom prst="rect">
             <a:avLst/>
@@ -4038,7 +3669,7 @@
         <p:spPr>
           <a:xfrm>
             <a:off x="2113200" y="1616040"/>
-            <a:ext cx="3689280" cy="912960"/>
+            <a:ext cx="3688920" cy="912600"/>
           </a:xfrm>
           <a:prstGeom prst="rect">
             <a:avLst/>
@@ -4131,7 +3762,7 @@
         <p:spPr>
           <a:xfrm>
             <a:off x="6737760" y="449280"/>
-            <a:ext cx="4947120" cy="700200"/>
+            <a:ext cx="4946760" cy="699840"/>
           </a:xfrm>
           <a:prstGeom prst="rect">
             <a:avLst/>
@@ -4183,7 +3814,7 @@
         <p:spPr>
           <a:xfrm>
             <a:off x="6737760" y="1470240"/>
-            <a:ext cx="4691880" cy="1461960"/>
+            <a:ext cx="4691520" cy="1735560"/>
           </a:xfrm>
           <a:prstGeom prst="rect">
             <a:avLst/>
@@ -4328,89 +3959,6 @@
               <a:latin typeface="Arial"/>
             </a:endParaRPr>
           </a:p>
-        </p:txBody>
-      </p:sp>
-      <p:sp>
-        <p:nvSpPr>
-          <p:cNvPr id="58" name="CaixaDeTexto 4"/>
-          <p:cNvSpPr/>
-          <p:nvPr/>
-        </p:nvSpPr>
-        <p:spPr>
-          <a:xfrm>
-            <a:off x="506880" y="3889440"/>
-            <a:ext cx="6438960" cy="395280"/>
-          </a:xfrm>
-          <a:prstGeom prst="rect">
-            <a:avLst/>
-          </a:prstGeom>
-          <a:noFill/>
-          <a:ln w="0">
-            <a:noFill/>
-          </a:ln>
-        </p:spPr>
-        <p:style>
-          <a:lnRef idx="0"/>
-          <a:fillRef idx="0"/>
-          <a:effectRef idx="0"/>
-          <a:fontRef idx="minor"/>
-        </p:style>
-        <p:txBody>
-          <a:bodyPr lIns="90000" rIns="90000" tIns="45000" bIns="45000" anchor="t">
-            <a:spAutoFit/>
-          </a:bodyPr>
-          <a:p>
-            <a:pPr>
-              <a:lnSpc>
-                <a:spcPct val="100000"/>
-              </a:lnSpc>
-              <a:buNone/>
-            </a:pPr>
-            <a:r>
-              <a:rPr b="1" lang="pt-BR" sz="2000" spc="-1" strike="noStrike">
-                <a:solidFill>
-                  <a:srgbClr val="e6005a"/>
-                </a:solidFill>
-                <a:latin typeface="Open Sans"/>
-                <a:ea typeface="Open Sans"/>
-              </a:rPr>
-              <a:t>Dores e Necessidades</a:t>
-            </a:r>
-            <a:endParaRPr b="0" lang="pt-BR" sz="2000" spc="-1" strike="noStrike">
-              <a:latin typeface="Arial"/>
-            </a:endParaRPr>
-          </a:p>
-        </p:txBody>
-      </p:sp>
-      <p:sp>
-        <p:nvSpPr>
-          <p:cNvPr id="59" name="CaixaDeTexto 11"/>
-          <p:cNvSpPr/>
-          <p:nvPr/>
-        </p:nvSpPr>
-        <p:spPr>
-          <a:xfrm>
-            <a:off x="506880" y="4535280"/>
-            <a:ext cx="7555320" cy="913320"/>
-          </a:xfrm>
-          <a:prstGeom prst="rect">
-            <a:avLst/>
-          </a:prstGeom>
-          <a:noFill/>
-          <a:ln w="0">
-            <a:noFill/>
-          </a:ln>
-        </p:spPr>
-        <p:style>
-          <a:lnRef idx="0"/>
-          <a:fillRef idx="0"/>
-          <a:effectRef idx="0"/>
-          <a:fontRef idx="minor"/>
-        </p:style>
-        <p:txBody>
-          <a:bodyPr lIns="90000" rIns="90000" tIns="45000" bIns="45000" anchor="t">
-            <a:spAutoFit/>
-          </a:bodyPr>
           <a:p>
             <a:pPr marL="285840" indent="-285840">
               <a:lnSpc>
@@ -4430,12 +3978,95 @@
                 <a:latin typeface="Open Sans"/>
                 <a:ea typeface="Open Sans"/>
               </a:rPr>
-              <a:t>Sofre com manutenções recorrentes e inesperadas</a:t>
+              <a:t>Suporte Técnico</a:t>
             </a:r>
             <a:endParaRPr b="0" lang="pt-BR" sz="1800" spc="-1" strike="noStrike">
               <a:latin typeface="Arial"/>
             </a:endParaRPr>
           </a:p>
+        </p:txBody>
+      </p:sp>
+      <p:sp>
+        <p:nvSpPr>
+          <p:cNvPr id="58" name="CaixaDeTexto 4"/>
+          <p:cNvSpPr/>
+          <p:nvPr/>
+        </p:nvSpPr>
+        <p:spPr>
+          <a:xfrm>
+            <a:off x="506880" y="3889440"/>
+            <a:ext cx="6438600" cy="394920"/>
+          </a:xfrm>
+          <a:prstGeom prst="rect">
+            <a:avLst/>
+          </a:prstGeom>
+          <a:noFill/>
+          <a:ln w="0">
+            <a:noFill/>
+          </a:ln>
+        </p:spPr>
+        <p:style>
+          <a:lnRef idx="0"/>
+          <a:fillRef idx="0"/>
+          <a:effectRef idx="0"/>
+          <a:fontRef idx="minor"/>
+        </p:style>
+        <p:txBody>
+          <a:bodyPr lIns="90000" rIns="90000" tIns="45000" bIns="45000" anchor="t">
+            <a:spAutoFit/>
+          </a:bodyPr>
+          <a:p>
+            <a:pPr>
+              <a:lnSpc>
+                <a:spcPct val="100000"/>
+              </a:lnSpc>
+              <a:buNone/>
+            </a:pPr>
+            <a:r>
+              <a:rPr b="1" lang="pt-BR" sz="2000" spc="-1" strike="noStrike">
+                <a:solidFill>
+                  <a:srgbClr val="e6005a"/>
+                </a:solidFill>
+                <a:latin typeface="Open Sans"/>
+                <a:ea typeface="Open Sans"/>
+              </a:rPr>
+              <a:t>Dores e Necessidades</a:t>
+            </a:r>
+            <a:endParaRPr b="0" lang="pt-BR" sz="2000" spc="-1" strike="noStrike">
+              <a:latin typeface="Arial"/>
+            </a:endParaRPr>
+          </a:p>
+        </p:txBody>
+      </p:sp>
+      <p:sp>
+        <p:nvSpPr>
+          <p:cNvPr id="59" name="CaixaDeTexto 11"/>
+          <p:cNvSpPr/>
+          <p:nvPr/>
+        </p:nvSpPr>
+        <p:spPr>
+          <a:xfrm>
+            <a:off x="506880" y="4535280"/>
+            <a:ext cx="10473120" cy="913320"/>
+          </a:xfrm>
+          <a:prstGeom prst="rect">
+            <a:avLst/>
+          </a:prstGeom>
+          <a:noFill/>
+          <a:ln w="0">
+            <a:noFill/>
+          </a:ln>
+        </p:spPr>
+        <p:style>
+          <a:lnRef idx="0"/>
+          <a:fillRef idx="0"/>
+          <a:effectRef idx="0"/>
+          <a:fontRef idx="minor"/>
+        </p:style>
+        <p:txBody>
+          <a:bodyPr lIns="90000" rIns="90000" tIns="45000" bIns="45000" anchor="t">
+            <a:spAutoFit/>
+          </a:bodyPr>
           <a:p>
             <a:pPr marL="285840" indent="-285840">
               <a:lnSpc>
@@ -4455,7 +4086,7 @@
                 <a:latin typeface="Open Sans"/>
                 <a:ea typeface="Open Sans"/>
               </a:rPr>
-              <a:t>Não possui um sistema de monitoramento adequado</a:t>
+              <a:t>Sofre com manutenções recorrentes e inesperadas</a:t>
             </a:r>
             <a:endParaRPr b="0" lang="pt-BR" sz="1800" spc="-1" strike="noStrike">
               <a:latin typeface="Arial"/>
@@ -4480,7 +4111,32 @@
                 <a:latin typeface="Open Sans"/>
                 <a:ea typeface="Open Sans"/>
               </a:rPr>
-              <a:t>Não possui uma equipe grande para monitoramento</a:t>
+              <a:t>Não possui um sistema de monitoramento adequado</a:t>
+            </a:r>
+            <a:endParaRPr b="0" lang="pt-BR" sz="1800" spc="-1" strike="noStrike">
+              <a:latin typeface="Arial"/>
+            </a:endParaRPr>
+          </a:p>
+          <a:p>
+            <a:pPr marL="285840" indent="-285840">
+              <a:lnSpc>
+                <a:spcPct val="100000"/>
+              </a:lnSpc>
+              <a:buClr>
+                <a:srgbClr val="000000"/>
+              </a:buClr>
+              <a:buFont typeface="Arial"/>
+              <a:buChar char="•"/>
+            </a:pPr>
+            <a:r>
+              <a:rPr b="0" lang="pt-BR" sz="1800" spc="-1" strike="noStrike">
+                <a:solidFill>
+                  <a:srgbClr val="000000"/>
+                </a:solidFill>
+                <a:latin typeface="Open Sans"/>
+                <a:ea typeface="Open Sans"/>
+              </a:rPr>
+              <a:t>Faz parte de uma equipe pequena.</a:t>
             </a:r>
             <a:endParaRPr b="0" lang="pt-BR" sz="1800" spc="-1" strike="noStrike">
               <a:latin typeface="Arial"/>
@@ -4501,7 +4157,7 @@
         <p:spPr>
           <a:xfrm>
             <a:off x="754920" y="1290240"/>
-            <a:ext cx="1161360" cy="1753920"/>
+            <a:ext cx="1161000" cy="1753560"/>
           </a:xfrm>
           <a:prstGeom prst="rect">
             <a:avLst/>

--- a/Documentação/Protopersona/ProtopersonaV1.pptx
+++ b/Documentação/Protopersona/ProtopersonaV1.pptx
@@ -1,20 +1,115 @@
 
 <file path=ppt/presentation.xml><?xml version="1.0" encoding="utf-8"?>
-<p:presentation xmlns:a="http://schemas.openxmlformats.org/drawingml/2006/main" xmlns:p="http://schemas.openxmlformats.org/presentationml/2006/main" xmlns:r="http://schemas.openxmlformats.org/officeDocument/2006/relationships" xmlns:p14="http://schemas.microsoft.com/office/powerpoint/2010/main" xmlns:p15="http://schemas.microsoft.com/office/powerpoint/2012/main" xmlns:mc="http://schemas.openxmlformats.org/markup-compatibility/2006">
+<p:presentation xmlns:a="http://schemas.openxmlformats.org/drawingml/2006/main" xmlns:r="http://schemas.openxmlformats.org/officeDocument/2006/relationships" xmlns:p="http://schemas.openxmlformats.org/presentationml/2006/main">
   <p:sldMasterIdLst>
-    <p:sldMasterId id="2147483648" r:id="rId2"/>
+    <p:sldMasterId id="2147483648" r:id="rId1"/>
   </p:sldMasterIdLst>
   <p:sldIdLst>
-    <p:sldId id="256" r:id="rId3"/>
-    <p:sldId id="257" r:id="rId4"/>
+    <p:sldId id="256" r:id="rId2"/>
+    <p:sldId id="257" r:id="rId3"/>
   </p:sldIdLst>
   <p:sldSz cx="12192000" cy="6858000"/>
   <p:notesSz cx="7559675" cy="10691813"/>
+  <p:defaultTextStyle>
+    <a:defPPr>
+      <a:defRPr lang="pt-BR"/>
+    </a:defPPr>
+    <a:lvl1pPr marL="0" algn="l" defTabSz="914400" rtl="0" eaLnBrk="1" latinLnBrk="0" hangingPunct="1">
+      <a:defRPr sz="1800" kern="1200">
+        <a:solidFill>
+          <a:schemeClr val="tx1"/>
+        </a:solidFill>
+        <a:latin typeface="+mn-lt"/>
+        <a:ea typeface="+mn-ea"/>
+        <a:cs typeface="+mn-cs"/>
+      </a:defRPr>
+    </a:lvl1pPr>
+    <a:lvl2pPr marL="457200" algn="l" defTabSz="914400" rtl="0" eaLnBrk="1" latinLnBrk="0" hangingPunct="1">
+      <a:defRPr sz="1800" kern="1200">
+        <a:solidFill>
+          <a:schemeClr val="tx1"/>
+        </a:solidFill>
+        <a:latin typeface="+mn-lt"/>
+        <a:ea typeface="+mn-ea"/>
+        <a:cs typeface="+mn-cs"/>
+      </a:defRPr>
+    </a:lvl2pPr>
+    <a:lvl3pPr marL="914400" algn="l" defTabSz="914400" rtl="0" eaLnBrk="1" latinLnBrk="0" hangingPunct="1">
+      <a:defRPr sz="1800" kern="1200">
+        <a:solidFill>
+          <a:schemeClr val="tx1"/>
+        </a:solidFill>
+        <a:latin typeface="+mn-lt"/>
+        <a:ea typeface="+mn-ea"/>
+        <a:cs typeface="+mn-cs"/>
+      </a:defRPr>
+    </a:lvl3pPr>
+    <a:lvl4pPr marL="1371600" algn="l" defTabSz="914400" rtl="0" eaLnBrk="1" latinLnBrk="0" hangingPunct="1">
+      <a:defRPr sz="1800" kern="1200">
+        <a:solidFill>
+          <a:schemeClr val="tx1"/>
+        </a:solidFill>
+        <a:latin typeface="+mn-lt"/>
+        <a:ea typeface="+mn-ea"/>
+        <a:cs typeface="+mn-cs"/>
+      </a:defRPr>
+    </a:lvl4pPr>
+    <a:lvl5pPr marL="1828800" algn="l" defTabSz="914400" rtl="0" eaLnBrk="1" latinLnBrk="0" hangingPunct="1">
+      <a:defRPr sz="1800" kern="1200">
+        <a:solidFill>
+          <a:schemeClr val="tx1"/>
+        </a:solidFill>
+        <a:latin typeface="+mn-lt"/>
+        <a:ea typeface="+mn-ea"/>
+        <a:cs typeface="+mn-cs"/>
+      </a:defRPr>
+    </a:lvl5pPr>
+    <a:lvl6pPr marL="2286000" algn="l" defTabSz="914400" rtl="0" eaLnBrk="1" latinLnBrk="0" hangingPunct="1">
+      <a:defRPr sz="1800" kern="1200">
+        <a:solidFill>
+          <a:schemeClr val="tx1"/>
+        </a:solidFill>
+        <a:latin typeface="+mn-lt"/>
+        <a:ea typeface="+mn-ea"/>
+        <a:cs typeface="+mn-cs"/>
+      </a:defRPr>
+    </a:lvl6pPr>
+    <a:lvl7pPr marL="2743200" algn="l" defTabSz="914400" rtl="0" eaLnBrk="1" latinLnBrk="0" hangingPunct="1">
+      <a:defRPr sz="1800" kern="1200">
+        <a:solidFill>
+          <a:schemeClr val="tx1"/>
+        </a:solidFill>
+        <a:latin typeface="+mn-lt"/>
+        <a:ea typeface="+mn-ea"/>
+        <a:cs typeface="+mn-cs"/>
+      </a:defRPr>
+    </a:lvl7pPr>
+    <a:lvl8pPr marL="3200400" algn="l" defTabSz="914400" rtl="0" eaLnBrk="1" latinLnBrk="0" hangingPunct="1">
+      <a:defRPr sz="1800" kern="1200">
+        <a:solidFill>
+          <a:schemeClr val="tx1"/>
+        </a:solidFill>
+        <a:latin typeface="+mn-lt"/>
+        <a:ea typeface="+mn-ea"/>
+        <a:cs typeface="+mn-cs"/>
+      </a:defRPr>
+    </a:lvl8pPr>
+    <a:lvl9pPr marL="3657600" algn="l" defTabSz="914400" rtl="0" eaLnBrk="1" latinLnBrk="0" hangingPunct="1">
+      <a:defRPr sz="1800" kern="1200">
+        <a:solidFill>
+          <a:schemeClr val="tx1"/>
+        </a:solidFill>
+        <a:latin typeface="+mn-lt"/>
+        <a:ea typeface="+mn-ea"/>
+        <a:cs typeface="+mn-cs"/>
+      </a:defRPr>
+    </a:lvl9pPr>
+  </p:defaultTextStyle>
 </p:presentation>
 </file>
 
 <file path=ppt/slideLayouts/slideLayout1.xml><?xml version="1.0" encoding="utf-8"?>
-<p:sldLayout xmlns:a="http://schemas.openxmlformats.org/drawingml/2006/main" xmlns:p="http://schemas.openxmlformats.org/presentationml/2006/main" xmlns:r="http://schemas.openxmlformats.org/officeDocument/2006/relationships" xmlns:p14="http://schemas.microsoft.com/office/powerpoint/2010/main" xmlns:p15="http://schemas.microsoft.com/office/powerpoint/2012/main" xmlns:mc="http://schemas.openxmlformats.org/markup-compatibility/2006" type="blank" preserve="1">
+<p:sldLayout xmlns:a="http://schemas.openxmlformats.org/drawingml/2006/main" xmlns:r="http://schemas.openxmlformats.org/officeDocument/2006/relationships" xmlns:p="http://schemas.openxmlformats.org/presentationml/2006/main" type="blank" preserve="1">
   <p:cSld name="Blank Slide">
     <p:spTree>
       <p:nvGrpSpPr>
@@ -43,6 +138,7 @@
         <p:spPr/>
         <p:txBody>
           <a:bodyPr/>
+          <a:lstStyle/>
           <a:p>
             <a:r>
               <a:t>Footer</a:t>
@@ -63,10 +159,12 @@
         <p:spPr/>
         <p:txBody>
           <a:bodyPr/>
+          <a:lstStyle/>
           <a:p>
             <a:fld id="{011B94EC-139B-44E9-9ABB-E67A5CB80F2C}" type="slidenum">
-              <a:t>&lt;#&gt;</a:t>
+              <a:t>‹nº›</a:t>
             </a:fld>
+            <a:endParaRPr/>
           </a:p>
         </p:txBody>
       </p:sp>
@@ -83,21 +181,22 @@
         <p:spPr/>
         <p:txBody>
           <a:bodyPr/>
-          <a:p>
-            <a:r>
-              <a:rPr lang="pt-BR"/>
-              <a:t/>
-            </a:r>
+          <a:lstStyle/>
+          <a:p>
+            <a:endParaRPr/>
           </a:p>
         </p:txBody>
       </p:sp>
     </p:spTree>
   </p:cSld>
+  <p:clrMapOvr>
+    <a:masterClrMapping/>
+  </p:clrMapOvr>
 </p:sldLayout>
 </file>
 
 <file path=ppt/slideLayouts/slideLayout10.xml><?xml version="1.0" encoding="utf-8"?>
-<p:sldLayout xmlns:a="http://schemas.openxmlformats.org/drawingml/2006/main" xmlns:p="http://schemas.openxmlformats.org/presentationml/2006/main" xmlns:r="http://schemas.openxmlformats.org/officeDocument/2006/relationships" xmlns:p14="http://schemas.microsoft.com/office/powerpoint/2010/main" xmlns:p15="http://schemas.microsoft.com/office/powerpoint/2012/main" xmlns:mc="http://schemas.openxmlformats.org/markup-compatibility/2006" type="objOverTx" preserve="1">
+<p:sldLayout xmlns:a="http://schemas.openxmlformats.org/drawingml/2006/main" xmlns:r="http://schemas.openxmlformats.org/officeDocument/2006/relationships" xmlns:p="http://schemas.openxmlformats.org/presentationml/2006/main" type="objOverTx" preserve="1">
   <p:cSld name="Title, Content over Content">
     <p:spTree>
       <p:nvGrpSpPr>
@@ -137,14 +236,15 @@
           </a:ln>
         </p:spPr>
         <p:txBody>
-          <a:bodyPr lIns="0" rIns="0" tIns="0" bIns="0" anchor="ctr">
+          <a:bodyPr lIns="0" tIns="0" rIns="0" bIns="0" anchor="ctr">
             <a:noAutofit/>
           </a:bodyPr>
+          <a:lstStyle/>
           <a:p>
             <a:pPr algn="ctr">
               <a:buNone/>
             </a:pPr>
-            <a:endParaRPr b="0" lang="pt-BR" sz="4400" spc="-1" strike="noStrike">
+            <a:endParaRPr lang="pt-BR" sz="4400" b="0" strike="noStrike" spc="-1">
               <a:latin typeface="Arial"/>
             </a:endParaRPr>
           </a:p>
@@ -174,11 +274,12 @@
           </a:ln>
         </p:spPr>
         <p:txBody>
-          <a:bodyPr lIns="0" rIns="0" tIns="0" bIns="0" anchor="t">
+          <a:bodyPr lIns="0" tIns="0" rIns="0" bIns="0" anchor="t">
             <a:normAutofit/>
           </a:bodyPr>
-          <a:p>
-            <a:endParaRPr b="0" lang="pt-BR" sz="3200" spc="-1" strike="noStrike">
+          <a:lstStyle/>
+          <a:p>
+            <a:endParaRPr lang="pt-BR" sz="3200" b="0" strike="noStrike" spc="-1">
               <a:latin typeface="Arial"/>
             </a:endParaRPr>
           </a:p>
@@ -208,11 +309,12 @@
           </a:ln>
         </p:spPr>
         <p:txBody>
-          <a:bodyPr lIns="0" rIns="0" tIns="0" bIns="0" anchor="t">
+          <a:bodyPr lIns="0" tIns="0" rIns="0" bIns="0" anchor="t">
             <a:normAutofit/>
           </a:bodyPr>
-          <a:p>
-            <a:endParaRPr b="0" lang="pt-BR" sz="3200" spc="-1" strike="noStrike">
+          <a:lstStyle/>
+          <a:p>
+            <a:endParaRPr lang="pt-BR" sz="3200" b="0" strike="noStrike" spc="-1">
               <a:latin typeface="Arial"/>
             </a:endParaRPr>
           </a:p>
@@ -231,6 +333,7 @@
         <p:spPr/>
         <p:txBody>
           <a:bodyPr/>
+          <a:lstStyle/>
           <a:p>
             <a:r>
               <a:t>Footer</a:t>
@@ -251,10 +354,12 @@
         <p:spPr/>
         <p:txBody>
           <a:bodyPr/>
+          <a:lstStyle/>
           <a:p>
             <a:fld id="{54ED8AE8-ADF7-46AD-85B2-4BCFD74E30AD}" type="slidenum">
-              <a:t>&lt;#&gt;</a:t>
+              <a:t>‹nº›</a:t>
             </a:fld>
+            <a:endParaRPr/>
           </a:p>
         </p:txBody>
       </p:sp>
@@ -271,21 +376,22 @@
         <p:spPr/>
         <p:txBody>
           <a:bodyPr/>
-          <a:p>
-            <a:r>
-              <a:rPr lang="pt-BR"/>
-              <a:t/>
-            </a:r>
+          <a:lstStyle/>
+          <a:p>
+            <a:endParaRPr/>
           </a:p>
         </p:txBody>
       </p:sp>
     </p:spTree>
   </p:cSld>
+  <p:clrMapOvr>
+    <a:masterClrMapping/>
+  </p:clrMapOvr>
 </p:sldLayout>
 </file>
 
 <file path=ppt/slideLayouts/slideLayout11.xml><?xml version="1.0" encoding="utf-8"?>
-<p:sldLayout xmlns:a="http://schemas.openxmlformats.org/drawingml/2006/main" xmlns:p="http://schemas.openxmlformats.org/presentationml/2006/main" xmlns:r="http://schemas.openxmlformats.org/officeDocument/2006/relationships" xmlns:p14="http://schemas.microsoft.com/office/powerpoint/2010/main" xmlns:p15="http://schemas.microsoft.com/office/powerpoint/2012/main" xmlns:mc="http://schemas.openxmlformats.org/markup-compatibility/2006" type="fourObj" preserve="1">
+<p:sldLayout xmlns:a="http://schemas.openxmlformats.org/drawingml/2006/main" xmlns:r="http://schemas.openxmlformats.org/officeDocument/2006/relationships" xmlns:p="http://schemas.openxmlformats.org/presentationml/2006/main" type="fourObj" preserve="1">
   <p:cSld name="Title, 4 Content">
     <p:spTree>
       <p:nvGrpSpPr>
@@ -325,14 +431,15 @@
           </a:ln>
         </p:spPr>
         <p:txBody>
-          <a:bodyPr lIns="0" rIns="0" tIns="0" bIns="0" anchor="ctr">
+          <a:bodyPr lIns="0" tIns="0" rIns="0" bIns="0" anchor="ctr">
             <a:noAutofit/>
           </a:bodyPr>
+          <a:lstStyle/>
           <a:p>
             <a:pPr algn="ctr">
               <a:buNone/>
             </a:pPr>
-            <a:endParaRPr b="0" lang="pt-BR" sz="4400" spc="-1" strike="noStrike">
+            <a:endParaRPr lang="pt-BR" sz="4400" b="0" strike="noStrike" spc="-1">
               <a:latin typeface="Arial"/>
             </a:endParaRPr>
           </a:p>
@@ -362,11 +469,12 @@
           </a:ln>
         </p:spPr>
         <p:txBody>
-          <a:bodyPr lIns="0" rIns="0" tIns="0" bIns="0" anchor="t">
+          <a:bodyPr lIns="0" tIns="0" rIns="0" bIns="0" anchor="t">
             <a:normAutofit/>
           </a:bodyPr>
-          <a:p>
-            <a:endParaRPr b="0" lang="pt-BR" sz="3200" spc="-1" strike="noStrike">
+          <a:lstStyle/>
+          <a:p>
+            <a:endParaRPr lang="pt-BR" sz="3200" b="0" strike="noStrike" spc="-1">
               <a:latin typeface="Arial"/>
             </a:endParaRPr>
           </a:p>
@@ -396,11 +504,12 @@
           </a:ln>
         </p:spPr>
         <p:txBody>
-          <a:bodyPr lIns="0" rIns="0" tIns="0" bIns="0" anchor="t">
+          <a:bodyPr lIns="0" tIns="0" rIns="0" bIns="0" anchor="t">
             <a:normAutofit/>
           </a:bodyPr>
-          <a:p>
-            <a:endParaRPr b="0" lang="pt-BR" sz="3200" spc="-1" strike="noStrike">
+          <a:lstStyle/>
+          <a:p>
+            <a:endParaRPr lang="pt-BR" sz="3200" b="0" strike="noStrike" spc="-1">
               <a:latin typeface="Arial"/>
             </a:endParaRPr>
           </a:p>
@@ -430,11 +539,12 @@
           </a:ln>
         </p:spPr>
         <p:txBody>
-          <a:bodyPr lIns="0" rIns="0" tIns="0" bIns="0" anchor="t">
+          <a:bodyPr lIns="0" tIns="0" rIns="0" bIns="0" anchor="t">
             <a:normAutofit/>
           </a:bodyPr>
-          <a:p>
-            <a:endParaRPr b="0" lang="pt-BR" sz="3200" spc="-1" strike="noStrike">
+          <a:lstStyle/>
+          <a:p>
+            <a:endParaRPr lang="pt-BR" sz="3200" b="0" strike="noStrike" spc="-1">
               <a:latin typeface="Arial"/>
             </a:endParaRPr>
           </a:p>
@@ -464,11 +574,12 @@
           </a:ln>
         </p:spPr>
         <p:txBody>
-          <a:bodyPr lIns="0" rIns="0" tIns="0" bIns="0" anchor="t">
+          <a:bodyPr lIns="0" tIns="0" rIns="0" bIns="0" anchor="t">
             <a:normAutofit/>
           </a:bodyPr>
-          <a:p>
-            <a:endParaRPr b="0" lang="pt-BR" sz="3200" spc="-1" strike="noStrike">
+          <a:lstStyle/>
+          <a:p>
+            <a:endParaRPr lang="pt-BR" sz="3200" b="0" strike="noStrike" spc="-1">
               <a:latin typeface="Arial"/>
             </a:endParaRPr>
           </a:p>
@@ -487,6 +598,7 @@
         <p:spPr/>
         <p:txBody>
           <a:bodyPr/>
+          <a:lstStyle/>
           <a:p>
             <a:r>
               <a:t>Footer</a:t>
@@ -507,10 +619,12 @@
         <p:spPr/>
         <p:txBody>
           <a:bodyPr/>
+          <a:lstStyle/>
           <a:p>
             <a:fld id="{F73F66A4-DDC8-4F09-BDCE-C889E72300A4}" type="slidenum">
-              <a:t>&lt;#&gt;</a:t>
+              <a:t>‹nº›</a:t>
             </a:fld>
+            <a:endParaRPr/>
           </a:p>
         </p:txBody>
       </p:sp>
@@ -527,21 +641,22 @@
         <p:spPr/>
         <p:txBody>
           <a:bodyPr/>
-          <a:p>
-            <a:r>
-              <a:rPr lang="pt-BR"/>
-              <a:t/>
-            </a:r>
+          <a:lstStyle/>
+          <a:p>
+            <a:endParaRPr/>
           </a:p>
         </p:txBody>
       </p:sp>
     </p:spTree>
   </p:cSld>
+  <p:clrMapOvr>
+    <a:masterClrMapping/>
+  </p:clrMapOvr>
 </p:sldLayout>
 </file>
 
 <file path=ppt/slideLayouts/slideLayout12.xml><?xml version="1.0" encoding="utf-8"?>
-<p:sldLayout xmlns:a="http://schemas.openxmlformats.org/drawingml/2006/main" xmlns:p="http://schemas.openxmlformats.org/presentationml/2006/main" xmlns:r="http://schemas.openxmlformats.org/officeDocument/2006/relationships" xmlns:p14="http://schemas.microsoft.com/office/powerpoint/2010/main" xmlns:p15="http://schemas.microsoft.com/office/powerpoint/2012/main" xmlns:mc="http://schemas.openxmlformats.org/markup-compatibility/2006" type="blank" preserve="1">
+<p:sldLayout xmlns:a="http://schemas.openxmlformats.org/drawingml/2006/main" xmlns:r="http://schemas.openxmlformats.org/officeDocument/2006/relationships" xmlns:p="http://schemas.openxmlformats.org/presentationml/2006/main" type="blank" preserve="1">
   <p:cSld name="Title, 6 Content">
     <p:spTree>
       <p:nvGrpSpPr>
@@ -581,14 +696,15 @@
           </a:ln>
         </p:spPr>
         <p:txBody>
-          <a:bodyPr lIns="0" rIns="0" tIns="0" bIns="0" anchor="ctr">
+          <a:bodyPr lIns="0" tIns="0" rIns="0" bIns="0" anchor="ctr">
             <a:noAutofit/>
           </a:bodyPr>
+          <a:lstStyle/>
           <a:p>
             <a:pPr algn="ctr">
               <a:buNone/>
             </a:pPr>
-            <a:endParaRPr b="0" lang="pt-BR" sz="4400" spc="-1" strike="noStrike">
+            <a:endParaRPr lang="pt-BR" sz="4400" b="0" strike="noStrike" spc="-1">
               <a:latin typeface="Arial"/>
             </a:endParaRPr>
           </a:p>
@@ -618,11 +734,12 @@
           </a:ln>
         </p:spPr>
         <p:txBody>
-          <a:bodyPr lIns="0" rIns="0" tIns="0" bIns="0" anchor="t">
+          <a:bodyPr lIns="0" tIns="0" rIns="0" bIns="0" anchor="t">
             <a:normAutofit/>
           </a:bodyPr>
-          <a:p>
-            <a:endParaRPr b="0" lang="pt-BR" sz="3200" spc="-1" strike="noStrike">
+          <a:lstStyle/>
+          <a:p>
+            <a:endParaRPr lang="pt-BR" sz="3200" b="0" strike="noStrike" spc="-1">
               <a:latin typeface="Arial"/>
             </a:endParaRPr>
           </a:p>
@@ -652,11 +769,12 @@
           </a:ln>
         </p:spPr>
         <p:txBody>
-          <a:bodyPr lIns="0" rIns="0" tIns="0" bIns="0" anchor="t">
+          <a:bodyPr lIns="0" tIns="0" rIns="0" bIns="0" anchor="t">
             <a:normAutofit/>
           </a:bodyPr>
-          <a:p>
-            <a:endParaRPr b="0" lang="pt-BR" sz="3200" spc="-1" strike="noStrike">
+          <a:lstStyle/>
+          <a:p>
+            <a:endParaRPr lang="pt-BR" sz="3200" b="0" strike="noStrike" spc="-1">
               <a:latin typeface="Arial"/>
             </a:endParaRPr>
           </a:p>
@@ -686,11 +804,12 @@
           </a:ln>
         </p:spPr>
         <p:txBody>
-          <a:bodyPr lIns="0" rIns="0" tIns="0" bIns="0" anchor="t">
+          <a:bodyPr lIns="0" tIns="0" rIns="0" bIns="0" anchor="t">
             <a:normAutofit/>
           </a:bodyPr>
-          <a:p>
-            <a:endParaRPr b="0" lang="pt-BR" sz="3200" spc="-1" strike="noStrike">
+          <a:lstStyle/>
+          <a:p>
+            <a:endParaRPr lang="pt-BR" sz="3200" b="0" strike="noStrike" spc="-1">
               <a:latin typeface="Arial"/>
             </a:endParaRPr>
           </a:p>
@@ -720,11 +839,12 @@
           </a:ln>
         </p:spPr>
         <p:txBody>
-          <a:bodyPr lIns="0" rIns="0" tIns="0" bIns="0" anchor="t">
+          <a:bodyPr lIns="0" tIns="0" rIns="0" bIns="0" anchor="t">
             <a:normAutofit/>
           </a:bodyPr>
-          <a:p>
-            <a:endParaRPr b="0" lang="pt-BR" sz="3200" spc="-1" strike="noStrike">
+          <a:lstStyle/>
+          <a:p>
+            <a:endParaRPr lang="pt-BR" sz="3200" b="0" strike="noStrike" spc="-1">
               <a:latin typeface="Arial"/>
             </a:endParaRPr>
           </a:p>
@@ -754,11 +874,12 @@
           </a:ln>
         </p:spPr>
         <p:txBody>
-          <a:bodyPr lIns="0" rIns="0" tIns="0" bIns="0" anchor="t">
+          <a:bodyPr lIns="0" tIns="0" rIns="0" bIns="0" anchor="t">
             <a:normAutofit/>
           </a:bodyPr>
-          <a:p>
-            <a:endParaRPr b="0" lang="pt-BR" sz="3200" spc="-1" strike="noStrike">
+          <a:lstStyle/>
+          <a:p>
+            <a:endParaRPr lang="pt-BR" sz="3200" b="0" strike="noStrike" spc="-1">
               <a:latin typeface="Arial"/>
             </a:endParaRPr>
           </a:p>
@@ -788,11 +909,12 @@
           </a:ln>
         </p:spPr>
         <p:txBody>
-          <a:bodyPr lIns="0" rIns="0" tIns="0" bIns="0" anchor="t">
+          <a:bodyPr lIns="0" tIns="0" rIns="0" bIns="0" anchor="t">
             <a:normAutofit/>
           </a:bodyPr>
-          <a:p>
-            <a:endParaRPr b="0" lang="pt-BR" sz="3200" spc="-1" strike="noStrike">
+          <a:lstStyle/>
+          <a:p>
+            <a:endParaRPr lang="pt-BR" sz="3200" b="0" strike="noStrike" spc="-1">
               <a:latin typeface="Arial"/>
             </a:endParaRPr>
           </a:p>
@@ -811,6 +933,7 @@
         <p:spPr/>
         <p:txBody>
           <a:bodyPr/>
+          <a:lstStyle/>
           <a:p>
             <a:r>
               <a:t>Footer</a:t>
@@ -831,10 +954,12 @@
         <p:spPr/>
         <p:txBody>
           <a:bodyPr/>
+          <a:lstStyle/>
           <a:p>
             <a:fld id="{09C75525-6210-4A65-8B87-28B94D48D55B}" type="slidenum">
-              <a:t>&lt;#&gt;</a:t>
+              <a:t>‹nº›</a:t>
             </a:fld>
+            <a:endParaRPr/>
           </a:p>
         </p:txBody>
       </p:sp>
@@ -851,21 +976,22 @@
         <p:spPr/>
         <p:txBody>
           <a:bodyPr/>
-          <a:p>
-            <a:r>
-              <a:rPr lang="pt-BR"/>
-              <a:t/>
-            </a:r>
+          <a:lstStyle/>
+          <a:p>
+            <a:endParaRPr/>
           </a:p>
         </p:txBody>
       </p:sp>
     </p:spTree>
   </p:cSld>
+  <p:clrMapOvr>
+    <a:masterClrMapping/>
+  </p:clrMapOvr>
 </p:sldLayout>
 </file>
 
 <file path=ppt/slideLayouts/slideLayout2.xml><?xml version="1.0" encoding="utf-8"?>
-<p:sldLayout xmlns:a="http://schemas.openxmlformats.org/drawingml/2006/main" xmlns:p="http://schemas.openxmlformats.org/presentationml/2006/main" xmlns:r="http://schemas.openxmlformats.org/officeDocument/2006/relationships" xmlns:p14="http://schemas.microsoft.com/office/powerpoint/2010/main" xmlns:p15="http://schemas.microsoft.com/office/powerpoint/2012/main" xmlns:mc="http://schemas.openxmlformats.org/markup-compatibility/2006" type="tx" preserve="1">
+<p:sldLayout xmlns:a="http://schemas.openxmlformats.org/drawingml/2006/main" xmlns:r="http://schemas.openxmlformats.org/officeDocument/2006/relationships" xmlns:p="http://schemas.openxmlformats.org/presentationml/2006/main" type="tx" preserve="1">
   <p:cSld name="Title Slide">
     <p:spTree>
       <p:nvGrpSpPr>
@@ -905,14 +1031,15 @@
           </a:ln>
         </p:spPr>
         <p:txBody>
-          <a:bodyPr lIns="0" rIns="0" tIns="0" bIns="0" anchor="ctr">
+          <a:bodyPr lIns="0" tIns="0" rIns="0" bIns="0" anchor="ctr">
             <a:noAutofit/>
           </a:bodyPr>
+          <a:lstStyle/>
           <a:p>
             <a:pPr algn="ctr">
               <a:buNone/>
             </a:pPr>
-            <a:endParaRPr b="0" lang="pt-BR" sz="4400" spc="-1" strike="noStrike">
+            <a:endParaRPr lang="pt-BR" sz="4400" b="0" strike="noStrike" spc="-1">
               <a:latin typeface="Arial"/>
             </a:endParaRPr>
           </a:p>
@@ -942,14 +1069,15 @@
           </a:ln>
         </p:spPr>
         <p:txBody>
-          <a:bodyPr lIns="0" rIns="0" tIns="0" bIns="0" anchor="ctr">
+          <a:bodyPr lIns="0" tIns="0" rIns="0" bIns="0" anchor="ctr">
             <a:noAutofit/>
           </a:bodyPr>
+          <a:lstStyle/>
           <a:p>
             <a:pPr algn="ctr">
               <a:buNone/>
             </a:pPr>
-            <a:endParaRPr b="0" lang="pt-BR" sz="3200" spc="-1" strike="noStrike">
+            <a:endParaRPr lang="pt-BR" sz="3200" b="0" strike="noStrike" spc="-1">
               <a:latin typeface="Arial"/>
             </a:endParaRPr>
           </a:p>
@@ -968,6 +1096,7 @@
         <p:spPr/>
         <p:txBody>
           <a:bodyPr/>
+          <a:lstStyle/>
           <a:p>
             <a:r>
               <a:t>Footer</a:t>
@@ -977,7 +1106,7 @@
       </p:sp>
       <p:sp>
         <p:nvSpPr>
-          <p:cNvPr id="5" name="PlaceHolder 4"/>
+          <p:cNvPr id="2" name="PlaceHolder 4"/>
           <p:cNvSpPr>
             <a:spLocks noGrp="1"/>
           </p:cNvSpPr>
@@ -988,16 +1117,18 @@
         <p:spPr/>
         <p:txBody>
           <a:bodyPr/>
+          <a:lstStyle/>
           <a:p>
             <a:fld id="{F8CDC320-BD9A-41AD-ADD4-E26166ED71CE}" type="slidenum">
-              <a:t>&lt;#&gt;</a:t>
+              <a:t>‹nº›</a:t>
             </a:fld>
-          </a:p>
-        </p:txBody>
-      </p:sp>
-      <p:sp>
-        <p:nvSpPr>
-          <p:cNvPr id="6" name="PlaceHolder 5"/>
+            <a:endParaRPr/>
+          </a:p>
+        </p:txBody>
+      </p:sp>
+      <p:sp>
+        <p:nvSpPr>
+          <p:cNvPr id="3" name="PlaceHolder 5"/>
           <p:cNvSpPr>
             <a:spLocks noGrp="1"/>
           </p:cNvSpPr>
@@ -1008,21 +1139,22 @@
         <p:spPr/>
         <p:txBody>
           <a:bodyPr/>
-          <a:p>
-            <a:r>
-              <a:rPr lang="pt-BR"/>
-              <a:t/>
-            </a:r>
+          <a:lstStyle/>
+          <a:p>
+            <a:endParaRPr/>
           </a:p>
         </p:txBody>
       </p:sp>
     </p:spTree>
   </p:cSld>
+  <p:clrMapOvr>
+    <a:masterClrMapping/>
+  </p:clrMapOvr>
 </p:sldLayout>
 </file>
 
 <file path=ppt/slideLayouts/slideLayout3.xml><?xml version="1.0" encoding="utf-8"?>
-<p:sldLayout xmlns:a="http://schemas.openxmlformats.org/drawingml/2006/main" xmlns:p="http://schemas.openxmlformats.org/presentationml/2006/main" xmlns:r="http://schemas.openxmlformats.org/officeDocument/2006/relationships" xmlns:p14="http://schemas.microsoft.com/office/powerpoint/2010/main" xmlns:p15="http://schemas.microsoft.com/office/powerpoint/2012/main" xmlns:mc="http://schemas.openxmlformats.org/markup-compatibility/2006" type="obj" preserve="1">
+<p:sldLayout xmlns:a="http://schemas.openxmlformats.org/drawingml/2006/main" xmlns:r="http://schemas.openxmlformats.org/officeDocument/2006/relationships" xmlns:p="http://schemas.openxmlformats.org/presentationml/2006/main" type="obj" preserve="1">
   <p:cSld name="Title, Content">
     <p:spTree>
       <p:nvGrpSpPr>
@@ -1062,14 +1194,15 @@
           </a:ln>
         </p:spPr>
         <p:txBody>
-          <a:bodyPr lIns="0" rIns="0" tIns="0" bIns="0" anchor="ctr">
+          <a:bodyPr lIns="0" tIns="0" rIns="0" bIns="0" anchor="ctr">
             <a:noAutofit/>
           </a:bodyPr>
+          <a:lstStyle/>
           <a:p>
             <a:pPr algn="ctr">
               <a:buNone/>
             </a:pPr>
-            <a:endParaRPr b="0" lang="pt-BR" sz="4400" spc="-1" strike="noStrike">
+            <a:endParaRPr lang="pt-BR" sz="4400" b="0" strike="noStrike" spc="-1">
               <a:latin typeface="Arial"/>
             </a:endParaRPr>
           </a:p>
@@ -1099,11 +1232,12 @@
           </a:ln>
         </p:spPr>
         <p:txBody>
-          <a:bodyPr lIns="0" rIns="0" tIns="0" bIns="0" anchor="t">
+          <a:bodyPr lIns="0" tIns="0" rIns="0" bIns="0" anchor="t">
             <a:normAutofit/>
           </a:bodyPr>
-          <a:p>
-            <a:endParaRPr b="0" lang="pt-BR" sz="3200" spc="-1" strike="noStrike">
+          <a:lstStyle/>
+          <a:p>
+            <a:endParaRPr lang="pt-BR" sz="3200" b="0" strike="noStrike" spc="-1">
               <a:latin typeface="Arial"/>
             </a:endParaRPr>
           </a:p>
@@ -1122,6 +1256,7 @@
         <p:spPr/>
         <p:txBody>
           <a:bodyPr/>
+          <a:lstStyle/>
           <a:p>
             <a:r>
               <a:t>Footer</a:t>
@@ -1142,10 +1277,12 @@
         <p:spPr/>
         <p:txBody>
           <a:bodyPr/>
+          <a:lstStyle/>
           <a:p>
             <a:fld id="{6196F6E4-FEBA-4973-8FF5-E478C5F63F62}" type="slidenum">
-              <a:t>&lt;#&gt;</a:t>
+              <a:t>‹nº›</a:t>
             </a:fld>
+            <a:endParaRPr/>
           </a:p>
         </p:txBody>
       </p:sp>
@@ -1162,21 +1299,22 @@
         <p:spPr/>
         <p:txBody>
           <a:bodyPr/>
-          <a:p>
-            <a:r>
-              <a:rPr lang="pt-BR"/>
-              <a:t/>
-            </a:r>
+          <a:lstStyle/>
+          <a:p>
+            <a:endParaRPr/>
           </a:p>
         </p:txBody>
       </p:sp>
     </p:spTree>
   </p:cSld>
+  <p:clrMapOvr>
+    <a:masterClrMapping/>
+  </p:clrMapOvr>
 </p:sldLayout>
 </file>
 
 <file path=ppt/slideLayouts/slideLayout4.xml><?xml version="1.0" encoding="utf-8"?>
-<p:sldLayout xmlns:a="http://schemas.openxmlformats.org/drawingml/2006/main" xmlns:p="http://schemas.openxmlformats.org/presentationml/2006/main" xmlns:r="http://schemas.openxmlformats.org/officeDocument/2006/relationships" xmlns:p14="http://schemas.microsoft.com/office/powerpoint/2010/main" xmlns:p15="http://schemas.microsoft.com/office/powerpoint/2012/main" xmlns:mc="http://schemas.openxmlformats.org/markup-compatibility/2006" type="twoObj" preserve="1">
+<p:sldLayout xmlns:a="http://schemas.openxmlformats.org/drawingml/2006/main" xmlns:r="http://schemas.openxmlformats.org/officeDocument/2006/relationships" xmlns:p="http://schemas.openxmlformats.org/presentationml/2006/main" type="twoObj" preserve="1">
   <p:cSld name="Title, 2 Content">
     <p:spTree>
       <p:nvGrpSpPr>
@@ -1216,14 +1354,15 @@
           </a:ln>
         </p:spPr>
         <p:txBody>
-          <a:bodyPr lIns="0" rIns="0" tIns="0" bIns="0" anchor="ctr">
+          <a:bodyPr lIns="0" tIns="0" rIns="0" bIns="0" anchor="ctr">
             <a:noAutofit/>
           </a:bodyPr>
+          <a:lstStyle/>
           <a:p>
             <a:pPr algn="ctr">
               <a:buNone/>
             </a:pPr>
-            <a:endParaRPr b="0" lang="pt-BR" sz="4400" spc="-1" strike="noStrike">
+            <a:endParaRPr lang="pt-BR" sz="4400" b="0" strike="noStrike" spc="-1">
               <a:latin typeface="Arial"/>
             </a:endParaRPr>
           </a:p>
@@ -1253,11 +1392,12 @@
           </a:ln>
         </p:spPr>
         <p:txBody>
-          <a:bodyPr lIns="0" rIns="0" tIns="0" bIns="0" anchor="t">
+          <a:bodyPr lIns="0" tIns="0" rIns="0" bIns="0" anchor="t">
             <a:normAutofit/>
           </a:bodyPr>
-          <a:p>
-            <a:endParaRPr b="0" lang="pt-BR" sz="3200" spc="-1" strike="noStrike">
+          <a:lstStyle/>
+          <a:p>
+            <a:endParaRPr lang="pt-BR" sz="3200" b="0" strike="noStrike" spc="-1">
               <a:latin typeface="Arial"/>
             </a:endParaRPr>
           </a:p>
@@ -1287,11 +1427,12 @@
           </a:ln>
         </p:spPr>
         <p:txBody>
-          <a:bodyPr lIns="0" rIns="0" tIns="0" bIns="0" anchor="t">
+          <a:bodyPr lIns="0" tIns="0" rIns="0" bIns="0" anchor="t">
             <a:normAutofit/>
           </a:bodyPr>
-          <a:p>
-            <a:endParaRPr b="0" lang="pt-BR" sz="3200" spc="-1" strike="noStrike">
+          <a:lstStyle/>
+          <a:p>
+            <a:endParaRPr lang="pt-BR" sz="3200" b="0" strike="noStrike" spc="-1">
               <a:latin typeface="Arial"/>
             </a:endParaRPr>
           </a:p>
@@ -1310,6 +1451,7 @@
         <p:spPr/>
         <p:txBody>
           <a:bodyPr/>
+          <a:lstStyle/>
           <a:p>
             <a:r>
               <a:t>Footer</a:t>
@@ -1330,10 +1472,12 @@
         <p:spPr/>
         <p:txBody>
           <a:bodyPr/>
+          <a:lstStyle/>
           <a:p>
             <a:fld id="{047EE30B-A980-40E5-9887-D06194D7ECC4}" type="slidenum">
-              <a:t>&lt;#&gt;</a:t>
+              <a:t>‹nº›</a:t>
             </a:fld>
+            <a:endParaRPr/>
           </a:p>
         </p:txBody>
       </p:sp>
@@ -1350,21 +1494,22 @@
         <p:spPr/>
         <p:txBody>
           <a:bodyPr/>
-          <a:p>
-            <a:r>
-              <a:rPr lang="pt-BR"/>
-              <a:t/>
-            </a:r>
+          <a:lstStyle/>
+          <a:p>
+            <a:endParaRPr/>
           </a:p>
         </p:txBody>
       </p:sp>
     </p:spTree>
   </p:cSld>
+  <p:clrMapOvr>
+    <a:masterClrMapping/>
+  </p:clrMapOvr>
 </p:sldLayout>
 </file>
 
 <file path=ppt/slideLayouts/slideLayout5.xml><?xml version="1.0" encoding="utf-8"?>
-<p:sldLayout xmlns:a="http://schemas.openxmlformats.org/drawingml/2006/main" xmlns:p="http://schemas.openxmlformats.org/presentationml/2006/main" xmlns:r="http://schemas.openxmlformats.org/officeDocument/2006/relationships" xmlns:p14="http://schemas.microsoft.com/office/powerpoint/2010/main" xmlns:p15="http://schemas.microsoft.com/office/powerpoint/2012/main" xmlns:mc="http://schemas.openxmlformats.org/markup-compatibility/2006" type="titleOnly" preserve="1">
+<p:sldLayout xmlns:a="http://schemas.openxmlformats.org/drawingml/2006/main" xmlns:r="http://schemas.openxmlformats.org/officeDocument/2006/relationships" xmlns:p="http://schemas.openxmlformats.org/presentationml/2006/main" type="titleOnly" preserve="1">
   <p:cSld name="Title Only">
     <p:spTree>
       <p:nvGrpSpPr>
@@ -1404,14 +1549,15 @@
           </a:ln>
         </p:spPr>
         <p:txBody>
-          <a:bodyPr lIns="0" rIns="0" tIns="0" bIns="0" anchor="ctr">
+          <a:bodyPr lIns="0" tIns="0" rIns="0" bIns="0" anchor="ctr">
             <a:noAutofit/>
           </a:bodyPr>
+          <a:lstStyle/>
           <a:p>
             <a:pPr algn="ctr">
               <a:buNone/>
             </a:pPr>
-            <a:endParaRPr b="0" lang="pt-BR" sz="4400" spc="-1" strike="noStrike">
+            <a:endParaRPr lang="pt-BR" sz="4400" b="0" strike="noStrike" spc="-1">
               <a:latin typeface="Arial"/>
             </a:endParaRPr>
           </a:p>
@@ -1430,6 +1576,7 @@
         <p:spPr/>
         <p:txBody>
           <a:bodyPr/>
+          <a:lstStyle/>
           <a:p>
             <a:r>
               <a:t>Footer</a:t>
@@ -1450,10 +1597,12 @@
         <p:spPr/>
         <p:txBody>
           <a:bodyPr/>
+          <a:lstStyle/>
           <a:p>
             <a:fld id="{ABCCFCE0-719B-4468-A9DD-9E91EC9675EC}" type="slidenum">
-              <a:t>&lt;#&gt;</a:t>
+              <a:t>‹nº›</a:t>
             </a:fld>
+            <a:endParaRPr/>
           </a:p>
         </p:txBody>
       </p:sp>
@@ -1470,21 +1619,22 @@
         <p:spPr/>
         <p:txBody>
           <a:bodyPr/>
-          <a:p>
-            <a:r>
-              <a:rPr lang="pt-BR"/>
-              <a:t/>
-            </a:r>
+          <a:lstStyle/>
+          <a:p>
+            <a:endParaRPr/>
           </a:p>
         </p:txBody>
       </p:sp>
     </p:spTree>
   </p:cSld>
+  <p:clrMapOvr>
+    <a:masterClrMapping/>
+  </p:clrMapOvr>
 </p:sldLayout>
 </file>
 
 <file path=ppt/slideLayouts/slideLayout6.xml><?xml version="1.0" encoding="utf-8"?>
-<p:sldLayout xmlns:a="http://schemas.openxmlformats.org/drawingml/2006/main" xmlns:p="http://schemas.openxmlformats.org/presentationml/2006/main" xmlns:r="http://schemas.openxmlformats.org/officeDocument/2006/relationships" xmlns:p14="http://schemas.microsoft.com/office/powerpoint/2010/main" xmlns:p15="http://schemas.microsoft.com/office/powerpoint/2012/main" xmlns:mc="http://schemas.openxmlformats.org/markup-compatibility/2006" type="objOnly" preserve="1">
+<p:sldLayout xmlns:a="http://schemas.openxmlformats.org/drawingml/2006/main" xmlns:r="http://schemas.openxmlformats.org/officeDocument/2006/relationships" xmlns:p="http://schemas.openxmlformats.org/presentationml/2006/main" type="objOnly" preserve="1">
   <p:cSld name="Centered Text">
     <p:spTree>
       <p:nvGrpSpPr>
@@ -1524,14 +1674,15 @@
           </a:ln>
         </p:spPr>
         <p:txBody>
-          <a:bodyPr lIns="0" rIns="0" tIns="0" bIns="0" anchor="ctr">
+          <a:bodyPr lIns="0" tIns="0" rIns="0" bIns="0" anchor="ctr">
             <a:noAutofit/>
           </a:bodyPr>
+          <a:lstStyle/>
           <a:p>
             <a:pPr algn="ctr">
               <a:buNone/>
             </a:pPr>
-            <a:endParaRPr b="0" lang="pt-BR" sz="3200" spc="-1" strike="noStrike">
+            <a:endParaRPr lang="pt-BR" sz="3200" b="0" strike="noStrike" spc="-1">
               <a:latin typeface="Arial"/>
             </a:endParaRPr>
           </a:p>
@@ -1550,6 +1701,7 @@
         <p:spPr/>
         <p:txBody>
           <a:bodyPr/>
+          <a:lstStyle/>
           <a:p>
             <a:r>
               <a:t>Footer</a:t>
@@ -1570,10 +1722,12 @@
         <p:spPr/>
         <p:txBody>
           <a:bodyPr/>
+          <a:lstStyle/>
           <a:p>
             <a:fld id="{DD69CEE8-59FF-48CF-872E-8EC15ED2750B}" type="slidenum">
-              <a:t>&lt;#&gt;</a:t>
+              <a:t>‹nº›</a:t>
             </a:fld>
+            <a:endParaRPr/>
           </a:p>
         </p:txBody>
       </p:sp>
@@ -1590,21 +1744,22 @@
         <p:spPr/>
         <p:txBody>
           <a:bodyPr/>
-          <a:p>
-            <a:r>
-              <a:rPr lang="pt-BR"/>
-              <a:t/>
-            </a:r>
+          <a:lstStyle/>
+          <a:p>
+            <a:endParaRPr/>
           </a:p>
         </p:txBody>
       </p:sp>
     </p:spTree>
   </p:cSld>
+  <p:clrMapOvr>
+    <a:masterClrMapping/>
+  </p:clrMapOvr>
 </p:sldLayout>
 </file>
 
 <file path=ppt/slideLayouts/slideLayout7.xml><?xml version="1.0" encoding="utf-8"?>
-<p:sldLayout xmlns:a="http://schemas.openxmlformats.org/drawingml/2006/main" xmlns:p="http://schemas.openxmlformats.org/presentationml/2006/main" xmlns:r="http://schemas.openxmlformats.org/officeDocument/2006/relationships" xmlns:p14="http://schemas.microsoft.com/office/powerpoint/2010/main" xmlns:p15="http://schemas.microsoft.com/office/powerpoint/2012/main" xmlns:mc="http://schemas.openxmlformats.org/markup-compatibility/2006" type="twoObjAndObj" preserve="1">
+<p:sldLayout xmlns:a="http://schemas.openxmlformats.org/drawingml/2006/main" xmlns:r="http://schemas.openxmlformats.org/officeDocument/2006/relationships" xmlns:p="http://schemas.openxmlformats.org/presentationml/2006/main" type="twoObjAndObj" preserve="1">
   <p:cSld name="Title, 2 Content and Content">
     <p:spTree>
       <p:nvGrpSpPr>
@@ -1644,14 +1799,15 @@
           </a:ln>
         </p:spPr>
         <p:txBody>
-          <a:bodyPr lIns="0" rIns="0" tIns="0" bIns="0" anchor="ctr">
+          <a:bodyPr lIns="0" tIns="0" rIns="0" bIns="0" anchor="ctr">
             <a:noAutofit/>
           </a:bodyPr>
+          <a:lstStyle/>
           <a:p>
             <a:pPr algn="ctr">
               <a:buNone/>
             </a:pPr>
-            <a:endParaRPr b="0" lang="pt-BR" sz="4400" spc="-1" strike="noStrike">
+            <a:endParaRPr lang="pt-BR" sz="4400" b="0" strike="noStrike" spc="-1">
               <a:latin typeface="Arial"/>
             </a:endParaRPr>
           </a:p>
@@ -1681,11 +1837,12 @@
           </a:ln>
         </p:spPr>
         <p:txBody>
-          <a:bodyPr lIns="0" rIns="0" tIns="0" bIns="0" anchor="t">
+          <a:bodyPr lIns="0" tIns="0" rIns="0" bIns="0" anchor="t">
             <a:normAutofit/>
           </a:bodyPr>
-          <a:p>
-            <a:endParaRPr b="0" lang="pt-BR" sz="3200" spc="-1" strike="noStrike">
+          <a:lstStyle/>
+          <a:p>
+            <a:endParaRPr lang="pt-BR" sz="3200" b="0" strike="noStrike" spc="-1">
               <a:latin typeface="Arial"/>
             </a:endParaRPr>
           </a:p>
@@ -1715,11 +1872,12 @@
           </a:ln>
         </p:spPr>
         <p:txBody>
-          <a:bodyPr lIns="0" rIns="0" tIns="0" bIns="0" anchor="t">
+          <a:bodyPr lIns="0" tIns="0" rIns="0" bIns="0" anchor="t">
             <a:normAutofit/>
           </a:bodyPr>
-          <a:p>
-            <a:endParaRPr b="0" lang="pt-BR" sz="3200" spc="-1" strike="noStrike">
+          <a:lstStyle/>
+          <a:p>
+            <a:endParaRPr lang="pt-BR" sz="3200" b="0" strike="noStrike" spc="-1">
               <a:latin typeface="Arial"/>
             </a:endParaRPr>
           </a:p>
@@ -1749,11 +1907,12 @@
           </a:ln>
         </p:spPr>
         <p:txBody>
-          <a:bodyPr lIns="0" rIns="0" tIns="0" bIns="0" anchor="t">
+          <a:bodyPr lIns="0" tIns="0" rIns="0" bIns="0" anchor="t">
             <a:normAutofit/>
           </a:bodyPr>
-          <a:p>
-            <a:endParaRPr b="0" lang="pt-BR" sz="3200" spc="-1" strike="noStrike">
+          <a:lstStyle/>
+          <a:p>
+            <a:endParaRPr lang="pt-BR" sz="3200" b="0" strike="noStrike" spc="-1">
               <a:latin typeface="Arial"/>
             </a:endParaRPr>
           </a:p>
@@ -1772,6 +1931,7 @@
         <p:spPr/>
         <p:txBody>
           <a:bodyPr/>
+          <a:lstStyle/>
           <a:p>
             <a:r>
               <a:t>Footer</a:t>
@@ -1792,10 +1952,12 @@
         <p:spPr/>
         <p:txBody>
           <a:bodyPr/>
+          <a:lstStyle/>
           <a:p>
             <a:fld id="{33AA51BE-6FBD-4D11-BDBB-5D7E1F5F7E4A}" type="slidenum">
-              <a:t>&lt;#&gt;</a:t>
+              <a:t>‹nº›</a:t>
             </a:fld>
+            <a:endParaRPr/>
           </a:p>
         </p:txBody>
       </p:sp>
@@ -1812,21 +1974,22 @@
         <p:spPr/>
         <p:txBody>
           <a:bodyPr/>
-          <a:p>
-            <a:r>
-              <a:rPr lang="pt-BR"/>
-              <a:t/>
-            </a:r>
+          <a:lstStyle/>
+          <a:p>
+            <a:endParaRPr/>
           </a:p>
         </p:txBody>
       </p:sp>
     </p:spTree>
   </p:cSld>
+  <p:clrMapOvr>
+    <a:masterClrMapping/>
+  </p:clrMapOvr>
 </p:sldLayout>
 </file>
 
 <file path=ppt/slideLayouts/slideLayout8.xml><?xml version="1.0" encoding="utf-8"?>
-<p:sldLayout xmlns:a="http://schemas.openxmlformats.org/drawingml/2006/main" xmlns:p="http://schemas.openxmlformats.org/presentationml/2006/main" xmlns:r="http://schemas.openxmlformats.org/officeDocument/2006/relationships" xmlns:p14="http://schemas.microsoft.com/office/powerpoint/2010/main" xmlns:p15="http://schemas.microsoft.com/office/powerpoint/2012/main" xmlns:mc="http://schemas.openxmlformats.org/markup-compatibility/2006" type="objAndTwoObj" preserve="1">
+<p:sldLayout xmlns:a="http://schemas.openxmlformats.org/drawingml/2006/main" xmlns:r="http://schemas.openxmlformats.org/officeDocument/2006/relationships" xmlns:p="http://schemas.openxmlformats.org/presentationml/2006/main" type="objAndTwoObj" preserve="1">
   <p:cSld name="Title Content and 2 Content">
     <p:spTree>
       <p:nvGrpSpPr>
@@ -1866,14 +2029,15 @@
           </a:ln>
         </p:spPr>
         <p:txBody>
-          <a:bodyPr lIns="0" rIns="0" tIns="0" bIns="0" anchor="ctr">
+          <a:bodyPr lIns="0" tIns="0" rIns="0" bIns="0" anchor="ctr">
             <a:noAutofit/>
           </a:bodyPr>
+          <a:lstStyle/>
           <a:p>
             <a:pPr algn="ctr">
               <a:buNone/>
             </a:pPr>
-            <a:endParaRPr b="0" lang="pt-BR" sz="4400" spc="-1" strike="noStrike">
+            <a:endParaRPr lang="pt-BR" sz="4400" b="0" strike="noStrike" spc="-1">
               <a:latin typeface="Arial"/>
             </a:endParaRPr>
           </a:p>
@@ -1903,11 +2067,12 @@
           </a:ln>
         </p:spPr>
         <p:txBody>
-          <a:bodyPr lIns="0" rIns="0" tIns="0" bIns="0" anchor="t">
+          <a:bodyPr lIns="0" tIns="0" rIns="0" bIns="0" anchor="t">
             <a:normAutofit/>
           </a:bodyPr>
-          <a:p>
-            <a:endParaRPr b="0" lang="pt-BR" sz="3200" spc="-1" strike="noStrike">
+          <a:lstStyle/>
+          <a:p>
+            <a:endParaRPr lang="pt-BR" sz="3200" b="0" strike="noStrike" spc="-1">
               <a:latin typeface="Arial"/>
             </a:endParaRPr>
           </a:p>
@@ -1937,11 +2102,12 @@
           </a:ln>
         </p:spPr>
         <p:txBody>
-          <a:bodyPr lIns="0" rIns="0" tIns="0" bIns="0" anchor="t">
+          <a:bodyPr lIns="0" tIns="0" rIns="0" bIns="0" anchor="t">
             <a:normAutofit/>
           </a:bodyPr>
-          <a:p>
-            <a:endParaRPr b="0" lang="pt-BR" sz="3200" spc="-1" strike="noStrike">
+          <a:lstStyle/>
+          <a:p>
+            <a:endParaRPr lang="pt-BR" sz="3200" b="0" strike="noStrike" spc="-1">
               <a:latin typeface="Arial"/>
             </a:endParaRPr>
           </a:p>
@@ -1971,11 +2137,12 @@
           </a:ln>
         </p:spPr>
         <p:txBody>
-          <a:bodyPr lIns="0" rIns="0" tIns="0" bIns="0" anchor="t">
+          <a:bodyPr lIns="0" tIns="0" rIns="0" bIns="0" anchor="t">
             <a:normAutofit/>
           </a:bodyPr>
-          <a:p>
-            <a:endParaRPr b="0" lang="pt-BR" sz="3200" spc="-1" strike="noStrike">
+          <a:lstStyle/>
+          <a:p>
+            <a:endParaRPr lang="pt-BR" sz="3200" b="0" strike="noStrike" spc="-1">
               <a:latin typeface="Arial"/>
             </a:endParaRPr>
           </a:p>
@@ -1994,6 +2161,7 @@
         <p:spPr/>
         <p:txBody>
           <a:bodyPr/>
+          <a:lstStyle/>
           <a:p>
             <a:r>
               <a:t>Footer</a:t>
@@ -2014,10 +2182,12 @@
         <p:spPr/>
         <p:txBody>
           <a:bodyPr/>
+          <a:lstStyle/>
           <a:p>
             <a:fld id="{9BCC9D96-9C85-48C2-8411-3A764F904C04}" type="slidenum">
-              <a:t>&lt;#&gt;</a:t>
+              <a:t>‹nº›</a:t>
             </a:fld>
+            <a:endParaRPr/>
           </a:p>
         </p:txBody>
       </p:sp>
@@ -2034,21 +2204,22 @@
         <p:spPr/>
         <p:txBody>
           <a:bodyPr/>
-          <a:p>
-            <a:r>
-              <a:rPr lang="pt-BR"/>
-              <a:t/>
-            </a:r>
+          <a:lstStyle/>
+          <a:p>
+            <a:endParaRPr/>
           </a:p>
         </p:txBody>
       </p:sp>
     </p:spTree>
   </p:cSld>
+  <p:clrMapOvr>
+    <a:masterClrMapping/>
+  </p:clrMapOvr>
 </p:sldLayout>
 </file>
 
 <file path=ppt/slideLayouts/slideLayout9.xml><?xml version="1.0" encoding="utf-8"?>
-<p:sldLayout xmlns:a="http://schemas.openxmlformats.org/drawingml/2006/main" xmlns:p="http://schemas.openxmlformats.org/presentationml/2006/main" xmlns:r="http://schemas.openxmlformats.org/officeDocument/2006/relationships" xmlns:p14="http://schemas.microsoft.com/office/powerpoint/2010/main" xmlns:p15="http://schemas.microsoft.com/office/powerpoint/2012/main" xmlns:mc="http://schemas.openxmlformats.org/markup-compatibility/2006" type="twoObjOverTx" preserve="1">
+<p:sldLayout xmlns:a="http://schemas.openxmlformats.org/drawingml/2006/main" xmlns:r="http://schemas.openxmlformats.org/officeDocument/2006/relationships" xmlns:p="http://schemas.openxmlformats.org/presentationml/2006/main" type="twoObjOverTx" preserve="1">
   <p:cSld name="Title, 2 Content over Content">
     <p:spTree>
       <p:nvGrpSpPr>
@@ -2088,14 +2259,15 @@
           </a:ln>
         </p:spPr>
         <p:txBody>
-          <a:bodyPr lIns="0" rIns="0" tIns="0" bIns="0" anchor="ctr">
+          <a:bodyPr lIns="0" tIns="0" rIns="0" bIns="0" anchor="ctr">
             <a:noAutofit/>
           </a:bodyPr>
+          <a:lstStyle/>
           <a:p>
             <a:pPr algn="ctr">
               <a:buNone/>
             </a:pPr>
-            <a:endParaRPr b="0" lang="pt-BR" sz="4400" spc="-1" strike="noStrike">
+            <a:endParaRPr lang="pt-BR" sz="4400" b="0" strike="noStrike" spc="-1">
               <a:latin typeface="Arial"/>
             </a:endParaRPr>
           </a:p>
@@ -2125,11 +2297,12 @@
           </a:ln>
         </p:spPr>
         <p:txBody>
-          <a:bodyPr lIns="0" rIns="0" tIns="0" bIns="0" anchor="t">
+          <a:bodyPr lIns="0" tIns="0" rIns="0" bIns="0" anchor="t">
             <a:normAutofit/>
           </a:bodyPr>
-          <a:p>
-            <a:endParaRPr b="0" lang="pt-BR" sz="3200" spc="-1" strike="noStrike">
+          <a:lstStyle/>
+          <a:p>
+            <a:endParaRPr lang="pt-BR" sz="3200" b="0" strike="noStrike" spc="-1">
               <a:latin typeface="Arial"/>
             </a:endParaRPr>
           </a:p>
@@ -2159,11 +2332,12 @@
           </a:ln>
         </p:spPr>
         <p:txBody>
-          <a:bodyPr lIns="0" rIns="0" tIns="0" bIns="0" anchor="t">
+          <a:bodyPr lIns="0" tIns="0" rIns="0" bIns="0" anchor="t">
             <a:normAutofit/>
           </a:bodyPr>
-          <a:p>
-            <a:endParaRPr b="0" lang="pt-BR" sz="3200" spc="-1" strike="noStrike">
+          <a:lstStyle/>
+          <a:p>
+            <a:endParaRPr lang="pt-BR" sz="3200" b="0" strike="noStrike" spc="-1">
               <a:latin typeface="Arial"/>
             </a:endParaRPr>
           </a:p>
@@ -2193,11 +2367,12 @@
           </a:ln>
         </p:spPr>
         <p:txBody>
-          <a:bodyPr lIns="0" rIns="0" tIns="0" bIns="0" anchor="t">
+          <a:bodyPr lIns="0" tIns="0" rIns="0" bIns="0" anchor="t">
             <a:normAutofit/>
           </a:bodyPr>
-          <a:p>
-            <a:endParaRPr b="0" lang="pt-BR" sz="3200" spc="-1" strike="noStrike">
+          <a:lstStyle/>
+          <a:p>
+            <a:endParaRPr lang="pt-BR" sz="3200" b="0" strike="noStrike" spc="-1">
               <a:latin typeface="Arial"/>
             </a:endParaRPr>
           </a:p>
@@ -2216,6 +2391,7 @@
         <p:spPr/>
         <p:txBody>
           <a:bodyPr/>
+          <a:lstStyle/>
           <a:p>
             <a:r>
               <a:t>Footer</a:t>
@@ -2236,10 +2412,12 @@
         <p:spPr/>
         <p:txBody>
           <a:bodyPr/>
+          <a:lstStyle/>
           <a:p>
             <a:fld id="{3DEB2AE7-7FDF-4F7D-8A5B-FB72312B8D93}" type="slidenum">
-              <a:t>&lt;#&gt;</a:t>
+              <a:t>‹nº›</a:t>
             </a:fld>
+            <a:endParaRPr/>
           </a:p>
         </p:txBody>
       </p:sp>
@@ -2256,27 +2434,29 @@
         <p:spPr/>
         <p:txBody>
           <a:bodyPr/>
-          <a:p>
-            <a:r>
-              <a:rPr lang="pt-BR"/>
-              <a:t/>
-            </a:r>
+          <a:lstStyle/>
+          <a:p>
+            <a:endParaRPr/>
           </a:p>
         </p:txBody>
       </p:sp>
     </p:spTree>
   </p:cSld>
+  <p:clrMapOvr>
+    <a:masterClrMapping/>
+  </p:clrMapOvr>
 </p:sldLayout>
 </file>
 
 <file path=ppt/slideMasters/slideMaster1.xml><?xml version="1.0" encoding="utf-8"?>
-<p:sldMaster xmlns:a="http://schemas.openxmlformats.org/drawingml/2006/main" xmlns:p="http://schemas.openxmlformats.org/presentationml/2006/main" xmlns:r="http://schemas.openxmlformats.org/officeDocument/2006/relationships" xmlns:p14="http://schemas.microsoft.com/office/powerpoint/2010/main" xmlns:p15="http://schemas.microsoft.com/office/powerpoint/2012/main" xmlns:mc="http://schemas.openxmlformats.org/markup-compatibility/2006">
+<p:sldMaster xmlns:a="http://schemas.openxmlformats.org/drawingml/2006/main" xmlns:r="http://schemas.openxmlformats.org/officeDocument/2006/relationships" xmlns:p="http://schemas.openxmlformats.org/presentationml/2006/main">
   <p:cSld>
     <p:bg>
       <p:bgPr>
         <a:solidFill>
-          <a:srgbClr val="ffffff"/>
+          <a:srgbClr val="FFFFFF"/>
         </a:solidFill>
+        <a:effectLst/>
       </p:bgPr>
     </p:bg>
     <p:spTree>
@@ -2295,7 +2475,7 @@
       </p:grpSpPr>
       <p:sp>
         <p:nvSpPr>
-          <p:cNvPr id="0" name="PlaceHolder 1"/>
+          <p:cNvPr id="5" name="PlaceHolder 1"/>
           <p:cNvSpPr>
             <a:spLocks noGrp="1"/>
           </p:cNvSpPr>
@@ -2317,25 +2497,23 @@
           </a:ln>
         </p:spPr>
         <p:txBody>
-          <a:bodyPr lIns="0" rIns="0" tIns="0" bIns="0" anchor="ctr">
+          <a:bodyPr lIns="0" tIns="0" rIns="0" bIns="0" anchor="ctr">
             <a:noAutofit/>
           </a:bodyPr>
-          <a:p>
-            <a:r>
-              <a:rPr b="0" lang="pt-BR" sz="1800" spc="-1" strike="noStrike">
+          <a:lstStyle/>
+          <a:p>
+            <a:r>
+              <a:rPr lang="pt-BR" sz="1800" b="0" strike="noStrike" spc="-1">
                 <a:latin typeface="Arial"/>
               </a:rPr>
               <a:t>Click to edit the title text format</a:t>
             </a:r>
-            <a:endParaRPr b="0" lang="pt-BR" sz="1800" spc="-1" strike="noStrike">
-              <a:latin typeface="Arial"/>
-            </a:endParaRPr>
-          </a:p>
-        </p:txBody>
-      </p:sp>
-      <p:sp>
-        <p:nvSpPr>
-          <p:cNvPr id="1" name="PlaceHolder 2"/>
+          </a:p>
+        </p:txBody>
+      </p:sp>
+      <p:sp>
+        <p:nvSpPr>
+          <p:cNvPr id="6" name="PlaceHolder 2"/>
           <p:cNvSpPr>
             <a:spLocks noGrp="1"/>
           </p:cNvSpPr>
@@ -2357,7 +2535,7 @@
           </a:ln>
         </p:spPr>
         <p:txBody>
-          <a:bodyPr lIns="90000" rIns="90000" tIns="45000" bIns="45000" anchor="ctr">
+          <a:bodyPr lIns="90000" tIns="45000" rIns="90000" bIns="45000" anchor="ctr">
             <a:noAutofit/>
           </a:bodyPr>
           <a:lstStyle>
@@ -2366,7 +2544,7 @@
                 <a:spcPct val="100000"/>
               </a:lnSpc>
               <a:buNone/>
-              <a:defRPr b="0" lang="pt-BR" sz="1400" spc="-1" strike="noStrike">
+              <a:defRPr lang="pt-BR" sz="1400" b="0" strike="noStrike" spc="-1">
                 <a:latin typeface="Times New Roman"/>
               </a:defRPr>
             </a:lvl1pPr>
@@ -2379,14 +2557,11 @@
               <a:buNone/>
             </a:pPr>
             <a:r>
-              <a:rPr b="0" lang="pt-BR" sz="1400" spc="-1" strike="noStrike">
+              <a:rPr lang="pt-BR" sz="1400" b="0" strike="noStrike" spc="-1">
                 <a:latin typeface="Times New Roman"/>
               </a:rPr>
               <a:t>&lt;footer&gt;</a:t>
             </a:r>
-            <a:endParaRPr b="0" lang="pt-BR" sz="1400" spc="-1" strike="noStrike">
-              <a:latin typeface="Times New Roman"/>
-            </a:endParaRPr>
           </a:p>
         </p:txBody>
       </p:sp>
@@ -2414,7 +2589,7 @@
           </a:ln>
         </p:spPr>
         <p:txBody>
-          <a:bodyPr lIns="90000" rIns="90000" tIns="45000" bIns="45000" anchor="ctr">
+          <a:bodyPr lIns="90000" tIns="45000" rIns="90000" bIns="45000" anchor="ctr">
             <a:noAutofit/>
           </a:bodyPr>
           <a:lstStyle>
@@ -2423,9 +2598,9 @@
                 <a:spcPct val="100000"/>
               </a:lnSpc>
               <a:buNone/>
-              <a:defRPr b="0" lang="pt-BR" sz="1200" spc="-1" strike="noStrike">
+              <a:defRPr lang="pt-BR" sz="1200" b="0" strike="noStrike" spc="-1">
                 <a:solidFill>
-                  <a:srgbClr val="8b8b8b"/>
+                  <a:srgbClr val="8B8B8B"/>
                 </a:solidFill>
                 <a:latin typeface="Calibri"/>
               </a:defRPr>
@@ -2439,15 +2614,15 @@
               <a:buNone/>
             </a:pPr>
             <a:fld id="{A3B26867-E7D2-424A-9CD3-32C6BCD46E87}" type="slidenum">
-              <a:rPr b="0" lang="pt-BR" sz="1200" spc="-1" strike="noStrike">
+              <a:rPr lang="pt-BR" sz="1200" b="0" strike="noStrike" spc="-1">
                 <a:solidFill>
-                  <a:srgbClr val="8b8b8b"/>
+                  <a:srgbClr val="8B8B8B"/>
                 </a:solidFill>
                 <a:latin typeface="Calibri"/>
               </a:rPr>
-              <a:t>&lt;number&gt;</a:t>
+              <a:t>‹nº›</a:t>
             </a:fld>
-            <a:endParaRPr b="0" lang="pt-BR" sz="1200" spc="-1" strike="noStrike">
+            <a:endParaRPr lang="pt-BR" sz="1200" b="0" strike="noStrike" spc="-1">
               <a:latin typeface="Times New Roman"/>
             </a:endParaRPr>
           </a:p>
@@ -2477,26 +2652,23 @@
           </a:ln>
         </p:spPr>
         <p:txBody>
-          <a:bodyPr lIns="90000" rIns="90000" tIns="45000" bIns="45000" anchor="ctr">
+          <a:bodyPr lIns="90000" tIns="45000" rIns="90000" bIns="45000" anchor="ctr">
             <a:noAutofit/>
           </a:bodyPr>
           <a:lstStyle>
             <a:lvl1pPr>
-              <a:defRPr b="0" lang="pt-BR" sz="1400" spc="-1" strike="noStrike">
+              <a:defRPr lang="pt-BR" sz="1400" b="0" strike="noStrike" spc="-1">
                 <a:latin typeface="Times New Roman"/>
               </a:defRPr>
             </a:lvl1pPr>
           </a:lstStyle>
           <a:p>
             <a:r>
-              <a:rPr b="0" lang="pt-BR" sz="1400" spc="-1" strike="noStrike">
+              <a:rPr lang="pt-BR" sz="1400" b="0" strike="noStrike" spc="-1">
                 <a:latin typeface="Times New Roman"/>
               </a:rPr>
               <a:t>&lt;date/time&gt;</a:t>
             </a:r>
-            <a:endParaRPr b="0" lang="pt-BR" sz="1400" spc="-1" strike="noStrike">
-              <a:latin typeface="Times New Roman"/>
-            </a:endParaRPr>
           </a:p>
         </p:txBody>
       </p:sp>
@@ -2524,9 +2696,10 @@
           </a:ln>
         </p:spPr>
         <p:txBody>
-          <a:bodyPr lIns="0" rIns="0" tIns="0" bIns="0" anchor="t">
+          <a:bodyPr lIns="0" tIns="0" rIns="0" bIns="0" anchor="t">
             <a:normAutofit/>
           </a:bodyPr>
+          <a:lstStyle/>
           <a:p>
             <a:pPr marL="432000" indent="-324000">
               <a:spcBef>
@@ -2540,17 +2713,14 @@
               <a:buChar char=""/>
             </a:pPr>
             <a:r>
-              <a:rPr b="0" lang="pt-BR" sz="3200" spc="-1" strike="noStrike">
+              <a:rPr lang="pt-BR" sz="3200" b="0" strike="noStrike" spc="-1">
                 <a:latin typeface="Arial"/>
               </a:rPr>
               <a:t>Click to edit the outline text format</a:t>
             </a:r>
-            <a:endParaRPr b="0" lang="pt-BR" sz="3200" spc="-1" strike="noStrike">
-              <a:latin typeface="Arial"/>
-            </a:endParaRPr>
-          </a:p>
-          <a:p>
-            <a:pPr lvl="1" marL="864000" indent="-324000">
+          </a:p>
+          <a:p>
+            <a:pPr marL="864000" lvl="1" indent="-324000">
               <a:spcBef>
                 <a:spcPts val="1134"/>
               </a:spcBef>
@@ -2562,17 +2732,14 @@
               <a:buChar char=""/>
             </a:pPr>
             <a:r>
-              <a:rPr b="0" lang="pt-BR" sz="2800" spc="-1" strike="noStrike">
+              <a:rPr lang="pt-BR" sz="2800" b="0" strike="noStrike" spc="-1">
                 <a:latin typeface="Arial"/>
               </a:rPr>
               <a:t>Second Outline Level</a:t>
             </a:r>
-            <a:endParaRPr b="0" lang="pt-BR" sz="2800" spc="-1" strike="noStrike">
-              <a:latin typeface="Arial"/>
-            </a:endParaRPr>
-          </a:p>
-          <a:p>
-            <a:pPr lvl="2" marL="1296000" indent="-288000">
+          </a:p>
+          <a:p>
+            <a:pPr marL="1296000" lvl="2" indent="-288000">
               <a:spcBef>
                 <a:spcPts val="850"/>
               </a:spcBef>
@@ -2584,17 +2751,14 @@
               <a:buChar char=""/>
             </a:pPr>
             <a:r>
-              <a:rPr b="0" lang="pt-BR" sz="2400" spc="-1" strike="noStrike">
+              <a:rPr lang="pt-BR" sz="2400" b="0" strike="noStrike" spc="-1">
                 <a:latin typeface="Arial"/>
               </a:rPr>
               <a:t>Third Outline Level</a:t>
             </a:r>
-            <a:endParaRPr b="0" lang="pt-BR" sz="2400" spc="-1" strike="noStrike">
-              <a:latin typeface="Arial"/>
-            </a:endParaRPr>
-          </a:p>
-          <a:p>
-            <a:pPr lvl="3" marL="1728000" indent="-216000">
+          </a:p>
+          <a:p>
+            <a:pPr marL="1728000" lvl="3" indent="-216000">
               <a:spcBef>
                 <a:spcPts val="567"/>
               </a:spcBef>
@@ -2606,17 +2770,14 @@
               <a:buChar char=""/>
             </a:pPr>
             <a:r>
-              <a:rPr b="0" lang="pt-BR" sz="2000" spc="-1" strike="noStrike">
+              <a:rPr lang="pt-BR" sz="2000" b="0" strike="noStrike" spc="-1">
                 <a:latin typeface="Arial"/>
               </a:rPr>
               <a:t>Fourth Outline Level</a:t>
             </a:r>
-            <a:endParaRPr b="0" lang="pt-BR" sz="2000" spc="-1" strike="noStrike">
-              <a:latin typeface="Arial"/>
-            </a:endParaRPr>
-          </a:p>
-          <a:p>
-            <a:pPr lvl="4" marL="2160000" indent="-216000">
+          </a:p>
+          <a:p>
+            <a:pPr marL="2160000" lvl="4" indent="-216000">
               <a:spcBef>
                 <a:spcPts val="283"/>
               </a:spcBef>
@@ -2628,17 +2789,14 @@
               <a:buChar char=""/>
             </a:pPr>
             <a:r>
-              <a:rPr b="0" lang="pt-BR" sz="2000" spc="-1" strike="noStrike">
+              <a:rPr lang="pt-BR" sz="2000" b="0" strike="noStrike" spc="-1">
                 <a:latin typeface="Arial"/>
               </a:rPr>
               <a:t>Fifth Outline Level</a:t>
             </a:r>
-            <a:endParaRPr b="0" lang="pt-BR" sz="2000" spc="-1" strike="noStrike">
-              <a:latin typeface="Arial"/>
-            </a:endParaRPr>
-          </a:p>
-          <a:p>
-            <a:pPr lvl="5" marL="2592000" indent="-216000">
+          </a:p>
+          <a:p>
+            <a:pPr marL="2592000" lvl="5" indent="-216000">
               <a:spcBef>
                 <a:spcPts val="283"/>
               </a:spcBef>
@@ -2650,17 +2808,14 @@
               <a:buChar char=""/>
             </a:pPr>
             <a:r>
-              <a:rPr b="0" lang="pt-BR" sz="2000" spc="-1" strike="noStrike">
+              <a:rPr lang="pt-BR" sz="2000" b="0" strike="noStrike" spc="-1">
                 <a:latin typeface="Arial"/>
               </a:rPr>
               <a:t>Sixth Outline Level</a:t>
             </a:r>
-            <a:endParaRPr b="0" lang="pt-BR" sz="2000" spc="-1" strike="noStrike">
-              <a:latin typeface="Arial"/>
-            </a:endParaRPr>
-          </a:p>
-          <a:p>
-            <a:pPr lvl="6" marL="3024000" indent="-216000">
+          </a:p>
+          <a:p>
+            <a:pPr marL="3024000" lvl="6" indent="-216000">
               <a:spcBef>
                 <a:spcPts val="283"/>
               </a:spcBef>
@@ -2672,39 +2827,316 @@
               <a:buChar char=""/>
             </a:pPr>
             <a:r>
-              <a:rPr b="0" lang="pt-BR" sz="2000" spc="-1" strike="noStrike">
+              <a:rPr lang="pt-BR" sz="2000" b="0" strike="noStrike" spc="-1">
                 <a:latin typeface="Arial"/>
               </a:rPr>
               <a:t>Seventh Outline Level</a:t>
             </a:r>
-            <a:endParaRPr b="0" lang="pt-BR" sz="2000" spc="-1" strike="noStrike">
-              <a:latin typeface="Arial"/>
-            </a:endParaRPr>
           </a:p>
         </p:txBody>
       </p:sp>
     </p:spTree>
   </p:cSld>
-  <p:clrMap bg1="lt1" bg2="lt2" tx1="dk1" tx2="dk2" accent1="accent1" accent2="accent2" accent3="accent3" accent4="accent4" accent5="accent5" accent6="accent6" hlink="hlink" folHlink="folHlink"/>
+  <p:clrMap bg1="lt1" tx1="dk1" bg2="lt2" tx2="dk2" accent1="accent1" accent2="accent2" accent3="accent3" accent4="accent4" accent5="accent5" accent6="accent6" hlink="hlink" folHlink="folHlink"/>
   <p:sldLayoutIdLst>
-    <p:sldLayoutId id="2147483649" r:id="rId2"/>
-    <p:sldLayoutId id="2147483650" r:id="rId3"/>
-    <p:sldLayoutId id="2147483651" r:id="rId4"/>
-    <p:sldLayoutId id="2147483652" r:id="rId5"/>
-    <p:sldLayoutId id="2147483653" r:id="rId6"/>
-    <p:sldLayoutId id="2147483654" r:id="rId7"/>
-    <p:sldLayoutId id="2147483655" r:id="rId8"/>
-    <p:sldLayoutId id="2147483656" r:id="rId9"/>
-    <p:sldLayoutId id="2147483657" r:id="rId10"/>
-    <p:sldLayoutId id="2147483658" r:id="rId11"/>
-    <p:sldLayoutId id="2147483659" r:id="rId12"/>
-    <p:sldLayoutId id="2147483660" r:id="rId13"/>
+    <p:sldLayoutId id="2147483649" r:id="rId1"/>
+    <p:sldLayoutId id="2147483650" r:id="rId2"/>
+    <p:sldLayoutId id="2147483651" r:id="rId3"/>
+    <p:sldLayoutId id="2147483652" r:id="rId4"/>
+    <p:sldLayoutId id="2147483653" r:id="rId5"/>
+    <p:sldLayoutId id="2147483654" r:id="rId6"/>
+    <p:sldLayoutId id="2147483655" r:id="rId7"/>
+    <p:sldLayoutId id="2147483656" r:id="rId8"/>
+    <p:sldLayoutId id="2147483657" r:id="rId9"/>
+    <p:sldLayoutId id="2147483658" r:id="rId10"/>
+    <p:sldLayoutId id="2147483659" r:id="rId11"/>
+    <p:sldLayoutId id="2147483660" r:id="rId12"/>
   </p:sldLayoutIdLst>
+  <p:txStyles>
+    <p:titleStyle>
+      <a:lvl1pPr algn="l" defTabSz="914400" rtl="0" eaLnBrk="1" latinLnBrk="0" hangingPunct="1">
+        <a:lnSpc>
+          <a:spcPct val="90000"/>
+        </a:lnSpc>
+        <a:spcBef>
+          <a:spcPct val="0"/>
+        </a:spcBef>
+        <a:buNone/>
+        <a:defRPr sz="4400" kern="1200">
+          <a:solidFill>
+            <a:schemeClr val="tx1"/>
+          </a:solidFill>
+          <a:latin typeface="+mj-lt"/>
+          <a:ea typeface="+mj-ea"/>
+          <a:cs typeface="+mj-cs"/>
+        </a:defRPr>
+      </a:lvl1pPr>
+    </p:titleStyle>
+    <p:bodyStyle>
+      <a:lvl1pPr marL="228600" indent="-228600" algn="l" defTabSz="914400" rtl="0" eaLnBrk="1" latinLnBrk="0" hangingPunct="1">
+        <a:lnSpc>
+          <a:spcPct val="90000"/>
+        </a:lnSpc>
+        <a:spcBef>
+          <a:spcPts val="1000"/>
+        </a:spcBef>
+        <a:buFont typeface="Arial" panose="020B0604020202020204" pitchFamily="34" charset="0"/>
+        <a:buChar char="•"/>
+        <a:defRPr sz="2800" kern="1200">
+          <a:solidFill>
+            <a:schemeClr val="tx1"/>
+          </a:solidFill>
+          <a:latin typeface="+mn-lt"/>
+          <a:ea typeface="+mn-ea"/>
+          <a:cs typeface="+mn-cs"/>
+        </a:defRPr>
+      </a:lvl1pPr>
+      <a:lvl2pPr marL="685800" indent="-228600" algn="l" defTabSz="914400" rtl="0" eaLnBrk="1" latinLnBrk="0" hangingPunct="1">
+        <a:lnSpc>
+          <a:spcPct val="90000"/>
+        </a:lnSpc>
+        <a:spcBef>
+          <a:spcPts val="500"/>
+        </a:spcBef>
+        <a:buFont typeface="Arial" panose="020B0604020202020204" pitchFamily="34" charset="0"/>
+        <a:buChar char="•"/>
+        <a:defRPr sz="2400" kern="1200">
+          <a:solidFill>
+            <a:schemeClr val="tx1"/>
+          </a:solidFill>
+          <a:latin typeface="+mn-lt"/>
+          <a:ea typeface="+mn-ea"/>
+          <a:cs typeface="+mn-cs"/>
+        </a:defRPr>
+      </a:lvl2pPr>
+      <a:lvl3pPr marL="1143000" indent="-228600" algn="l" defTabSz="914400" rtl="0" eaLnBrk="1" latinLnBrk="0" hangingPunct="1">
+        <a:lnSpc>
+          <a:spcPct val="90000"/>
+        </a:lnSpc>
+        <a:spcBef>
+          <a:spcPts val="500"/>
+        </a:spcBef>
+        <a:buFont typeface="Arial" panose="020B0604020202020204" pitchFamily="34" charset="0"/>
+        <a:buChar char="•"/>
+        <a:defRPr sz="2000" kern="1200">
+          <a:solidFill>
+            <a:schemeClr val="tx1"/>
+          </a:solidFill>
+          <a:latin typeface="+mn-lt"/>
+          <a:ea typeface="+mn-ea"/>
+          <a:cs typeface="+mn-cs"/>
+        </a:defRPr>
+      </a:lvl3pPr>
+      <a:lvl4pPr marL="1600200" indent="-228600" algn="l" defTabSz="914400" rtl="0" eaLnBrk="1" latinLnBrk="0" hangingPunct="1">
+        <a:lnSpc>
+          <a:spcPct val="90000"/>
+        </a:lnSpc>
+        <a:spcBef>
+          <a:spcPts val="500"/>
+        </a:spcBef>
+        <a:buFont typeface="Arial" panose="020B0604020202020204" pitchFamily="34" charset="0"/>
+        <a:buChar char="•"/>
+        <a:defRPr sz="1800" kern="1200">
+          <a:solidFill>
+            <a:schemeClr val="tx1"/>
+          </a:solidFill>
+          <a:latin typeface="+mn-lt"/>
+          <a:ea typeface="+mn-ea"/>
+          <a:cs typeface="+mn-cs"/>
+        </a:defRPr>
+      </a:lvl4pPr>
+      <a:lvl5pPr marL="2057400" indent="-228600" algn="l" defTabSz="914400" rtl="0" eaLnBrk="1" latinLnBrk="0" hangingPunct="1">
+        <a:lnSpc>
+          <a:spcPct val="90000"/>
+        </a:lnSpc>
+        <a:spcBef>
+          <a:spcPts val="500"/>
+        </a:spcBef>
+        <a:buFont typeface="Arial" panose="020B0604020202020204" pitchFamily="34" charset="0"/>
+        <a:buChar char="•"/>
+        <a:defRPr sz="1800" kern="1200">
+          <a:solidFill>
+            <a:schemeClr val="tx1"/>
+          </a:solidFill>
+          <a:latin typeface="+mn-lt"/>
+          <a:ea typeface="+mn-ea"/>
+          <a:cs typeface="+mn-cs"/>
+        </a:defRPr>
+      </a:lvl5pPr>
+      <a:lvl6pPr marL="2514600" indent="-228600" algn="l" defTabSz="914400" rtl="0" eaLnBrk="1" latinLnBrk="0" hangingPunct="1">
+        <a:lnSpc>
+          <a:spcPct val="90000"/>
+        </a:lnSpc>
+        <a:spcBef>
+          <a:spcPts val="500"/>
+        </a:spcBef>
+        <a:buFont typeface="Arial" panose="020B0604020202020204" pitchFamily="34" charset="0"/>
+        <a:buChar char="•"/>
+        <a:defRPr sz="1800" kern="1200">
+          <a:solidFill>
+            <a:schemeClr val="tx1"/>
+          </a:solidFill>
+          <a:latin typeface="+mn-lt"/>
+          <a:ea typeface="+mn-ea"/>
+          <a:cs typeface="+mn-cs"/>
+        </a:defRPr>
+      </a:lvl6pPr>
+      <a:lvl7pPr marL="2971800" indent="-228600" algn="l" defTabSz="914400" rtl="0" eaLnBrk="1" latinLnBrk="0" hangingPunct="1">
+        <a:lnSpc>
+          <a:spcPct val="90000"/>
+        </a:lnSpc>
+        <a:spcBef>
+          <a:spcPts val="500"/>
+        </a:spcBef>
+        <a:buFont typeface="Arial" panose="020B0604020202020204" pitchFamily="34" charset="0"/>
+        <a:buChar char="•"/>
+        <a:defRPr sz="1800" kern="1200">
+          <a:solidFill>
+            <a:schemeClr val="tx1"/>
+          </a:solidFill>
+          <a:latin typeface="+mn-lt"/>
+          <a:ea typeface="+mn-ea"/>
+          <a:cs typeface="+mn-cs"/>
+        </a:defRPr>
+      </a:lvl7pPr>
+      <a:lvl8pPr marL="3429000" indent="-228600" algn="l" defTabSz="914400" rtl="0" eaLnBrk="1" latinLnBrk="0" hangingPunct="1">
+        <a:lnSpc>
+          <a:spcPct val="90000"/>
+        </a:lnSpc>
+        <a:spcBef>
+          <a:spcPts val="500"/>
+        </a:spcBef>
+        <a:buFont typeface="Arial" panose="020B0604020202020204" pitchFamily="34" charset="0"/>
+        <a:buChar char="•"/>
+        <a:defRPr sz="1800" kern="1200">
+          <a:solidFill>
+            <a:schemeClr val="tx1"/>
+          </a:solidFill>
+          <a:latin typeface="+mn-lt"/>
+          <a:ea typeface="+mn-ea"/>
+          <a:cs typeface="+mn-cs"/>
+        </a:defRPr>
+      </a:lvl8pPr>
+      <a:lvl9pPr marL="3886200" indent="-228600" algn="l" defTabSz="914400" rtl="0" eaLnBrk="1" latinLnBrk="0" hangingPunct="1">
+        <a:lnSpc>
+          <a:spcPct val="90000"/>
+        </a:lnSpc>
+        <a:spcBef>
+          <a:spcPts val="500"/>
+        </a:spcBef>
+        <a:buFont typeface="Arial" panose="020B0604020202020204" pitchFamily="34" charset="0"/>
+        <a:buChar char="•"/>
+        <a:defRPr sz="1800" kern="1200">
+          <a:solidFill>
+            <a:schemeClr val="tx1"/>
+          </a:solidFill>
+          <a:latin typeface="+mn-lt"/>
+          <a:ea typeface="+mn-ea"/>
+          <a:cs typeface="+mn-cs"/>
+        </a:defRPr>
+      </a:lvl9pPr>
+    </p:bodyStyle>
+    <p:otherStyle>
+      <a:defPPr>
+        <a:defRPr lang="pt-BR"/>
+      </a:defPPr>
+      <a:lvl1pPr marL="0" algn="l" defTabSz="914400" rtl="0" eaLnBrk="1" latinLnBrk="0" hangingPunct="1">
+        <a:defRPr sz="1800" kern="1200">
+          <a:solidFill>
+            <a:schemeClr val="tx1"/>
+          </a:solidFill>
+          <a:latin typeface="+mn-lt"/>
+          <a:ea typeface="+mn-ea"/>
+          <a:cs typeface="+mn-cs"/>
+        </a:defRPr>
+      </a:lvl1pPr>
+      <a:lvl2pPr marL="457200" algn="l" defTabSz="914400" rtl="0" eaLnBrk="1" latinLnBrk="0" hangingPunct="1">
+        <a:defRPr sz="1800" kern="1200">
+          <a:solidFill>
+            <a:schemeClr val="tx1"/>
+          </a:solidFill>
+          <a:latin typeface="+mn-lt"/>
+          <a:ea typeface="+mn-ea"/>
+          <a:cs typeface="+mn-cs"/>
+        </a:defRPr>
+      </a:lvl2pPr>
+      <a:lvl3pPr marL="914400" algn="l" defTabSz="914400" rtl="0" eaLnBrk="1" latinLnBrk="0" hangingPunct="1">
+        <a:defRPr sz="1800" kern="1200">
+          <a:solidFill>
+            <a:schemeClr val="tx1"/>
+          </a:solidFill>
+          <a:latin typeface="+mn-lt"/>
+          <a:ea typeface="+mn-ea"/>
+          <a:cs typeface="+mn-cs"/>
+        </a:defRPr>
+      </a:lvl3pPr>
+      <a:lvl4pPr marL="1371600" algn="l" defTabSz="914400" rtl="0" eaLnBrk="1" latinLnBrk="0" hangingPunct="1">
+        <a:defRPr sz="1800" kern="1200">
+          <a:solidFill>
+            <a:schemeClr val="tx1"/>
+          </a:solidFill>
+          <a:latin typeface="+mn-lt"/>
+          <a:ea typeface="+mn-ea"/>
+          <a:cs typeface="+mn-cs"/>
+        </a:defRPr>
+      </a:lvl4pPr>
+      <a:lvl5pPr marL="1828800" algn="l" defTabSz="914400" rtl="0" eaLnBrk="1" latinLnBrk="0" hangingPunct="1">
+        <a:defRPr sz="1800" kern="1200">
+          <a:solidFill>
+            <a:schemeClr val="tx1"/>
+          </a:solidFill>
+          <a:latin typeface="+mn-lt"/>
+          <a:ea typeface="+mn-ea"/>
+          <a:cs typeface="+mn-cs"/>
+        </a:defRPr>
+      </a:lvl5pPr>
+      <a:lvl6pPr marL="2286000" algn="l" defTabSz="914400" rtl="0" eaLnBrk="1" latinLnBrk="0" hangingPunct="1">
+        <a:defRPr sz="1800" kern="1200">
+          <a:solidFill>
+            <a:schemeClr val="tx1"/>
+          </a:solidFill>
+          <a:latin typeface="+mn-lt"/>
+          <a:ea typeface="+mn-ea"/>
+          <a:cs typeface="+mn-cs"/>
+        </a:defRPr>
+      </a:lvl6pPr>
+      <a:lvl7pPr marL="2743200" algn="l" defTabSz="914400" rtl="0" eaLnBrk="1" latinLnBrk="0" hangingPunct="1">
+        <a:defRPr sz="1800" kern="1200">
+          <a:solidFill>
+            <a:schemeClr val="tx1"/>
+          </a:solidFill>
+          <a:latin typeface="+mn-lt"/>
+          <a:ea typeface="+mn-ea"/>
+          <a:cs typeface="+mn-cs"/>
+        </a:defRPr>
+      </a:lvl7pPr>
+      <a:lvl8pPr marL="3200400" algn="l" defTabSz="914400" rtl="0" eaLnBrk="1" latinLnBrk="0" hangingPunct="1">
+        <a:defRPr sz="1800" kern="1200">
+          <a:solidFill>
+            <a:schemeClr val="tx1"/>
+          </a:solidFill>
+          <a:latin typeface="+mn-lt"/>
+          <a:ea typeface="+mn-ea"/>
+          <a:cs typeface="+mn-cs"/>
+        </a:defRPr>
+      </a:lvl8pPr>
+      <a:lvl9pPr marL="3657600" algn="l" defTabSz="914400" rtl="0" eaLnBrk="1" latinLnBrk="0" hangingPunct="1">
+        <a:defRPr sz="1800" kern="1200">
+          <a:solidFill>
+            <a:schemeClr val="tx1"/>
+          </a:solidFill>
+          <a:latin typeface="+mn-lt"/>
+          <a:ea typeface="+mn-ea"/>
+          <a:cs typeface="+mn-cs"/>
+        </a:defRPr>
+      </a:lvl9pPr>
+    </p:otherStyle>
+  </p:txStyles>
 </p:sldMaster>
 </file>
 
 <file path=ppt/slides/slide1.xml><?xml version="1.0" encoding="utf-8"?>
-<p:sld xmlns:a="http://schemas.openxmlformats.org/drawingml/2006/main" xmlns:p="http://schemas.openxmlformats.org/presentationml/2006/main" xmlns:r="http://schemas.openxmlformats.org/officeDocument/2006/relationships" xmlns:p14="http://schemas.microsoft.com/office/powerpoint/2010/main" xmlns:p15="http://schemas.microsoft.com/office/powerpoint/2012/main" xmlns:mc="http://schemas.openxmlformats.org/markup-compatibility/2006">
+<p:sld xmlns:a="http://schemas.openxmlformats.org/drawingml/2006/main" xmlns:r="http://schemas.openxmlformats.org/officeDocument/2006/relationships" xmlns:p="http://schemas.openxmlformats.org/presentationml/2006/main">
   <p:cSld>
     <p:spTree>
       <p:nvGrpSpPr>
@@ -2739,7 +3171,7 @@
           </a:solidFill>
           <a:ln>
             <a:solidFill>
-              <a:srgbClr val="afabab"/>
+              <a:srgbClr val="AFABAB"/>
             </a:solidFill>
           </a:ln>
         </p:spPr>
@@ -2777,7 +3209,7 @@
           </a:solidFill>
           <a:ln>
             <a:solidFill>
-              <a:srgbClr val="afabab"/>
+              <a:srgbClr val="AFABAB"/>
             </a:solidFill>
           </a:ln>
         </p:spPr>
@@ -2815,7 +3247,7 @@
           </a:solidFill>
           <a:ln>
             <a:solidFill>
-              <a:srgbClr val="afabab"/>
+              <a:srgbClr val="AFABAB"/>
             </a:solidFill>
           </a:ln>
         </p:spPr>
@@ -2836,12 +3268,12 @@
       </p:sp>
       <p:pic>
         <p:nvPicPr>
-          <p:cNvPr id="44" name="Imagem 8" descr=""/>
+          <p:cNvPr id="44" name="Imagem 8"/>
           <p:cNvPicPr/>
           <p:nvPr/>
         </p:nvPicPr>
         <p:blipFill>
-          <a:blip r:embed="rId1"/>
+          <a:blip r:embed="rId2"/>
           <a:stretch/>
         </p:blipFill>
         <p:spPr>
@@ -2877,15 +3309,22 @@
           </a:ln>
         </p:spPr>
         <p:style>
-          <a:lnRef idx="0"/>
-          <a:fillRef idx="0"/>
-          <a:effectRef idx="0"/>
+          <a:lnRef idx="0">
+            <a:scrgbClr r="0" g="0" b="0"/>
+          </a:lnRef>
+          <a:fillRef idx="0">
+            <a:scrgbClr r="0" g="0" b="0"/>
+          </a:fillRef>
+          <a:effectRef idx="0">
+            <a:scrgbClr r="0" g="0" b="0"/>
+          </a:effectRef>
           <a:fontRef idx="minor"/>
         </p:style>
         <p:txBody>
-          <a:bodyPr lIns="90000" rIns="90000" tIns="45000" bIns="45000" anchor="t">
+          <a:bodyPr lIns="90000" tIns="45000" rIns="90000" bIns="45000" anchor="t">
             <a:spAutoFit/>
           </a:bodyPr>
+          <a:lstStyle/>
           <a:p>
             <a:pPr>
               <a:lnSpc>
@@ -2894,9 +3333,9 @@
               <a:buNone/>
             </a:pPr>
             <a:r>
-              <a:rPr b="1" lang="pt-BR" sz="2000" spc="-1" strike="noStrike">
+              <a:rPr lang="pt-BR" sz="2000" b="1" strike="noStrike" spc="-1">
                 <a:solidFill>
-                  <a:srgbClr val="e6095a"/>
+                  <a:srgbClr val="E6095A"/>
                 </a:solidFill>
                 <a:latin typeface="Open Sans"/>
                 <a:ea typeface="Open Sans"/>
@@ -2904,9 +3343,9 @@
               <a:t>Quem? </a:t>
             </a:r>
             <a:r>
-              <a:rPr b="1" lang="pt-BR" sz="2000" spc="-1" strike="noStrike">
+              <a:rPr lang="pt-BR" sz="2000" b="1" strike="noStrike" spc="-1">
                 <a:solidFill>
-                  <a:srgbClr val="e6005a"/>
+                  <a:srgbClr val="E6005A"/>
                 </a:solidFill>
                 <a:latin typeface="Open Sans"/>
                 <a:ea typeface="Open Sans"/>
@@ -2914,16 +3353,16 @@
               <a:t>Nome</a:t>
             </a:r>
             <a:r>
-              <a:rPr b="1" lang="pt-BR" sz="2000" spc="-1" strike="noStrike">
+              <a:rPr lang="pt-BR" sz="2000" b="1" strike="noStrike" spc="-1">
                 <a:solidFill>
-                  <a:srgbClr val="e6095a"/>
+                  <a:srgbClr val="E6095A"/>
                 </a:solidFill>
                 <a:latin typeface="Open Sans"/>
                 <a:ea typeface="Open Sans"/>
               </a:rPr>
               <a:t>, foto e uma frase que especifique o problema</a:t>
             </a:r>
-            <a:endParaRPr b="0" lang="pt-BR" sz="2000" spc="-1" strike="noStrike">
+            <a:endParaRPr lang="pt-BR" sz="2000" b="0" strike="noStrike" spc="-1">
               <a:latin typeface="Arial"/>
             </a:endParaRPr>
           </a:p>
@@ -2949,15 +3388,22 @@
           </a:ln>
         </p:spPr>
         <p:style>
-          <a:lnRef idx="0"/>
-          <a:fillRef idx="0"/>
-          <a:effectRef idx="0"/>
+          <a:lnRef idx="0">
+            <a:scrgbClr r="0" g="0" b="0"/>
+          </a:lnRef>
+          <a:fillRef idx="0">
+            <a:scrgbClr r="0" g="0" b="0"/>
+          </a:fillRef>
+          <a:effectRef idx="0">
+            <a:scrgbClr r="0" g="0" b="0"/>
+          </a:effectRef>
           <a:fontRef idx="minor"/>
         </p:style>
         <p:txBody>
-          <a:bodyPr lIns="90000" rIns="90000" tIns="45000" bIns="45000" anchor="t">
+          <a:bodyPr lIns="90000" tIns="45000" rIns="90000" bIns="45000" anchor="t">
             <a:spAutoFit/>
           </a:bodyPr>
+          <a:lstStyle/>
           <a:p>
             <a:pPr>
               <a:lnSpc>
@@ -2966,7 +3412,7 @@
               <a:buNone/>
             </a:pPr>
             <a:r>
-              <a:rPr b="0" lang="pt-BR" sz="2000" spc="-1" strike="noStrike">
+              <a:rPr lang="pt-BR" sz="2000" b="0" strike="noStrike" spc="-1">
                 <a:solidFill>
                   <a:srgbClr val="000000"/>
                 </a:solidFill>
@@ -2975,7 +3421,7 @@
               </a:rPr>
               <a:t>Reginaldo</a:t>
             </a:r>
-            <a:endParaRPr b="0" lang="pt-BR" sz="2000" spc="-1" strike="noStrike">
+            <a:endParaRPr lang="pt-BR" sz="2000" b="0" strike="noStrike" spc="-1">
               <a:latin typeface="Arial"/>
             </a:endParaRPr>
           </a:p>
@@ -2987,7 +3433,7 @@
               <a:buNone/>
             </a:pPr>
             <a:r>
-              <a:rPr b="0" lang="pt-BR" sz="1600" spc="-1" strike="noStrike">
+              <a:rPr lang="pt-BR" sz="1600" b="0" strike="noStrike" spc="-1">
                 <a:solidFill>
                   <a:srgbClr val="000000"/>
                 </a:solidFill>
@@ -2997,7 +3443,7 @@
               <a:t>“</a:t>
             </a:r>
             <a:r>
-              <a:rPr b="0" lang="pt-BR" sz="1800" spc="-1" strike="noStrike">
+              <a:rPr lang="pt-BR" sz="1800" b="0" strike="noStrike" spc="-1">
                 <a:solidFill>
                   <a:srgbClr val="000000"/>
                 </a:solidFill>
@@ -3006,7 +3452,7 @@
               </a:rPr>
               <a:t>Nosso tempo é muito preciso.”</a:t>
             </a:r>
-            <a:endParaRPr b="0" lang="pt-BR" sz="1800" spc="-1" strike="noStrike">
+            <a:endParaRPr lang="pt-BR" sz="1800" b="0" strike="noStrike" spc="-1">
               <a:latin typeface="Arial"/>
             </a:endParaRPr>
           </a:p>
@@ -3032,15 +3478,22 @@
           </a:ln>
         </p:spPr>
         <p:style>
-          <a:lnRef idx="0"/>
-          <a:fillRef idx="0"/>
-          <a:effectRef idx="0"/>
+          <a:lnRef idx="0">
+            <a:scrgbClr r="0" g="0" b="0"/>
+          </a:lnRef>
+          <a:fillRef idx="0">
+            <a:scrgbClr r="0" g="0" b="0"/>
+          </a:fillRef>
+          <a:effectRef idx="0">
+            <a:scrgbClr r="0" g="0" b="0"/>
+          </a:effectRef>
           <a:fontRef idx="minor"/>
         </p:style>
         <p:txBody>
-          <a:bodyPr lIns="90000" rIns="90000" tIns="45000" bIns="45000" anchor="t">
+          <a:bodyPr lIns="90000" tIns="45000" rIns="90000" bIns="45000" anchor="t">
             <a:spAutoFit/>
           </a:bodyPr>
+          <a:lstStyle/>
           <a:p>
             <a:pPr>
               <a:lnSpc>
@@ -3049,16 +3502,16 @@
               <a:buNone/>
             </a:pPr>
             <a:r>
-              <a:rPr b="1" lang="pt-BR" sz="2000" spc="-1" strike="noStrike">
+              <a:rPr lang="pt-BR" sz="2000" b="1" strike="noStrike" spc="-1">
                 <a:solidFill>
-                  <a:srgbClr val="e6005a"/>
+                  <a:srgbClr val="E6005A"/>
                 </a:solidFill>
                 <a:latin typeface="Open Sans"/>
                 <a:ea typeface="Open Sans"/>
               </a:rPr>
               <a:t>Palavras/frases que definem a persona</a:t>
             </a:r>
-            <a:endParaRPr b="0" lang="pt-BR" sz="2000" spc="-1" strike="noStrike">
+            <a:endParaRPr lang="pt-BR" sz="2000" b="0" strike="noStrike" spc="-1">
               <a:latin typeface="Arial"/>
             </a:endParaRPr>
           </a:p>
@@ -3084,15 +3537,22 @@
           </a:ln>
         </p:spPr>
         <p:style>
-          <a:lnRef idx="0"/>
-          <a:fillRef idx="0"/>
-          <a:effectRef idx="0"/>
+          <a:lnRef idx="0">
+            <a:scrgbClr r="0" g="0" b="0"/>
+          </a:lnRef>
+          <a:fillRef idx="0">
+            <a:scrgbClr r="0" g="0" b="0"/>
+          </a:fillRef>
+          <a:effectRef idx="0">
+            <a:scrgbClr r="0" g="0" b="0"/>
+          </a:effectRef>
           <a:fontRef idx="minor"/>
         </p:style>
         <p:txBody>
-          <a:bodyPr lIns="90000" rIns="90000" tIns="45000" bIns="45000" anchor="t">
+          <a:bodyPr lIns="90000" tIns="45000" rIns="90000" bIns="45000" anchor="t">
             <a:spAutoFit/>
           </a:bodyPr>
+          <a:lstStyle/>
           <a:p>
             <a:pPr marL="285840" indent="-285840">
               <a:lnSpc>
@@ -3105,7 +3565,7 @@
               <a:buChar char="•"/>
             </a:pPr>
             <a:r>
-              <a:rPr b="0" lang="pt-BR" sz="1800" spc="-1" strike="noStrike">
+              <a:rPr lang="pt-BR" sz="1800" b="0" strike="noStrike" spc="-1">
                 <a:solidFill>
                   <a:srgbClr val="000000"/>
                 </a:solidFill>
@@ -3114,7 +3574,7 @@
               </a:rPr>
               <a:t>Atarefado</a:t>
             </a:r>
-            <a:endParaRPr b="0" lang="pt-BR" sz="1800" spc="-1" strike="noStrike">
+            <a:endParaRPr lang="pt-BR" sz="1800" b="0" strike="noStrike" spc="-1">
               <a:latin typeface="Arial"/>
             </a:endParaRPr>
           </a:p>
@@ -3130,7 +3590,7 @@
               <a:buChar char="•"/>
             </a:pPr>
             <a:r>
-              <a:rPr b="0" lang="pt-BR" sz="1800" spc="-1" strike="noStrike">
+              <a:rPr lang="pt-BR" sz="1800" b="0" strike="noStrike" spc="-1">
                 <a:solidFill>
                   <a:srgbClr val="000000"/>
                 </a:solidFill>
@@ -3139,7 +3599,7 @@
               </a:rPr>
               <a:t>Visionário</a:t>
             </a:r>
-            <a:endParaRPr b="0" lang="pt-BR" sz="1800" spc="-1" strike="noStrike">
+            <a:endParaRPr lang="pt-BR" sz="1800" b="0" strike="noStrike" spc="-1">
               <a:latin typeface="Arial"/>
             </a:endParaRPr>
           </a:p>
@@ -3155,7 +3615,7 @@
               <a:buChar char="•"/>
             </a:pPr>
             <a:r>
-              <a:rPr b="0" lang="pt-BR" sz="1800" spc="-1" strike="noStrike">
+              <a:rPr lang="pt-BR" sz="1800" b="0" strike="noStrike" spc="-1">
                 <a:solidFill>
                   <a:srgbClr val="000000"/>
                 </a:solidFill>
@@ -3164,7 +3624,7 @@
               </a:rPr>
               <a:t>Pouco tempo disponível</a:t>
             </a:r>
-            <a:endParaRPr b="0" lang="pt-BR" sz="1800" spc="-1" strike="noStrike">
+            <a:endParaRPr lang="pt-BR" sz="1800" b="0" strike="noStrike" spc="-1">
               <a:latin typeface="Arial"/>
             </a:endParaRPr>
           </a:p>
@@ -3180,7 +3640,7 @@
               <a:buChar char="•"/>
             </a:pPr>
             <a:r>
-              <a:rPr b="0" lang="pt-BR" sz="1800" spc="-1" strike="noStrike">
+              <a:rPr lang="pt-BR" sz="1800" b="0" strike="noStrike" spc="-1">
                 <a:solidFill>
                   <a:srgbClr val="000000"/>
                 </a:solidFill>
@@ -3189,7 +3649,7 @@
               </a:rPr>
               <a:t>Estrategista</a:t>
             </a:r>
-            <a:endParaRPr b="0" lang="pt-BR" sz="1800" spc="-1" strike="noStrike">
+            <a:endParaRPr lang="pt-BR" sz="1800" b="0" strike="noStrike" spc="-1">
               <a:latin typeface="Arial"/>
             </a:endParaRPr>
           </a:p>
@@ -3205,7 +3665,7 @@
               <a:buChar char="•"/>
             </a:pPr>
             <a:r>
-              <a:rPr b="0" lang="pt-BR" sz="1800" spc="-1" strike="noStrike">
+              <a:rPr lang="pt-BR" sz="1800" b="0" strike="noStrike" spc="-1">
                 <a:solidFill>
                   <a:srgbClr val="000000"/>
                 </a:solidFill>
@@ -3214,7 +3674,7 @@
               </a:rPr>
               <a:t>Gestor de TI</a:t>
             </a:r>
-            <a:endParaRPr b="0" lang="pt-BR" sz="1800" spc="-1" strike="noStrike">
+            <a:endParaRPr lang="pt-BR" sz="1800" b="0" strike="noStrike" spc="-1">
               <a:latin typeface="Arial"/>
             </a:endParaRPr>
           </a:p>
@@ -3240,15 +3700,22 @@
           </a:ln>
         </p:spPr>
         <p:style>
-          <a:lnRef idx="0"/>
-          <a:fillRef idx="0"/>
-          <a:effectRef idx="0"/>
+          <a:lnRef idx="0">
+            <a:scrgbClr r="0" g="0" b="0"/>
+          </a:lnRef>
+          <a:fillRef idx="0">
+            <a:scrgbClr r="0" g="0" b="0"/>
+          </a:fillRef>
+          <a:effectRef idx="0">
+            <a:scrgbClr r="0" g="0" b="0"/>
+          </a:effectRef>
           <a:fontRef idx="minor"/>
         </p:style>
         <p:txBody>
-          <a:bodyPr lIns="90000" rIns="90000" tIns="45000" bIns="45000" anchor="t">
+          <a:bodyPr lIns="90000" tIns="45000" rIns="90000" bIns="45000" anchor="t">
             <a:spAutoFit/>
           </a:bodyPr>
+          <a:lstStyle/>
           <a:p>
             <a:pPr>
               <a:lnSpc>
@@ -3257,16 +3724,16 @@
               <a:buNone/>
             </a:pPr>
             <a:r>
-              <a:rPr b="1" lang="pt-BR" sz="2000" spc="-1" strike="noStrike">
+              <a:rPr lang="pt-BR" sz="2000" b="1" strike="noStrike" spc="-1">
                 <a:solidFill>
-                  <a:srgbClr val="e6005a"/>
+                  <a:srgbClr val="E6005A"/>
                 </a:solidFill>
                 <a:latin typeface="Open Sans"/>
                 <a:ea typeface="Open Sans"/>
               </a:rPr>
               <a:t>Dores e Necessidades</a:t>
             </a:r>
-            <a:endParaRPr b="0" lang="pt-BR" sz="2000" spc="-1" strike="noStrike">
+            <a:endParaRPr lang="pt-BR" sz="2000" b="0" strike="noStrike" spc="-1">
               <a:latin typeface="Arial"/>
             </a:endParaRPr>
           </a:p>
@@ -3292,15 +3759,22 @@
           </a:ln>
         </p:spPr>
         <p:style>
-          <a:lnRef idx="0"/>
-          <a:fillRef idx="0"/>
-          <a:effectRef idx="0"/>
+          <a:lnRef idx="0">
+            <a:scrgbClr r="0" g="0" b="0"/>
+          </a:lnRef>
+          <a:fillRef idx="0">
+            <a:scrgbClr r="0" g="0" b="0"/>
+          </a:fillRef>
+          <a:effectRef idx="0">
+            <a:scrgbClr r="0" g="0" b="0"/>
+          </a:effectRef>
           <a:fontRef idx="minor"/>
         </p:style>
         <p:txBody>
-          <a:bodyPr lIns="90000" rIns="90000" tIns="45000" bIns="45000" anchor="t">
+          <a:bodyPr lIns="90000" tIns="45000" rIns="90000" bIns="45000" anchor="t">
             <a:spAutoFit/>
           </a:bodyPr>
+          <a:lstStyle/>
           <a:p>
             <a:pPr marL="285840" indent="-285840">
               <a:lnSpc>
@@ -3313,7 +3787,7 @@
               <a:buChar char="•"/>
             </a:pPr>
             <a:r>
-              <a:rPr b="0" lang="pt-BR" sz="1800" spc="-1" strike="noStrike">
+              <a:rPr lang="pt-BR" sz="1800" b="0" strike="noStrike" spc="-1">
                 <a:solidFill>
                   <a:srgbClr val="000000"/>
                 </a:solidFill>
@@ -3322,7 +3796,7 @@
               </a:rPr>
               <a:t>Sofre com um sistema instável</a:t>
             </a:r>
-            <a:endParaRPr b="0" lang="pt-BR" sz="1800" spc="-1" strike="noStrike">
+            <a:endParaRPr lang="pt-BR" sz="1800" b="0" strike="noStrike" spc="-1">
               <a:latin typeface="Arial"/>
             </a:endParaRPr>
           </a:p>
@@ -3338,7 +3812,7 @@
               <a:buChar char="•"/>
             </a:pPr>
             <a:r>
-              <a:rPr b="0" lang="pt-BR" sz="1800" spc="-1" strike="noStrike">
+              <a:rPr lang="pt-BR" sz="1800" b="0" strike="noStrike" spc="-1">
                 <a:solidFill>
                   <a:srgbClr val="000000"/>
                 </a:solidFill>
@@ -3347,7 +3821,7 @@
               </a:rPr>
               <a:t>Precisa de um sistema com maior uptime possível</a:t>
             </a:r>
-            <a:endParaRPr b="0" lang="pt-BR" sz="1800" spc="-1" strike="noStrike">
+            <a:endParaRPr lang="pt-BR" sz="1800" b="0" strike="noStrike" spc="-1">
               <a:latin typeface="Arial"/>
             </a:endParaRPr>
           </a:p>
@@ -3363,7 +3837,7 @@
               <a:buChar char="•"/>
             </a:pPr>
             <a:r>
-              <a:rPr b="0" lang="pt-BR" sz="1800" spc="-1" strike="noStrike">
+              <a:rPr lang="pt-BR" sz="1800" b="0" strike="noStrike" spc="-1">
                 <a:solidFill>
                   <a:srgbClr val="000000"/>
                 </a:solidFill>
@@ -3372,7 +3846,7 @@
               </a:rPr>
               <a:t>Necessita de soluções rápidas e eficientes</a:t>
             </a:r>
-            <a:endParaRPr b="0" lang="pt-BR" sz="1800" spc="-1" strike="noStrike">
+            <a:endParaRPr lang="pt-BR" sz="1800" b="0" strike="noStrike" spc="-1">
               <a:latin typeface="Arial"/>
             </a:endParaRPr>
           </a:p>
@@ -3388,7 +3862,7 @@
               <a:buChar char="•"/>
             </a:pPr>
             <a:r>
-              <a:rPr b="0" lang="pt-BR" sz="1800" spc="-1" strike="noStrike">
+              <a:rPr lang="pt-BR" sz="1800" b="0" strike="noStrike" spc="-1">
                 <a:solidFill>
                   <a:srgbClr val="000000"/>
                 </a:solidFill>
@@ -3397,7 +3871,7 @@
               </a:rPr>
               <a:t>Qualquer falha resulta em grandes perdas</a:t>
             </a:r>
-            <a:endParaRPr b="0" lang="pt-BR" sz="1800" spc="-1" strike="noStrike">
+            <a:endParaRPr lang="pt-BR" sz="1800" b="0" strike="noStrike" spc="-1">
               <a:latin typeface="Arial"/>
             </a:endParaRPr>
           </a:p>
@@ -3413,7 +3887,7 @@
               <a:buChar char="•"/>
             </a:pPr>
             <a:r>
-              <a:rPr b="0" lang="pt-BR" sz="1800" spc="-1" strike="noStrike">
+              <a:rPr lang="pt-BR" sz="1800" b="0" strike="noStrike" spc="-1">
                 <a:solidFill>
                   <a:srgbClr val="000000"/>
                 </a:solidFill>
@@ -3422,7 +3896,7 @@
               </a:rPr>
               <a:t>Necessita de uma visão analítica que o ajude na tomada de decisões</a:t>
             </a:r>
-            <a:endParaRPr b="0" lang="pt-BR" sz="1800" spc="-1" strike="noStrike">
+            <a:endParaRPr lang="pt-BR" sz="1800" b="0" strike="noStrike" spc="-1">
               <a:latin typeface="Arial"/>
             </a:endParaRPr>
           </a:p>
@@ -3430,19 +3904,14 @@
       </p:sp>
     </p:spTree>
   </p:cSld>
-  <mc:AlternateContent>
-    <mc:Choice Requires="p14">
-      <p:transition spd="slow" p14:dur="2000"/>
-    </mc:Choice>
-    <mc:Fallback>
-      <p:transition spd="slow"/>
-    </mc:Fallback>
-  </mc:AlternateContent>
+  <p:clrMapOvr>
+    <a:masterClrMapping/>
+  </p:clrMapOvr>
 </p:sld>
 </file>
 
 <file path=ppt/slides/slide2.xml><?xml version="1.0" encoding="utf-8"?>
-<p:sld xmlns:a="http://schemas.openxmlformats.org/drawingml/2006/main" xmlns:p="http://schemas.openxmlformats.org/presentationml/2006/main" xmlns:r="http://schemas.openxmlformats.org/officeDocument/2006/relationships" xmlns:p14="http://schemas.microsoft.com/office/powerpoint/2010/main" xmlns:p15="http://schemas.microsoft.com/office/powerpoint/2012/main" xmlns:mc="http://schemas.openxmlformats.org/markup-compatibility/2006">
+<p:sld xmlns:a="http://schemas.openxmlformats.org/drawingml/2006/main" xmlns:r="http://schemas.openxmlformats.org/officeDocument/2006/relationships" xmlns:p="http://schemas.openxmlformats.org/presentationml/2006/main">
   <p:cSld>
     <p:spTree>
       <p:nvGrpSpPr>
@@ -3477,7 +3946,7 @@
           </a:solidFill>
           <a:ln>
             <a:solidFill>
-              <a:srgbClr val="afabab"/>
+              <a:srgbClr val="AFABAB"/>
             </a:solidFill>
           </a:ln>
         </p:spPr>
@@ -3515,7 +3984,7 @@
           </a:solidFill>
           <a:ln>
             <a:solidFill>
-              <a:srgbClr val="afabab"/>
+              <a:srgbClr val="AFABAB"/>
             </a:solidFill>
           </a:ln>
         </p:spPr>
@@ -3542,7 +4011,7 @@
         </p:nvSpPr>
         <p:spPr>
           <a:xfrm>
-            <a:off x="292680" y="3643920"/>
+            <a:off x="86760" y="3618360"/>
             <a:ext cx="11597760" cy="2918880"/>
           </a:xfrm>
           <a:prstGeom prst="rect">
@@ -3553,7 +4022,7 @@
           </a:solidFill>
           <a:ln>
             <a:solidFill>
-              <a:srgbClr val="afabab"/>
+              <a:srgbClr val="AFABAB"/>
             </a:solidFill>
           </a:ln>
         </p:spPr>
@@ -3572,17 +4041,12 @@
           <a:fontRef idx="minor"/>
         </p:style>
         <p:txBody>
-          <a:bodyPr lIns="90000" rIns="90000" tIns="45000" bIns="45000" anchor="t">
+          <a:bodyPr lIns="90000" tIns="45000" rIns="90000" bIns="45000" anchor="t">
             <a:noAutofit/>
           </a:bodyPr>
-          <a:p>
-            <a:r>
-              <a:rPr b="0" lang="pt-BR" sz="1800" spc="-1" strike="noStrike">
-                <a:latin typeface="Arial"/>
-              </a:rPr>
-              <a:t>U+0078</a:t>
-            </a:r>
-            <a:endParaRPr b="0" lang="pt-BR" sz="1800" spc="-1" strike="noStrike">
+          <a:lstStyle/>
+          <a:p>
+            <a:endParaRPr lang="pt-BR" sz="1800" b="0" strike="noStrike" spc="-1" dirty="0">
               <a:latin typeface="Arial"/>
             </a:endParaRPr>
           </a:p>
@@ -3608,15 +4072,22 @@
           </a:ln>
         </p:spPr>
         <p:style>
-          <a:lnRef idx="0"/>
-          <a:fillRef idx="0"/>
-          <a:effectRef idx="0"/>
+          <a:lnRef idx="0">
+            <a:scrgbClr r="0" g="0" b="0"/>
+          </a:lnRef>
+          <a:fillRef idx="0">
+            <a:scrgbClr r="0" g="0" b="0"/>
+          </a:fillRef>
+          <a:effectRef idx="0">
+            <a:scrgbClr r="0" g="0" b="0"/>
+          </a:effectRef>
           <a:fontRef idx="minor"/>
         </p:style>
         <p:txBody>
-          <a:bodyPr lIns="90000" rIns="90000" tIns="45000" bIns="45000" anchor="t">
+          <a:bodyPr lIns="90000" tIns="45000" rIns="90000" bIns="45000" anchor="t">
             <a:spAutoFit/>
           </a:bodyPr>
+          <a:lstStyle/>
           <a:p>
             <a:pPr>
               <a:lnSpc>
@@ -3625,9 +4096,9 @@
               <a:buNone/>
             </a:pPr>
             <a:r>
-              <a:rPr b="1" lang="pt-BR" sz="2000" spc="-1" strike="noStrike">
+              <a:rPr lang="pt-BR" sz="2000" b="1" strike="noStrike" spc="-1">
                 <a:solidFill>
-                  <a:srgbClr val="e6095a"/>
+                  <a:srgbClr val="E6095A"/>
                 </a:solidFill>
                 <a:latin typeface="Open Sans"/>
                 <a:ea typeface="Open Sans"/>
@@ -3635,9 +4106,9 @@
               <a:t>Quem? </a:t>
             </a:r>
             <a:r>
-              <a:rPr b="1" lang="pt-BR" sz="2000" spc="-1" strike="noStrike">
+              <a:rPr lang="pt-BR" sz="2000" b="1" strike="noStrike" spc="-1">
                 <a:solidFill>
-                  <a:srgbClr val="e6005a"/>
+                  <a:srgbClr val="E6005A"/>
                 </a:solidFill>
                 <a:latin typeface="Open Sans"/>
                 <a:ea typeface="Open Sans"/>
@@ -3645,16 +4116,16 @@
               <a:t>Nome</a:t>
             </a:r>
             <a:r>
-              <a:rPr b="1" lang="pt-BR" sz="2000" spc="-1" strike="noStrike">
+              <a:rPr lang="pt-BR" sz="2000" b="1" strike="noStrike" spc="-1">
                 <a:solidFill>
-                  <a:srgbClr val="e6095a"/>
+                  <a:srgbClr val="E6095A"/>
                 </a:solidFill>
                 <a:latin typeface="Open Sans"/>
                 <a:ea typeface="Open Sans"/>
               </a:rPr>
               <a:t>, foto e uma frase que especifique o problema</a:t>
             </a:r>
-            <a:endParaRPr b="0" lang="pt-BR" sz="2000" spc="-1" strike="noStrike">
+            <a:endParaRPr lang="pt-BR" sz="2000" b="0" strike="noStrike" spc="-1">
               <a:latin typeface="Arial"/>
             </a:endParaRPr>
           </a:p>
@@ -3680,15 +4151,22 @@
           </a:ln>
         </p:spPr>
         <p:style>
-          <a:lnRef idx="0"/>
-          <a:fillRef idx="0"/>
-          <a:effectRef idx="0"/>
+          <a:lnRef idx="0">
+            <a:scrgbClr r="0" g="0" b="0"/>
+          </a:lnRef>
+          <a:fillRef idx="0">
+            <a:scrgbClr r="0" g="0" b="0"/>
+          </a:fillRef>
+          <a:effectRef idx="0">
+            <a:scrgbClr r="0" g="0" b="0"/>
+          </a:effectRef>
           <a:fontRef idx="minor"/>
         </p:style>
         <p:txBody>
-          <a:bodyPr lIns="90000" rIns="90000" tIns="45000" bIns="45000" anchor="t">
+          <a:bodyPr lIns="90000" tIns="45000" rIns="90000" bIns="45000" anchor="t">
             <a:spAutoFit/>
           </a:bodyPr>
+          <a:lstStyle/>
           <a:p>
             <a:pPr>
               <a:lnSpc>
@@ -3697,7 +4175,7 @@
               <a:buNone/>
             </a:pPr>
             <a:r>
-              <a:rPr b="0" lang="pt-BR" sz="2000" spc="-1" strike="noStrike">
+              <a:rPr lang="pt-BR" sz="2000" b="0" strike="noStrike" spc="-1">
                 <a:solidFill>
                   <a:srgbClr val="000000"/>
                 </a:solidFill>
@@ -3706,7 +4184,7 @@
               </a:rPr>
               <a:t>Gabriel</a:t>
             </a:r>
-            <a:endParaRPr b="0" lang="pt-BR" sz="2000" spc="-1" strike="noStrike">
+            <a:endParaRPr lang="pt-BR" sz="2000" b="0" strike="noStrike" spc="-1">
               <a:latin typeface="Arial"/>
             </a:endParaRPr>
           </a:p>
@@ -3718,27 +4196,17 @@
               <a:buNone/>
             </a:pPr>
             <a:r>
-              <a:rPr b="0" lang="pt-BR" sz="1600" spc="-1" strike="noStrike">
+              <a:rPr lang="pt-BR" sz="1600" b="0" strike="noStrike" spc="-1">
                 <a:solidFill>
                   <a:srgbClr val="000000"/>
                 </a:solidFill>
                 <a:latin typeface="Open Sans"/>
                 <a:ea typeface="Open Sans"/>
               </a:rPr>
-              <a:t>“</a:t>
-            </a:r>
-            <a:r>
-              <a:rPr b="0" lang="pt-BR" sz="1600" spc="-1" strike="noStrike">
-                <a:solidFill>
-                  <a:srgbClr val="000000"/>
-                </a:solidFill>
-                <a:latin typeface="Open Sans"/>
-                <a:ea typeface="Open Sans"/>
-              </a:rPr>
-              <a:t>Estar sempre à disposição é um desafio</a:t>
-            </a:r>
-            <a:r>
-              <a:rPr b="0" lang="pt-BR" sz="1800" spc="-1" strike="noStrike">
+              <a:t>“Estar sempre à disposição é um desafio</a:t>
+            </a:r>
+            <a:r>
+              <a:rPr lang="pt-BR" sz="1800" b="0" strike="noStrike" spc="-1">
                 <a:solidFill>
                   <a:srgbClr val="000000"/>
                 </a:solidFill>
@@ -3747,7 +4215,7 @@
               </a:rPr>
               <a:t>.”</a:t>
             </a:r>
-            <a:endParaRPr b="0" lang="pt-BR" sz="1800" spc="-1" strike="noStrike">
+            <a:endParaRPr lang="pt-BR" sz="1800" b="0" strike="noStrike" spc="-1">
               <a:latin typeface="Arial"/>
             </a:endParaRPr>
           </a:p>
@@ -3773,15 +4241,22 @@
           </a:ln>
         </p:spPr>
         <p:style>
-          <a:lnRef idx="0"/>
-          <a:fillRef idx="0"/>
-          <a:effectRef idx="0"/>
+          <a:lnRef idx="0">
+            <a:scrgbClr r="0" g="0" b="0"/>
+          </a:lnRef>
+          <a:fillRef idx="0">
+            <a:scrgbClr r="0" g="0" b="0"/>
+          </a:fillRef>
+          <a:effectRef idx="0">
+            <a:scrgbClr r="0" g="0" b="0"/>
+          </a:effectRef>
           <a:fontRef idx="minor"/>
         </p:style>
         <p:txBody>
-          <a:bodyPr lIns="90000" rIns="90000" tIns="45000" bIns="45000" anchor="t">
+          <a:bodyPr lIns="90000" tIns="45000" rIns="90000" bIns="45000" anchor="t">
             <a:spAutoFit/>
           </a:bodyPr>
+          <a:lstStyle/>
           <a:p>
             <a:pPr>
               <a:lnSpc>
@@ -3790,16 +4265,16 @@
               <a:buNone/>
             </a:pPr>
             <a:r>
-              <a:rPr b="1" lang="pt-BR" sz="2000" spc="-1" strike="noStrike">
+              <a:rPr lang="pt-BR" sz="2000" b="1" strike="noStrike" spc="-1">
                 <a:solidFill>
-                  <a:srgbClr val="e6005a"/>
+                  <a:srgbClr val="E6005A"/>
                 </a:solidFill>
                 <a:latin typeface="Open Sans"/>
                 <a:ea typeface="Open Sans"/>
               </a:rPr>
               <a:t>Palavras/frases que definem a persona</a:t>
             </a:r>
-            <a:endParaRPr b="0" lang="pt-BR" sz="2000" spc="-1" strike="noStrike">
+            <a:endParaRPr lang="pt-BR" sz="2000" b="0" strike="noStrike" spc="-1">
               <a:latin typeface="Arial"/>
             </a:endParaRPr>
           </a:p>
@@ -3825,15 +4300,22 @@
           </a:ln>
         </p:spPr>
         <p:style>
-          <a:lnRef idx="0"/>
-          <a:fillRef idx="0"/>
-          <a:effectRef idx="0"/>
+          <a:lnRef idx="0">
+            <a:scrgbClr r="0" g="0" b="0"/>
+          </a:lnRef>
+          <a:fillRef idx="0">
+            <a:scrgbClr r="0" g="0" b="0"/>
+          </a:fillRef>
+          <a:effectRef idx="0">
+            <a:scrgbClr r="0" g="0" b="0"/>
+          </a:effectRef>
           <a:fontRef idx="minor"/>
         </p:style>
         <p:txBody>
-          <a:bodyPr lIns="90000" rIns="90000" tIns="45000" bIns="45000" anchor="t">
+          <a:bodyPr lIns="90000" tIns="45000" rIns="90000" bIns="45000" anchor="t">
             <a:spAutoFit/>
           </a:bodyPr>
+          <a:lstStyle/>
           <a:p>
             <a:pPr marL="285840" indent="-285840">
               <a:lnSpc>
@@ -3846,7 +4328,7 @@
               <a:buChar char="•"/>
             </a:pPr>
             <a:r>
-              <a:rPr b="0" lang="pt-BR" sz="1800" spc="-1" strike="noStrike">
+              <a:rPr lang="pt-BR" sz="1800" b="0" strike="noStrike" spc="-1">
                 <a:solidFill>
                   <a:srgbClr val="000000"/>
                 </a:solidFill>
@@ -3855,7 +4337,7 @@
               </a:rPr>
               <a:t>Ansioso</a:t>
             </a:r>
-            <a:endParaRPr b="0" lang="pt-BR" sz="1800" spc="-1" strike="noStrike">
+            <a:endParaRPr lang="pt-BR" sz="1800" b="0" strike="noStrike" spc="-1">
               <a:latin typeface="Arial"/>
             </a:endParaRPr>
           </a:p>
@@ -3871,7 +4353,7 @@
               <a:buChar char="•"/>
             </a:pPr>
             <a:r>
-              <a:rPr b="0" lang="pt-BR" sz="1800" spc="-1" strike="noStrike">
+              <a:rPr lang="pt-BR" sz="1800" b="0" strike="noStrike" spc="-1">
                 <a:solidFill>
                   <a:srgbClr val="000000"/>
                 </a:solidFill>
@@ -3880,7 +4362,7 @@
               </a:rPr>
               <a:t>Responsável</a:t>
             </a:r>
-            <a:endParaRPr b="0" lang="pt-BR" sz="1800" spc="-1" strike="noStrike">
+            <a:endParaRPr lang="pt-BR" sz="1800" b="0" strike="noStrike" spc="-1">
               <a:latin typeface="Arial"/>
             </a:endParaRPr>
           </a:p>
@@ -3896,7 +4378,7 @@
               <a:buChar char="•"/>
             </a:pPr>
             <a:r>
-              <a:rPr b="0" lang="pt-BR" sz="1800" spc="-1" strike="noStrike">
+              <a:rPr lang="pt-BR" sz="1800" b="0" strike="noStrike" spc="-1">
                 <a:solidFill>
                   <a:srgbClr val="000000"/>
                 </a:solidFill>
@@ -3905,7 +4387,7 @@
               </a:rPr>
               <a:t>Detalhista</a:t>
             </a:r>
-            <a:endParaRPr b="0" lang="pt-BR" sz="1800" spc="-1" strike="noStrike">
+            <a:endParaRPr lang="pt-BR" sz="1800" b="0" strike="noStrike" spc="-1">
               <a:latin typeface="Arial"/>
             </a:endParaRPr>
           </a:p>
@@ -3921,7 +4403,7 @@
               <a:buChar char="•"/>
             </a:pPr>
             <a:r>
-              <a:rPr b="0" lang="pt-BR" sz="1800" spc="-1" strike="noStrike">
+              <a:rPr lang="pt-BR" sz="1800" b="0" strike="noStrike" spc="-1">
                 <a:solidFill>
                   <a:srgbClr val="000000"/>
                 </a:solidFill>
@@ -3930,7 +4412,7 @@
               </a:rPr>
               <a:t>Conectado (early-adopter)</a:t>
             </a:r>
-            <a:endParaRPr b="0" lang="pt-BR" sz="1800" spc="-1" strike="noStrike">
+            <a:endParaRPr lang="pt-BR" sz="1800" b="0" strike="noStrike" spc="-1">
               <a:latin typeface="Arial"/>
             </a:endParaRPr>
           </a:p>
@@ -3946,7 +4428,7 @@
               <a:buChar char="•"/>
             </a:pPr>
             <a:r>
-              <a:rPr b="0" lang="pt-BR" sz="1800" spc="-1" strike="noStrike">
+              <a:rPr lang="pt-BR" sz="1800" b="0" strike="noStrike" spc="-1">
                 <a:solidFill>
                   <a:srgbClr val="000000"/>
                 </a:solidFill>
@@ -3955,7 +4437,7 @@
               </a:rPr>
               <a:t>Autodidata</a:t>
             </a:r>
-            <a:endParaRPr b="0" lang="pt-BR" sz="1800" spc="-1" strike="noStrike">
+            <a:endParaRPr lang="pt-BR" sz="1800" b="0" strike="noStrike" spc="-1">
               <a:latin typeface="Arial"/>
             </a:endParaRPr>
           </a:p>
@@ -3971,7 +4453,7 @@
               <a:buChar char="•"/>
             </a:pPr>
             <a:r>
-              <a:rPr b="0" lang="pt-BR" sz="1800" spc="-1" strike="noStrike">
+              <a:rPr lang="pt-BR" sz="1800" b="0" strike="noStrike" spc="-1">
                 <a:solidFill>
                   <a:srgbClr val="000000"/>
                 </a:solidFill>
@@ -3980,7 +4462,7 @@
               </a:rPr>
               <a:t>Suporte Técnico</a:t>
             </a:r>
-            <a:endParaRPr b="0" lang="pt-BR" sz="1800" spc="-1" strike="noStrike">
+            <a:endParaRPr lang="pt-BR" sz="1800" b="0" strike="noStrike" spc="-1">
               <a:latin typeface="Arial"/>
             </a:endParaRPr>
           </a:p>
@@ -4006,15 +4488,22 @@
           </a:ln>
         </p:spPr>
         <p:style>
-          <a:lnRef idx="0"/>
-          <a:fillRef idx="0"/>
-          <a:effectRef idx="0"/>
+          <a:lnRef idx="0">
+            <a:scrgbClr r="0" g="0" b="0"/>
+          </a:lnRef>
+          <a:fillRef idx="0">
+            <a:scrgbClr r="0" g="0" b="0"/>
+          </a:fillRef>
+          <a:effectRef idx="0">
+            <a:scrgbClr r="0" g="0" b="0"/>
+          </a:effectRef>
           <a:fontRef idx="minor"/>
         </p:style>
         <p:txBody>
-          <a:bodyPr lIns="90000" rIns="90000" tIns="45000" bIns="45000" anchor="t">
+          <a:bodyPr lIns="90000" tIns="45000" rIns="90000" bIns="45000" anchor="t">
             <a:spAutoFit/>
           </a:bodyPr>
+          <a:lstStyle/>
           <a:p>
             <a:pPr>
               <a:lnSpc>
@@ -4023,16 +4512,16 @@
               <a:buNone/>
             </a:pPr>
             <a:r>
-              <a:rPr b="1" lang="pt-BR" sz="2000" spc="-1" strike="noStrike">
+              <a:rPr lang="pt-BR" sz="2000" b="1" strike="noStrike" spc="-1">
                 <a:solidFill>
-                  <a:srgbClr val="e6005a"/>
+                  <a:srgbClr val="E6005A"/>
                 </a:solidFill>
                 <a:latin typeface="Open Sans"/>
                 <a:ea typeface="Open Sans"/>
               </a:rPr>
               <a:t>Dores e Necessidades</a:t>
             </a:r>
-            <a:endParaRPr b="0" lang="pt-BR" sz="2000" spc="-1" strike="noStrike">
+            <a:endParaRPr lang="pt-BR" sz="2000" b="0" strike="noStrike" spc="-1">
               <a:latin typeface="Arial"/>
             </a:endParaRPr>
           </a:p>
@@ -4058,15 +4547,22 @@
           </a:ln>
         </p:spPr>
         <p:style>
-          <a:lnRef idx="0"/>
-          <a:fillRef idx="0"/>
-          <a:effectRef idx="0"/>
+          <a:lnRef idx="0">
+            <a:scrgbClr r="0" g="0" b="0"/>
+          </a:lnRef>
+          <a:fillRef idx="0">
+            <a:scrgbClr r="0" g="0" b="0"/>
+          </a:fillRef>
+          <a:effectRef idx="0">
+            <a:scrgbClr r="0" g="0" b="0"/>
+          </a:effectRef>
           <a:fontRef idx="minor"/>
         </p:style>
         <p:txBody>
-          <a:bodyPr lIns="90000" rIns="90000" tIns="45000" bIns="45000" anchor="t">
+          <a:bodyPr lIns="90000" tIns="45000" rIns="90000" bIns="45000" anchor="t">
             <a:spAutoFit/>
           </a:bodyPr>
+          <a:lstStyle/>
           <a:p>
             <a:pPr marL="285840" indent="-285840">
               <a:lnSpc>
@@ -4079,7 +4575,7 @@
               <a:buChar char="•"/>
             </a:pPr>
             <a:r>
-              <a:rPr b="0" lang="pt-BR" sz="1800" spc="-1" strike="noStrike">
+              <a:rPr lang="pt-BR" sz="1800" b="0" strike="noStrike" spc="-1">
                 <a:solidFill>
                   <a:srgbClr val="000000"/>
                 </a:solidFill>
@@ -4088,7 +4584,7 @@
               </a:rPr>
               <a:t>Sofre com manutenções recorrentes e inesperadas</a:t>
             </a:r>
-            <a:endParaRPr b="0" lang="pt-BR" sz="1800" spc="-1" strike="noStrike">
+            <a:endParaRPr lang="pt-BR" sz="1800" b="0" strike="noStrike" spc="-1">
               <a:latin typeface="Arial"/>
             </a:endParaRPr>
           </a:p>
@@ -4104,7 +4600,7 @@
               <a:buChar char="•"/>
             </a:pPr>
             <a:r>
-              <a:rPr b="0" lang="pt-BR" sz="1800" spc="-1" strike="noStrike">
+              <a:rPr lang="pt-BR" sz="1800" b="0" strike="noStrike" spc="-1">
                 <a:solidFill>
                   <a:srgbClr val="000000"/>
                 </a:solidFill>
@@ -4113,7 +4609,7 @@
               </a:rPr>
               <a:t>Não possui um sistema de monitoramento adequado</a:t>
             </a:r>
-            <a:endParaRPr b="0" lang="pt-BR" sz="1800" spc="-1" strike="noStrike">
+            <a:endParaRPr lang="pt-BR" sz="1800" b="0" strike="noStrike" spc="-1">
               <a:latin typeface="Arial"/>
             </a:endParaRPr>
           </a:p>
@@ -4129,7 +4625,7 @@
               <a:buChar char="•"/>
             </a:pPr>
             <a:r>
-              <a:rPr b="0" lang="pt-BR" sz="1800" spc="-1" strike="noStrike">
+              <a:rPr lang="pt-BR" sz="1800" b="0" strike="noStrike" spc="-1">
                 <a:solidFill>
                   <a:srgbClr val="000000"/>
                 </a:solidFill>
@@ -4138,7 +4634,7 @@
               </a:rPr>
               <a:t>Faz parte de uma equipe pequena.</a:t>
             </a:r>
-            <a:endParaRPr b="0" lang="pt-BR" sz="1800" spc="-1" strike="noStrike">
+            <a:endParaRPr lang="pt-BR" sz="1800" b="0" strike="noStrike" spc="-1">
               <a:latin typeface="Arial"/>
             </a:endParaRPr>
           </a:p>
@@ -4151,7 +4647,7 @@
           <p:nvPr/>
         </p:nvPicPr>
         <p:blipFill>
-          <a:blip r:embed="rId1"/>
+          <a:blip r:embed="rId2"/>
           <a:stretch/>
         </p:blipFill>
         <p:spPr>
@@ -4169,14 +4665,9 @@
       </p:pic>
     </p:spTree>
   </p:cSld>
-  <mc:AlternateContent>
-    <mc:Choice Requires="p14">
-      <p:transition spd="slow" p14:dur="2000"/>
-    </mc:Choice>
-    <mc:Fallback>
-      <p:transition spd="slow"/>
-    </mc:Fallback>
-  </mc:AlternateContent>
+  <p:clrMapOvr>
+    <a:masterClrMapping/>
+  </p:clrMapOvr>
 </p:sld>
 </file>
 
@@ -4191,34 +4682,34 @@
         <a:sysClr val="window" lastClr="FFFFFF"/>
       </a:lt1>
       <a:dk2>
-        <a:srgbClr val="44546a"/>
+        <a:srgbClr val="44546A"/>
       </a:dk2>
       <a:lt2>
-        <a:srgbClr val="e7e6e6"/>
+        <a:srgbClr val="E7E6E6"/>
       </a:lt2>
       <a:accent1>
-        <a:srgbClr val="4472c4"/>
+        <a:srgbClr val="4472C4"/>
       </a:accent1>
       <a:accent2>
-        <a:srgbClr val="ed7d31"/>
+        <a:srgbClr val="ED7D31"/>
       </a:accent2>
       <a:accent3>
-        <a:srgbClr val="a5a5a5"/>
+        <a:srgbClr val="A5A5A5"/>
       </a:accent3>
       <a:accent4>
-        <a:srgbClr val="ffc000"/>
+        <a:srgbClr val="FFC000"/>
       </a:accent4>
       <a:accent5>
-        <a:srgbClr val="5b9bd5"/>
+        <a:srgbClr val="5B9BD5"/>
       </a:accent5>
       <a:accent6>
-        <a:srgbClr val="70ad47"/>
+        <a:srgbClr val="70AD47"/>
       </a:accent6>
       <a:hlink>
-        <a:srgbClr val="0563c1"/>
+        <a:srgbClr val="0563C1"/>
       </a:hlink>
       <a:folHlink>
-        <a:srgbClr val="954f72"/>
+        <a:srgbClr val="954F72"/>
       </a:folHlink>
     </a:clrScheme>
     <a:fontScheme name="Office">
@@ -4403,5 +4894,7 @@
       </a:bgFillStyleLst>
     </a:fmtScheme>
   </a:themeElements>
+  <a:objectDefaults/>
+  <a:extraClrSchemeLst/>
 </a:theme>
 </file>